--- a/semaine2/CO12AL-W2-VIDEO12-SLIDE01.pptx
+++ b/semaine2/CO12AL-W2-VIDEO12-SLIDE01.pptx
@@ -5,21 +5,20 @@
     <p:sldMasterId id="2147483649" r:id="rId1"/>
   </p:sldMasterIdLst>
   <p:notesMasterIdLst>
-    <p:notesMasterId r:id="rId9"/>
+    <p:notesMasterId r:id="rId8"/>
   </p:notesMasterIdLst>
   <p:handoutMasterIdLst>
-    <p:handoutMasterId r:id="rId10"/>
+    <p:handoutMasterId r:id="rId9"/>
   </p:handoutMasterIdLst>
   <p:sldIdLst>
     <p:sldId id="897" r:id="rId2"/>
     <p:sldId id="898" r:id="rId3"/>
     <p:sldId id="899" r:id="rId4"/>
     <p:sldId id="901" r:id="rId5"/>
-    <p:sldId id="902" r:id="rId6"/>
-    <p:sldId id="903" r:id="rId7"/>
-    <p:sldId id="904" r:id="rId8"/>
+    <p:sldId id="903" r:id="rId6"/>
+    <p:sldId id="904" r:id="rId7"/>
   </p:sldIdLst>
-  <p:sldSz cx="9144000" cy="6858000" type="screen4x3"/>
+  <p:sldSz cx="12192000" cy="6858000"/>
   <p:notesSz cx="7099300" cy="10234613"/>
   <p:defaultTextStyle>
     <a:defPPr>
@@ -155,7 +154,6 @@
             <p14:sldId id="898"/>
             <p14:sldId id="899"/>
             <p14:sldId id="901"/>
-            <p14:sldId id="902"/>
             <p14:sldId id="903"/>
             <p14:sldId id="904"/>
           </p14:sldIdLst>
@@ -164,12 +162,12 @@
     </p:ext>
     <p:ext uri="{EFAFB233-063F-42B5-8137-9DF3F51BA10A}">
       <p15:sldGuideLst xmlns:p15="http://schemas.microsoft.com/office/powerpoint/2012/main">
-        <p15:guide id="1" orient="horz" pos="2160">
+        <p15:guide id="1" orient="horz" pos="2160" userDrawn="1">
           <p15:clr>
             <a:srgbClr val="A4A3A4"/>
           </p15:clr>
         </p15:guide>
-        <p15:guide id="2" pos="2880">
+        <p15:guide id="2" pos="3840" userDrawn="1">
           <p15:clr>
             <a:srgbClr val="A4A3A4"/>
           </p15:clr>
@@ -572,8 +570,8 @@
         </p:nvSpPr>
         <p:spPr bwMode="auto">
           <a:xfrm>
-            <a:off x="992188" y="768350"/>
-            <a:ext cx="5116512" cy="3836988"/>
+            <a:off x="141288" y="768350"/>
+            <a:ext cx="6818312" cy="3836988"/>
           </a:xfrm>
           <a:prstGeom prst="rect">
             <a:avLst/>
@@ -940,7 +938,12 @@
             <p:ph type="sldImg"/>
           </p:nvPr>
         </p:nvSpPr>
-        <p:spPr/>
+        <p:spPr>
+          <a:xfrm>
+            <a:off x="141288" y="768350"/>
+            <a:ext cx="6818312" cy="3836988"/>
+          </a:xfrm>
+        </p:spPr>
       </p:sp>
       <p:sp>
         <p:nvSpPr>
@@ -1034,7 +1037,12 @@
             <p:ph type="sldImg"/>
           </p:nvPr>
         </p:nvSpPr>
-        <p:spPr/>
+        <p:spPr>
+          <a:xfrm>
+            <a:off x="141288" y="768350"/>
+            <a:ext cx="6818312" cy="3836988"/>
+          </a:xfrm>
+        </p:spPr>
       </p:sp>
       <p:sp>
         <p:nvSpPr>
@@ -1128,7 +1136,12 @@
             <p:ph type="sldImg"/>
           </p:nvPr>
         </p:nvSpPr>
-        <p:spPr/>
+        <p:spPr>
+          <a:xfrm>
+            <a:off x="141288" y="768350"/>
+            <a:ext cx="6818312" cy="3836988"/>
+          </a:xfrm>
+        </p:spPr>
       </p:sp>
       <p:sp>
         <p:nvSpPr>
@@ -1222,7 +1235,12 @@
             <p:ph type="sldImg"/>
           </p:nvPr>
         </p:nvSpPr>
-        <p:spPr/>
+        <p:spPr>
+          <a:xfrm>
+            <a:off x="141288" y="768350"/>
+            <a:ext cx="6818312" cy="3836988"/>
+          </a:xfrm>
+        </p:spPr>
       </p:sp>
       <p:sp>
         <p:nvSpPr>
@@ -1324,7 +1342,12 @@
             <p:ph type="sldImg"/>
           </p:nvPr>
         </p:nvSpPr>
-        <p:spPr/>
+        <p:spPr>
+          <a:xfrm>
+            <a:off x="141288" y="768350"/>
+            <a:ext cx="6818312" cy="3836988"/>
+          </a:xfrm>
+        </p:spPr>
       </p:sp>
       <p:sp>
         <p:nvSpPr>
@@ -1351,7 +1374,11 @@
             </a:r>
             <a:r>
               <a:rPr lang="fr-FR" baseline="0" dirty="0" smtClean="0"/>
-              <a:t> copy qui fonctionne pour toutes les séquences</a:t>
+              <a:t> copy qui fonctionne pour toutes </a:t>
+            </a:r>
+            <a:r>
+              <a:rPr lang="fr-FR" baseline="0" smtClean="0"/>
+              <a:t>les séquences</a:t>
             </a:r>
             <a:endParaRPr lang="fr-FR" dirty="0"/>
           </a:p>
@@ -1389,7 +1416,7 @@
     </p:spTree>
     <p:extLst>
       <p:ext uri="{BB962C8B-B14F-4D97-AF65-F5344CB8AC3E}">
-        <p14:creationId xmlns:p14="http://schemas.microsoft.com/office/powerpoint/2010/main" val="586338305"/>
+        <p14:creationId xmlns:p14="http://schemas.microsoft.com/office/powerpoint/2010/main" val="2728807101"/>
       </p:ext>
     </p:extLst>
   </p:cSld>
@@ -1426,7 +1453,12 @@
             <p:ph type="sldImg"/>
           </p:nvPr>
         </p:nvSpPr>
-        <p:spPr/>
+        <p:spPr>
+          <a:xfrm>
+            <a:off x="141288" y="768350"/>
+            <a:ext cx="6818312" cy="3836988"/>
+          </a:xfrm>
+        </p:spPr>
       </p:sp>
       <p:sp>
         <p:nvSpPr>
@@ -1487,112 +1519,6 @@
                 <a:defRPr/>
               </a:pPr>
               <a:t>6</a:t>
-            </a:fld>
-            <a:endParaRPr lang="en-US"/>
-          </a:p>
-        </p:txBody>
-      </p:sp>
-    </p:spTree>
-    <p:extLst>
-      <p:ext uri="{BB962C8B-B14F-4D97-AF65-F5344CB8AC3E}">
-        <p14:creationId xmlns:p14="http://schemas.microsoft.com/office/powerpoint/2010/main" val="2728807101"/>
-      </p:ext>
-    </p:extLst>
-  </p:cSld>
-  <p:clrMapOvr>
-    <a:masterClrMapping/>
-  </p:clrMapOvr>
-</p:notes>
-</file>
-
-<file path=ppt/notesSlides/notesSlide7.xml><?xml version="1.0" encoding="utf-8"?>
-<p:notes xmlns:a="http://schemas.openxmlformats.org/drawingml/2006/main" xmlns:r="http://schemas.openxmlformats.org/officeDocument/2006/relationships" xmlns:p="http://schemas.openxmlformats.org/presentationml/2006/main">
-  <p:cSld>
-    <p:spTree>
-      <p:nvGrpSpPr>
-        <p:cNvPr id="1" name=""/>
-        <p:cNvGrpSpPr/>
-        <p:nvPr/>
-      </p:nvGrpSpPr>
-      <p:grpSpPr>
-        <a:xfrm>
-          <a:off x="0" y="0"/>
-          <a:ext cx="0" cy="0"/>
-          <a:chOff x="0" y="0"/>
-          <a:chExt cx="0" cy="0"/>
-        </a:xfrm>
-      </p:grpSpPr>
-      <p:sp>
-        <p:nvSpPr>
-          <p:cNvPr id="2" name="Espace réservé de l'image des diapositives 1"/>
-          <p:cNvSpPr>
-            <a:spLocks noGrp="1" noRot="1" noChangeAspect="1"/>
-          </p:cNvSpPr>
-          <p:nvPr>
-            <p:ph type="sldImg"/>
-          </p:nvPr>
-        </p:nvSpPr>
-        <p:spPr/>
-      </p:sp>
-      <p:sp>
-        <p:nvSpPr>
-          <p:cNvPr id="3" name="Espace réservé des commentaires 2"/>
-          <p:cNvSpPr>
-            <a:spLocks noGrp="1"/>
-          </p:cNvSpPr>
-          <p:nvPr>
-            <p:ph type="body" idx="1"/>
-          </p:nvPr>
-        </p:nvSpPr>
-        <p:spPr/>
-        <p:txBody>
-          <a:bodyPr/>
-          <a:lstStyle/>
-          <a:p>
-            <a:r>
-              <a:rPr lang="fr-FR" dirty="0" smtClean="0"/>
-              <a:t>a[:] </a:t>
-            </a:r>
-            <a:r>
-              <a:rPr lang="fr-FR" dirty="0" err="1" smtClean="0"/>
-              <a:t>shallow</a:t>
-            </a:r>
-            <a:r>
-              <a:rPr lang="fr-FR" baseline="0" dirty="0" smtClean="0"/>
-              <a:t> copy qui fonctionne pour toutes </a:t>
-            </a:r>
-            <a:r>
-              <a:rPr lang="fr-FR" baseline="0" smtClean="0"/>
-              <a:t>les séquences</a:t>
-            </a:r>
-            <a:endParaRPr lang="fr-FR" dirty="0"/>
-          </a:p>
-        </p:txBody>
-      </p:sp>
-      <p:sp>
-        <p:nvSpPr>
-          <p:cNvPr id="4" name="Espace réservé du numéro de diapositive 3"/>
-          <p:cNvSpPr>
-            <a:spLocks noGrp="1"/>
-          </p:cNvSpPr>
-          <p:nvPr>
-            <p:ph type="sldNum" sz="quarter" idx="10"/>
-          </p:nvPr>
-        </p:nvSpPr>
-        <p:spPr/>
-        <p:txBody>
-          <a:bodyPr/>
-          <a:lstStyle/>
-          <a:p>
-            <a:pPr>
-              <a:defRPr/>
-            </a:pPr>
-            <a:fld id="{9E8EB9F5-F2F7-4A48-A943-9B409357C15C}" type="slidenum">
-              <a:rPr lang="en-US" smtClean="0"/>
-              <a:pPr>
-                <a:defRPr/>
-              </a:pPr>
-              <a:t>7</a:t>
             </a:fld>
             <a:endParaRPr lang="en-US"/>
           </a:p>
@@ -1640,8 +1566,8 @@
         </p:nvSpPr>
         <p:spPr>
           <a:xfrm>
-            <a:off x="685800" y="1219200"/>
-            <a:ext cx="7772400" cy="1470025"/>
+            <a:off x="914400" y="1219201"/>
+            <a:ext cx="10363200" cy="1470025"/>
           </a:xfrm>
         </p:spPr>
         <p:txBody>
@@ -1671,8 +1597,8 @@
         </p:nvSpPr>
         <p:spPr>
           <a:xfrm>
-            <a:off x="1295400" y="3048000"/>
-            <a:ext cx="6400800" cy="1752600"/>
+            <a:off x="1727200" y="3048000"/>
+            <a:ext cx="8534400" cy="1752600"/>
           </a:xfrm>
         </p:spPr>
         <p:txBody>
@@ -1704,8 +1630,8 @@
         </p:nvSpPr>
         <p:spPr>
           <a:xfrm>
-            <a:off x="457200" y="6248400"/>
-            <a:ext cx="2895600" cy="476250"/>
+            <a:off x="609600" y="6248400"/>
+            <a:ext cx="3860800" cy="476250"/>
           </a:xfrm>
         </p:spPr>
         <p:txBody>
@@ -1739,8 +1665,8 @@
         </p:nvSpPr>
         <p:spPr>
           <a:xfrm>
-            <a:off x="6553200" y="6245225"/>
-            <a:ext cx="2133600" cy="476250"/>
+            <a:off x="8737600" y="6245225"/>
+            <a:ext cx="2844800" cy="476250"/>
           </a:xfrm>
         </p:spPr>
         <p:txBody>
@@ -1979,8 +1905,8 @@
         </p:nvSpPr>
         <p:spPr>
           <a:xfrm>
-            <a:off x="6629400" y="274638"/>
-            <a:ext cx="2057400" cy="5851525"/>
+            <a:off x="8839200" y="274639"/>
+            <a:ext cx="2743200" cy="5851525"/>
           </a:xfrm>
         </p:spPr>
         <p:txBody>
@@ -2007,8 +1933,8 @@
         </p:nvSpPr>
         <p:spPr>
           <a:xfrm>
-            <a:off x="457200" y="274638"/>
-            <a:ext cx="6019800" cy="5851525"/>
+            <a:off x="609600" y="274639"/>
+            <a:ext cx="8026400" cy="5851525"/>
           </a:xfrm>
         </p:spPr>
         <p:txBody>
@@ -2157,8 +2083,8 @@
         </p:nvSpPr>
         <p:spPr>
           <a:xfrm>
-            <a:off x="457200" y="274638"/>
-            <a:ext cx="8229600" cy="1143000"/>
+            <a:off x="609600" y="274638"/>
+            <a:ext cx="10972800" cy="1143000"/>
           </a:xfrm>
         </p:spPr>
         <p:txBody>
@@ -2185,8 +2111,8 @@
         </p:nvSpPr>
         <p:spPr>
           <a:xfrm>
-            <a:off x="457200" y="1600200"/>
-            <a:ext cx="4038600" cy="4525963"/>
+            <a:off x="609600" y="1600201"/>
+            <a:ext cx="5384800" cy="4525963"/>
           </a:xfrm>
         </p:spPr>
         <p:txBody>
@@ -2242,8 +2168,8 @@
         </p:nvSpPr>
         <p:spPr>
           <a:xfrm>
-            <a:off x="4648200" y="1600200"/>
-            <a:ext cx="4038600" cy="4525963"/>
+            <a:off x="6197600" y="1600201"/>
+            <a:ext cx="5384800" cy="4525963"/>
           </a:xfrm>
         </p:spPr>
         <p:txBody>
@@ -2567,8 +2493,8 @@
         </p:nvSpPr>
         <p:spPr>
           <a:xfrm>
-            <a:off x="722313" y="4406900"/>
-            <a:ext cx="7772400" cy="1362075"/>
+            <a:off x="963084" y="4406901"/>
+            <a:ext cx="10363200" cy="1362075"/>
           </a:xfrm>
         </p:spPr>
         <p:txBody>
@@ -2599,8 +2525,8 @@
         </p:nvSpPr>
         <p:spPr>
           <a:xfrm>
-            <a:off x="722313" y="2906713"/>
-            <a:ext cx="7772400" cy="1500187"/>
+            <a:off x="963084" y="2906713"/>
+            <a:ext cx="10363200" cy="1500187"/>
           </a:xfrm>
         </p:spPr>
         <p:txBody>
@@ -2787,8 +2713,8 @@
         </p:nvSpPr>
         <p:spPr>
           <a:xfrm>
-            <a:off x="457200" y="1600200"/>
-            <a:ext cx="4038600" cy="4525963"/>
+            <a:off x="609600" y="1600201"/>
+            <a:ext cx="5384800" cy="4525963"/>
           </a:xfrm>
         </p:spPr>
         <p:txBody>
@@ -2872,8 +2798,8 @@
         </p:nvSpPr>
         <p:spPr>
           <a:xfrm>
-            <a:off x="4648200" y="1600200"/>
-            <a:ext cx="4038600" cy="4525963"/>
+            <a:off x="6197600" y="1600201"/>
+            <a:ext cx="5384800" cy="4525963"/>
           </a:xfrm>
         </p:spPr>
         <p:txBody>
@@ -3084,8 +3010,8 @@
         </p:nvSpPr>
         <p:spPr>
           <a:xfrm>
-            <a:off x="457200" y="1535113"/>
-            <a:ext cx="4040188" cy="639762"/>
+            <a:off x="609600" y="1535113"/>
+            <a:ext cx="5386917" cy="639762"/>
           </a:xfrm>
         </p:spPr>
         <p:txBody>
@@ -3149,8 +3075,8 @@
         </p:nvSpPr>
         <p:spPr>
           <a:xfrm>
-            <a:off x="457200" y="2174875"/>
-            <a:ext cx="4040188" cy="3951288"/>
+            <a:off x="609600" y="2174875"/>
+            <a:ext cx="5386917" cy="3951288"/>
           </a:xfrm>
         </p:spPr>
         <p:txBody>
@@ -3234,8 +3160,8 @@
         </p:nvSpPr>
         <p:spPr>
           <a:xfrm>
-            <a:off x="4645025" y="1535113"/>
-            <a:ext cx="4041775" cy="639762"/>
+            <a:off x="6193368" y="1535113"/>
+            <a:ext cx="5389033" cy="639762"/>
           </a:xfrm>
         </p:spPr>
         <p:txBody>
@@ -3299,8 +3225,8 @@
         </p:nvSpPr>
         <p:spPr>
           <a:xfrm>
-            <a:off x="4645025" y="2174875"/>
-            <a:ext cx="4041775" cy="3951288"/>
+            <a:off x="6193368" y="2174875"/>
+            <a:ext cx="5389033" cy="3951288"/>
           </a:xfrm>
         </p:spPr>
         <p:txBody>
@@ -3707,8 +3633,8 @@
         </p:nvSpPr>
         <p:spPr>
           <a:xfrm>
-            <a:off x="457200" y="273050"/>
-            <a:ext cx="3008313" cy="1162050"/>
+            <a:off x="609601" y="273050"/>
+            <a:ext cx="4011084" cy="1162050"/>
           </a:xfrm>
         </p:spPr>
         <p:txBody>
@@ -3739,8 +3665,8 @@
         </p:nvSpPr>
         <p:spPr>
           <a:xfrm>
-            <a:off x="3575050" y="273050"/>
-            <a:ext cx="5111750" cy="5853113"/>
+            <a:off x="4766733" y="273051"/>
+            <a:ext cx="6815667" cy="5853113"/>
           </a:xfrm>
         </p:spPr>
         <p:txBody>
@@ -3824,8 +3750,8 @@
         </p:nvSpPr>
         <p:spPr>
           <a:xfrm>
-            <a:off x="457200" y="1435100"/>
-            <a:ext cx="3008313" cy="4691063"/>
+            <a:off x="609601" y="1435101"/>
+            <a:ext cx="4011084" cy="4691063"/>
           </a:xfrm>
         </p:spPr>
         <p:txBody>
@@ -3982,8 +3908,8 @@
         </p:nvSpPr>
         <p:spPr>
           <a:xfrm>
-            <a:off x="1792288" y="4800600"/>
-            <a:ext cx="5486400" cy="566738"/>
+            <a:off x="2389717" y="4800600"/>
+            <a:ext cx="7315200" cy="566738"/>
           </a:xfrm>
         </p:spPr>
         <p:txBody>
@@ -4014,8 +3940,8 @@
         </p:nvSpPr>
         <p:spPr>
           <a:xfrm>
-            <a:off x="1792288" y="612775"/>
-            <a:ext cx="5486400" cy="4114800"/>
+            <a:off x="2389717" y="612775"/>
+            <a:ext cx="7315200" cy="4114800"/>
           </a:xfrm>
         </p:spPr>
         <p:txBody>
@@ -4076,8 +4002,8 @@
         </p:nvSpPr>
         <p:spPr>
           <a:xfrm>
-            <a:off x="1792288" y="5367338"/>
-            <a:ext cx="5486400" cy="804862"/>
+            <a:off x="2389717" y="5367338"/>
+            <a:ext cx="7315200" cy="804862"/>
           </a:xfrm>
         </p:spPr>
         <p:txBody>
@@ -4242,8 +4168,8 @@
         </p:nvSpPr>
         <p:spPr bwMode="auto">
           <a:xfrm>
-            <a:off x="457200" y="274638"/>
-            <a:ext cx="8229600" cy="1143000"/>
+            <a:off x="609600" y="274638"/>
+            <a:ext cx="10972800" cy="1143000"/>
           </a:xfrm>
           <a:prstGeom prst="rect">
             <a:avLst/>
@@ -4300,8 +4226,8 @@
         </p:nvSpPr>
         <p:spPr bwMode="auto">
           <a:xfrm>
-            <a:off x="457200" y="1600200"/>
-            <a:ext cx="8229600" cy="4525963"/>
+            <a:off x="609600" y="1600201"/>
+            <a:ext cx="10972800" cy="4525963"/>
           </a:xfrm>
           <a:prstGeom prst="rect">
             <a:avLst/>
@@ -4386,8 +4312,8 @@
         </p:nvSpPr>
         <p:spPr bwMode="auto">
           <a:xfrm>
-            <a:off x="0" y="6521450"/>
-            <a:ext cx="3967163" cy="336550"/>
+            <a:off x="1" y="6521450"/>
+            <a:ext cx="5289551" cy="336550"/>
           </a:xfrm>
           <a:prstGeom prst="rect">
             <a:avLst/>
@@ -4441,8 +4367,8 @@
         </p:nvSpPr>
         <p:spPr bwMode="auto">
           <a:xfrm>
-            <a:off x="7772400" y="6248400"/>
-            <a:ext cx="914400" cy="476250"/>
+            <a:off x="10363200" y="6248400"/>
+            <a:ext cx="1219200" cy="476250"/>
           </a:xfrm>
           <a:prstGeom prst="rect">
             <a:avLst/>
@@ -4916,8 +4842,8 @@
         </p:nvSpPr>
         <p:spPr bwMode="auto">
           <a:xfrm>
-            <a:off x="4622800" y="2778366"/>
-            <a:ext cx="3548185" cy="3948335"/>
+            <a:off x="4165600" y="1174046"/>
+            <a:ext cx="3572522" cy="4865807"/>
           </a:xfrm>
           <a:prstGeom prst="rect">
             <a:avLst/>
@@ -4943,32 +4869,12 @@
           </a:bodyPr>
           <a:lstStyle/>
           <a:p>
-            <a:pPr marL="0" marR="0" indent="0" algn="ctr" defTabSz="914400" rtl="0" eaLnBrk="1" fontAlgn="base" latinLnBrk="0" hangingPunct="1">
-              <a:lnSpc>
-                <a:spcPct val="100000"/>
-              </a:lnSpc>
+            <a:pPr algn="ctr">
               <a:spcBef>
                 <a:spcPct val="50000"/>
               </a:spcBef>
-              <a:spcAft>
-                <a:spcPct val="0"/>
-              </a:spcAft>
-              <a:buClrTx/>
-              <a:buSzTx/>
-              <a:buFontTx/>
-              <a:buNone/>
-              <a:tabLst/>
             </a:pPr>
-            <a:endParaRPr kumimoji="0" lang="fr-FR" sz="2400" b="0" i="0" u="none" strike="noStrike" cap="none" normalizeH="0" baseline="0" smtClean="0">
-              <a:ln>
-                <a:noFill/>
-              </a:ln>
-              <a:solidFill>
-                <a:schemeClr val="tx1"/>
-              </a:solidFill>
-              <a:effectLst/>
-              <a:latin typeface="Comic Sans MS" pitchFamily="66" charset="0"/>
-            </a:endParaRPr>
+            <a:endParaRPr lang="fr-FR"/>
           </a:p>
         </p:txBody>
       </p:sp>
@@ -4980,7 +4886,7 @@
         </p:nvSpPr>
         <p:spPr>
           <a:xfrm>
-            <a:off x="5188527" y="1831590"/>
+            <a:off x="4731326" y="250716"/>
             <a:ext cx="3454400" cy="923330"/>
           </a:xfrm>
           <a:prstGeom prst="rect">
@@ -4995,7 +4901,7 @@
           <a:lstStyle/>
           <a:p>
             <a:r>
-              <a:rPr lang="fr-FR" sz="5400" dirty="0" smtClean="0">
+              <a:rPr lang="fr-FR" sz="5400" dirty="0">
                 <a:latin typeface="Calibri" panose="020F0502020204030204" pitchFamily="34" charset="0"/>
               </a:rPr>
               <a:t>objets</a:t>
@@ -5014,8 +4920,8 @@
         </p:nvSpPr>
         <p:spPr bwMode="auto">
           <a:xfrm>
-            <a:off x="457200" y="2778367"/>
-            <a:ext cx="3548185" cy="3948335"/>
+            <a:off x="256663" y="1202824"/>
+            <a:ext cx="3191342" cy="4837029"/>
           </a:xfrm>
           <a:prstGeom prst="rect">
             <a:avLst/>
@@ -5041,32 +4947,12 @@
           </a:bodyPr>
           <a:lstStyle/>
           <a:p>
-            <a:pPr marL="0" marR="0" indent="0" algn="ctr" defTabSz="914400" rtl="0" eaLnBrk="1" fontAlgn="base" latinLnBrk="0" hangingPunct="1">
-              <a:lnSpc>
-                <a:spcPct val="100000"/>
-              </a:lnSpc>
+            <a:pPr algn="ctr">
               <a:spcBef>
                 <a:spcPct val="50000"/>
               </a:spcBef>
-              <a:spcAft>
-                <a:spcPct val="0"/>
-              </a:spcAft>
-              <a:buClrTx/>
-              <a:buSzTx/>
-              <a:buFontTx/>
-              <a:buNone/>
-              <a:tabLst/>
             </a:pPr>
-            <a:endParaRPr kumimoji="0" lang="fr-FR" sz="2400" b="0" i="0" u="none" strike="noStrike" cap="none" normalizeH="0" baseline="0" smtClean="0">
-              <a:ln>
-                <a:noFill/>
-              </a:ln>
-              <a:solidFill>
-                <a:schemeClr val="tx1"/>
-              </a:solidFill>
-              <a:effectLst/>
-              <a:latin typeface="Comic Sans MS" pitchFamily="66" charset="0"/>
-            </a:endParaRPr>
+            <a:endParaRPr lang="fr-FR"/>
           </a:p>
         </p:txBody>
       </p:sp>
@@ -5078,7 +4964,7 @@
         </p:nvSpPr>
         <p:spPr>
           <a:xfrm>
-            <a:off x="859693" y="1860368"/>
+            <a:off x="402492" y="279494"/>
             <a:ext cx="3454400" cy="923330"/>
           </a:xfrm>
           <a:prstGeom prst="rect">
@@ -5093,7 +4979,7 @@
           <a:lstStyle/>
           <a:p>
             <a:r>
-              <a:rPr lang="fr-FR" sz="5400" dirty="0" smtClean="0">
+              <a:rPr lang="fr-FR" sz="5400" dirty="0">
                 <a:latin typeface="Calibri" panose="020F0502020204030204" pitchFamily="34" charset="0"/>
               </a:rPr>
               <a:t>variables</a:t>
@@ -5112,7 +4998,7 @@
         </p:nvSpPr>
         <p:spPr>
           <a:xfrm>
-            <a:off x="457199" y="30944"/>
+            <a:off x="8046830" y="935635"/>
             <a:ext cx="4501663" cy="1200329"/>
           </a:xfrm>
           <a:prstGeom prst="rect">
@@ -5127,7 +5013,7 @@
           <a:lstStyle/>
           <a:p>
             <a:r>
-              <a:rPr lang="fr-FR" sz="3600" dirty="0" smtClean="0">
+              <a:rPr lang="fr-FR" sz="3600" dirty="0">
                 <a:latin typeface="Courier New" panose="02070309020205020404" pitchFamily="49" charset="0"/>
                 <a:cs typeface="Courier New" panose="02070309020205020404" pitchFamily="49" charset="0"/>
               </a:rPr>
@@ -5153,7 +5039,7 @@
         </p:nvSpPr>
         <p:spPr>
           <a:xfrm>
-            <a:off x="6800627" y="3993837"/>
+            <a:off x="6343427" y="2412963"/>
             <a:ext cx="652763" cy="923330"/>
           </a:xfrm>
           <a:prstGeom prst="rect">
@@ -5174,7 +5060,7 @@
           <a:p>
             <a:pPr algn="ctr"/>
             <a:r>
-              <a:rPr lang="fr-FR" sz="5400" dirty="0" smtClean="0">
+              <a:rPr lang="fr-FR" sz="5400" dirty="0">
                 <a:latin typeface="Calibri" panose="020F0502020204030204" pitchFamily="34" charset="0"/>
               </a:rPr>
               <a:t>3</a:t>
@@ -5193,7 +5079,7 @@
         </p:nvSpPr>
         <p:spPr>
           <a:xfrm>
-            <a:off x="1854778" y="3993837"/>
+            <a:off x="1231193" y="3190383"/>
             <a:ext cx="1080654" cy="923330"/>
           </a:xfrm>
           <a:prstGeom prst="rect">
@@ -5213,7 +5099,7 @@
               </a:rPr>
               <a:t>a</a:t>
             </a:r>
-            <a:endParaRPr lang="fr-FR" sz="5400" dirty="0" smtClean="0">
+            <a:endParaRPr lang="fr-FR" sz="5400" dirty="0">
               <a:latin typeface="Calibri" panose="020F0502020204030204" pitchFamily="34" charset="0"/>
             </a:endParaRPr>
           </a:p>
@@ -5227,8 +5113,8 @@
         </p:nvSpPr>
         <p:spPr bwMode="auto">
           <a:xfrm>
-            <a:off x="2348346" y="3798914"/>
-            <a:ext cx="3595254" cy="776814"/>
+            <a:off x="1698639" y="2218040"/>
+            <a:ext cx="3787759" cy="1450582"/>
           </a:xfrm>
           <a:custGeom>
             <a:avLst/>
@@ -5257,6 +5143,12 @@
               <a:gd name="connsiteY1" fmla="*/ 332 h 1101768"/>
               <a:gd name="connsiteX2" fmla="*/ 3366654 w 3366654"/>
               <a:gd name="connsiteY2" fmla="*/ 893950 h 1101768"/>
+              <a:gd name="connsiteX0" fmla="*/ 0 w 3546919"/>
+              <a:gd name="connsiteY0" fmla="*/ 2057384 h 2057384"/>
+              <a:gd name="connsiteX1" fmla="*/ 1979994 w 3546919"/>
+              <a:gd name="connsiteY1" fmla="*/ 332 h 2057384"/>
+              <a:gd name="connsiteX2" fmla="*/ 3546919 w 3546919"/>
+              <a:gd name="connsiteY2" fmla="*/ 893950 h 2057384"/>
             </a:gdLst>
             <a:ahLst/>
             <a:cxnLst>
@@ -5272,19 +5164,19 @@
             </a:cxnLst>
             <a:rect l="l" t="t" r="r" b="b"/>
             <a:pathLst>
-              <a:path w="3366654" h="1101768">
+              <a:path w="3546919" h="2057384">
                 <a:moveTo>
-                  <a:pt x="0" y="1101768"/>
+                  <a:pt x="0" y="2057384"/>
                 </a:moveTo>
                 <a:cubicBezTo>
-                  <a:pt x="405245" y="547586"/>
-                  <a:pt x="1160778" y="14186"/>
-                  <a:pt x="1799729" y="332"/>
+                  <a:pt x="405245" y="1503202"/>
+                  <a:pt x="1341043" y="14186"/>
+                  <a:pt x="1979994" y="332"/>
                 </a:cubicBezTo>
                 <a:cubicBezTo>
-                  <a:pt x="2438680" y="-13522"/>
-                  <a:pt x="2649681" y="409041"/>
-                  <a:pt x="3366654" y="893950"/>
+                  <a:pt x="2618945" y="-13522"/>
+                  <a:pt x="2829946" y="409041"/>
+                  <a:pt x="3546919" y="893950"/>
                 </a:cubicBezTo>
               </a:path>
             </a:pathLst>
@@ -5318,7 +5210,7 @@
         </p:nvSpPr>
         <p:spPr>
           <a:xfrm>
-            <a:off x="5909767" y="5209308"/>
+            <a:off x="5452566" y="3628434"/>
             <a:ext cx="2168770" cy="923330"/>
           </a:xfrm>
           <a:prstGeom prst="rect">
@@ -5359,8 +5251,8 @@
         </p:nvSpPr>
         <p:spPr bwMode="auto">
           <a:xfrm>
-            <a:off x="2321169" y="4654059"/>
-            <a:ext cx="2872154" cy="1370054"/>
+            <a:off x="1743652" y="3722890"/>
+            <a:ext cx="2992470" cy="835914"/>
           </a:xfrm>
           <a:custGeom>
             <a:avLst/>
@@ -5371,6 +5263,30 @@
               <a:gd name="connsiteY1" fmla="*/ 1289538 h 1370054"/>
               <a:gd name="connsiteX2" fmla="*/ 2872154 w 2872154"/>
               <a:gd name="connsiteY2" fmla="*/ 1125415 h 1370054"/>
+              <a:gd name="connsiteX0" fmla="*/ 0 w 2992470"/>
+              <a:gd name="connsiteY0" fmla="*/ 0 h 720349"/>
+              <a:gd name="connsiteX1" fmla="*/ 1327793 w 2992470"/>
+              <a:gd name="connsiteY1" fmla="*/ 639833 h 720349"/>
+              <a:gd name="connsiteX2" fmla="*/ 2992470 w 2992470"/>
+              <a:gd name="connsiteY2" fmla="*/ 475710 h 720349"/>
+              <a:gd name="connsiteX0" fmla="*/ 0 w 2992470"/>
+              <a:gd name="connsiteY0" fmla="*/ 0 h 862611"/>
+              <a:gd name="connsiteX1" fmla="*/ 1327793 w 2992470"/>
+              <a:gd name="connsiteY1" fmla="*/ 808275 h 862611"/>
+              <a:gd name="connsiteX2" fmla="*/ 2992470 w 2992470"/>
+              <a:gd name="connsiteY2" fmla="*/ 475710 h 862611"/>
+              <a:gd name="connsiteX0" fmla="*/ 0 w 2992470"/>
+              <a:gd name="connsiteY0" fmla="*/ 0 h 835914"/>
+              <a:gd name="connsiteX1" fmla="*/ 1327793 w 2992470"/>
+              <a:gd name="connsiteY1" fmla="*/ 808275 h 835914"/>
+              <a:gd name="connsiteX2" fmla="*/ 2992470 w 2992470"/>
+              <a:gd name="connsiteY2" fmla="*/ 475710 h 835914"/>
+              <a:gd name="connsiteX0" fmla="*/ 0 w 2992470"/>
+              <a:gd name="connsiteY0" fmla="*/ 0 h 835914"/>
+              <a:gd name="connsiteX1" fmla="*/ 1327793 w 2992470"/>
+              <a:gd name="connsiteY1" fmla="*/ 808275 h 835914"/>
+              <a:gd name="connsiteX2" fmla="*/ 2992470 w 2992470"/>
+              <a:gd name="connsiteY2" fmla="*/ 475710 h 835914"/>
             </a:gdLst>
             <a:ahLst/>
             <a:cxnLst>
@@ -5386,19 +5302,19 @@
             </a:cxnLst>
             <a:rect l="l" t="t" r="r" b="b"/>
             <a:pathLst>
-              <a:path w="2872154" h="1370054">
+              <a:path w="2992470" h="835914">
                 <a:moveTo>
                   <a:pt x="0" y="0"/>
                 </a:moveTo>
                 <a:cubicBezTo>
                   <a:pt x="364392" y="550984"/>
-                  <a:pt x="728785" y="1101969"/>
-                  <a:pt x="1207477" y="1289538"/>
+                  <a:pt x="849101" y="692896"/>
+                  <a:pt x="1327793" y="808275"/>
                 </a:cubicBezTo>
                 <a:cubicBezTo>
-                  <a:pt x="1686169" y="1477107"/>
-                  <a:pt x="2279161" y="1301261"/>
-                  <a:pt x="2872154" y="1125415"/>
+                  <a:pt x="1998990" y="923655"/>
+                  <a:pt x="2399477" y="651556"/>
+                  <a:pt x="2992470" y="475710"/>
                 </a:cubicBezTo>
               </a:path>
             </a:pathLst>
@@ -5432,7 +5348,7 @@
         </p:nvSpPr>
         <p:spPr>
           <a:xfrm>
-            <a:off x="4021326" y="3337249"/>
+            <a:off x="3564125" y="1756375"/>
             <a:ext cx="585532" cy="923330"/>
           </a:xfrm>
           <a:prstGeom prst="rect">
@@ -5447,7 +5363,7 @@
           <a:lstStyle/>
           <a:p>
             <a:r>
-              <a:rPr lang="fr-FR" sz="5400" dirty="0" smtClean="0">
+              <a:rPr lang="fr-FR" sz="5400" dirty="0">
                 <a:solidFill>
                   <a:srgbClr val="FF0000"/>
                 </a:solidFill>
@@ -5472,7 +5388,7 @@
         </p:nvGrpSpPr>
         <p:grpSpPr>
           <a:xfrm>
-            <a:off x="5252929" y="5206753"/>
+            <a:off x="4795728" y="3625879"/>
             <a:ext cx="761112" cy="928440"/>
             <a:chOff x="6154615" y="3595255"/>
             <a:chExt cx="761112" cy="928440"/>
@@ -5570,7 +5486,7 @@
             <a:lstStyle/>
             <a:p>
               <a:r>
-                <a:rPr lang="fr-FR" dirty="0" smtClean="0">
+                <a:rPr lang="fr-FR" dirty="0">
                   <a:solidFill>
                     <a:srgbClr val="FF0000"/>
                   </a:solidFill>
@@ -5610,7 +5526,7 @@
             <a:lstStyle/>
             <a:p>
               <a:r>
-                <a:rPr lang="fr-FR" dirty="0" err="1" smtClean="0">
+                <a:rPr lang="fr-FR" dirty="0" err="1">
                   <a:solidFill>
                     <a:srgbClr val="00B050"/>
                   </a:solidFill>
@@ -5636,7 +5552,7 @@
         </p:nvGrpSpPr>
         <p:grpSpPr>
           <a:xfrm>
-            <a:off x="6154615" y="3993837"/>
+            <a:off x="5697414" y="2412963"/>
             <a:ext cx="761112" cy="928440"/>
             <a:chOff x="6154615" y="3595255"/>
             <a:chExt cx="761112" cy="928440"/>
@@ -5705,7 +5621,7 @@
             <a:lstStyle/>
             <a:p>
               <a:r>
-                <a:rPr lang="fr-FR" dirty="0" smtClean="0">
+                <a:rPr lang="fr-FR" dirty="0">
                   <a:solidFill>
                     <a:srgbClr val="FF0000"/>
                   </a:solidFill>
@@ -5745,7 +5661,7 @@
             <a:lstStyle/>
             <a:p>
               <a:r>
-                <a:rPr lang="fr-FR" dirty="0" err="1" smtClean="0">
+                <a:rPr lang="fr-FR" dirty="0" err="1">
                   <a:solidFill>
                     <a:srgbClr val="00B050"/>
                   </a:solidFill>
@@ -5767,14 +5683,14 @@
             <p:cNvPr id="17" name="Connecteur droit 16"/>
             <p:cNvCxnSpPr>
               <a:stCxn id="3" idx="1"/>
-              <a:endCxn id="8" idx="1"/>
+              <a:endCxn id="3" idx="3"/>
             </p:cNvCxnSpPr>
             <p:nvPr/>
           </p:nvCxnSpPr>
           <p:spPr bwMode="auto">
             <a:xfrm>
               <a:off x="6154615" y="4056920"/>
-              <a:ext cx="646012" cy="11723"/>
+              <a:ext cx="646012" cy="0"/>
             </a:xfrm>
             <a:prstGeom prst="line">
               <a:avLst/>
@@ -5801,7 +5717,7 @@
         </p:nvGrpSpPr>
         <p:grpSpPr>
           <a:xfrm>
-            <a:off x="6328685" y="3996392"/>
+            <a:off x="5871485" y="2415519"/>
             <a:ext cx="282553" cy="461665"/>
             <a:chOff x="9870874" y="3315854"/>
             <a:chExt cx="282553" cy="461665"/>
@@ -5870,7 +5786,7 @@
             <a:lstStyle/>
             <a:p>
               <a:r>
-                <a:rPr lang="fr-FR" dirty="0" smtClean="0">
+                <a:rPr lang="fr-FR" dirty="0">
                   <a:solidFill>
                     <a:srgbClr val="FF0000"/>
                   </a:solidFill>
@@ -5896,7 +5812,7 @@
         </p:nvGrpSpPr>
         <p:grpSpPr>
           <a:xfrm>
-            <a:off x="5437825" y="5209308"/>
+            <a:off x="4980625" y="3628435"/>
             <a:ext cx="282553" cy="461665"/>
             <a:chOff x="9870874" y="3315854"/>
             <a:chExt cx="282553" cy="461665"/>
@@ -5965,7 +5881,7 @@
             <a:lstStyle/>
             <a:p>
               <a:r>
-                <a:rPr lang="fr-FR" dirty="0" smtClean="0">
+                <a:rPr lang="fr-FR" dirty="0">
                   <a:solidFill>
                     <a:srgbClr val="FF0000"/>
                   </a:solidFill>
@@ -6976,8 +6892,8 @@
         </p:nvSpPr>
         <p:spPr bwMode="auto">
           <a:xfrm>
-            <a:off x="4622800" y="2779893"/>
-            <a:ext cx="3548185" cy="3948335"/>
+            <a:off x="4342065" y="1360792"/>
+            <a:ext cx="3721741" cy="4679060"/>
           </a:xfrm>
           <a:prstGeom prst="rect">
             <a:avLst/>
@@ -7003,32 +6919,12 @@
           </a:bodyPr>
           <a:lstStyle/>
           <a:p>
-            <a:pPr marL="0" marR="0" indent="0" algn="ctr" defTabSz="914400" rtl="0" eaLnBrk="1" fontAlgn="base" latinLnBrk="0" hangingPunct="1">
-              <a:lnSpc>
-                <a:spcPct val="100000"/>
-              </a:lnSpc>
+            <a:pPr algn="ctr">
               <a:spcBef>
                 <a:spcPct val="50000"/>
               </a:spcBef>
-              <a:spcAft>
-                <a:spcPct val="0"/>
-              </a:spcAft>
-              <a:buClrTx/>
-              <a:buSzTx/>
-              <a:buFontTx/>
-              <a:buNone/>
-              <a:tabLst/>
             </a:pPr>
-            <a:endParaRPr kumimoji="0" lang="fr-FR" sz="2400" b="0" i="0" u="none" strike="noStrike" cap="none" normalizeH="0" baseline="0" smtClean="0">
-              <a:ln>
-                <a:noFill/>
-              </a:ln>
-              <a:solidFill>
-                <a:schemeClr val="tx1"/>
-              </a:solidFill>
-              <a:effectLst/>
-              <a:latin typeface="Comic Sans MS" pitchFamily="66" charset="0"/>
-            </a:endParaRPr>
+            <a:endParaRPr lang="fr-FR"/>
           </a:p>
         </p:txBody>
       </p:sp>
@@ -7040,7 +6936,7 @@
         </p:nvSpPr>
         <p:spPr>
           <a:xfrm>
-            <a:off x="5193323" y="1835674"/>
+            <a:off x="4912586" y="346730"/>
             <a:ext cx="3454400" cy="923330"/>
           </a:xfrm>
           <a:prstGeom prst="rect">
@@ -7055,7 +6951,7 @@
           <a:lstStyle/>
           <a:p>
             <a:r>
-              <a:rPr lang="fr-FR" sz="5400" dirty="0" smtClean="0">
+              <a:rPr lang="fr-FR" sz="5400" dirty="0">
                 <a:latin typeface="Calibri" panose="020F0502020204030204" pitchFamily="34" charset="0"/>
               </a:rPr>
               <a:t>objets</a:t>
@@ -7074,8 +6970,8 @@
         </p:nvSpPr>
         <p:spPr bwMode="auto">
           <a:xfrm>
-            <a:off x="457200" y="2779894"/>
-            <a:ext cx="3548185" cy="3948335"/>
+            <a:off x="168443" y="1360791"/>
+            <a:ext cx="3352648" cy="4679061"/>
           </a:xfrm>
           <a:prstGeom prst="rect">
             <a:avLst/>
@@ -7101,32 +6997,12 @@
           </a:bodyPr>
           <a:lstStyle/>
           <a:p>
-            <a:pPr marL="0" marR="0" indent="0" algn="ctr" defTabSz="914400" rtl="0" eaLnBrk="1" fontAlgn="base" latinLnBrk="0" hangingPunct="1">
-              <a:lnSpc>
-                <a:spcPct val="100000"/>
-              </a:lnSpc>
+            <a:pPr algn="ctr">
               <a:spcBef>
                 <a:spcPct val="50000"/>
               </a:spcBef>
-              <a:spcAft>
-                <a:spcPct val="0"/>
-              </a:spcAft>
-              <a:buClrTx/>
-              <a:buSzTx/>
-              <a:buFontTx/>
-              <a:buNone/>
-              <a:tabLst/>
             </a:pPr>
-            <a:endParaRPr kumimoji="0" lang="fr-FR" sz="2400" b="0" i="0" u="none" strike="noStrike" cap="none" normalizeH="0" baseline="0" smtClean="0">
-              <a:ln>
-                <a:noFill/>
-              </a:ln>
-              <a:solidFill>
-                <a:schemeClr val="tx1"/>
-              </a:solidFill>
-              <a:effectLst/>
-              <a:latin typeface="Comic Sans MS" pitchFamily="66" charset="0"/>
-            </a:endParaRPr>
+            <a:endParaRPr lang="fr-FR"/>
           </a:p>
         </p:txBody>
       </p:sp>
@@ -7138,7 +7014,7 @@
         </p:nvSpPr>
         <p:spPr>
           <a:xfrm>
-            <a:off x="864489" y="1864452"/>
+            <a:off x="583752" y="375508"/>
             <a:ext cx="3454400" cy="923330"/>
           </a:xfrm>
           <a:prstGeom prst="rect">
@@ -7153,7 +7029,7 @@
           <a:lstStyle/>
           <a:p>
             <a:r>
-              <a:rPr lang="fr-FR" sz="5400" dirty="0" smtClean="0">
+              <a:rPr lang="fr-FR" sz="5400" dirty="0">
                 <a:latin typeface="Calibri" panose="020F0502020204030204" pitchFamily="34" charset="0"/>
               </a:rPr>
               <a:t>variables</a:t>
@@ -7172,7 +7048,7 @@
         </p:nvSpPr>
         <p:spPr>
           <a:xfrm>
-            <a:off x="457200" y="26139"/>
+            <a:off x="8145846" y="1213759"/>
             <a:ext cx="6669809" cy="1754326"/>
           </a:xfrm>
           <a:prstGeom prst="rect">
@@ -7187,7 +7063,7 @@
           <a:lstStyle/>
           <a:p>
             <a:r>
-              <a:rPr lang="fr-FR" sz="3600" dirty="0" smtClean="0">
+              <a:rPr lang="fr-FR" sz="3600" dirty="0">
                 <a:latin typeface="Courier New" panose="02070309020205020404" pitchFamily="49" charset="0"/>
                 <a:cs typeface="Courier New" panose="02070309020205020404" pitchFamily="49" charset="0"/>
               </a:rPr>
@@ -7203,7 +7079,7 @@
               <a:t>&gt;&gt;&gt; </a:t>
             </a:r>
             <a:r>
-              <a:rPr lang="fr-FR" sz="3600" dirty="0" smtClean="0">
+              <a:rPr lang="fr-FR" sz="3600" dirty="0">
                 <a:latin typeface="Courier New" panose="02070309020205020404" pitchFamily="49" charset="0"/>
                 <a:cs typeface="Courier New" panose="02070309020205020404" pitchFamily="49" charset="0"/>
               </a:rPr>
@@ -7217,7 +7093,7 @@
               <a:t>= </a:t>
             </a:r>
             <a:r>
-              <a:rPr lang="fr-FR" sz="3600" dirty="0" smtClean="0">
+              <a:rPr lang="fr-FR" sz="3600" dirty="0">
                 <a:latin typeface="Courier New" panose="02070309020205020404" pitchFamily="49" charset="0"/>
                 <a:cs typeface="Courier New" panose="02070309020205020404" pitchFamily="49" charset="0"/>
               </a:rPr>
@@ -7226,7 +7102,7 @@
           </a:p>
           <a:p>
             <a:r>
-              <a:rPr lang="fr-FR" sz="3600" dirty="0" smtClean="0">
+              <a:rPr lang="fr-FR" sz="3600" dirty="0">
                 <a:latin typeface="Courier New" panose="02070309020205020404" pitchFamily="49" charset="0"/>
                 <a:cs typeface="Courier New" panose="02070309020205020404" pitchFamily="49" charset="0"/>
               </a:rPr>
@@ -7239,10 +7115,6 @@
               </a:rPr>
               <a:t>a = 'spam'</a:t>
             </a:r>
-            <a:endParaRPr lang="fr-FR" sz="3600" dirty="0">
-              <a:latin typeface="Courier New" panose="02070309020205020404" pitchFamily="49" charset="0"/>
-              <a:cs typeface="Courier New" panose="02070309020205020404" pitchFamily="49" charset="0"/>
-            </a:endParaRPr>
           </a:p>
         </p:txBody>
       </p:sp>
@@ -7254,7 +7126,7 @@
         </p:nvSpPr>
         <p:spPr>
           <a:xfrm>
-            <a:off x="6711107" y="3934440"/>
+            <a:off x="6430371" y="2445496"/>
             <a:ext cx="644237" cy="923330"/>
           </a:xfrm>
           <a:prstGeom prst="rect">
@@ -7275,7 +7147,7 @@
           <a:p>
             <a:pPr algn="ctr"/>
             <a:r>
-              <a:rPr lang="fr-FR" sz="5400" dirty="0" smtClean="0">
+              <a:rPr lang="fr-FR" sz="5400" dirty="0">
                 <a:latin typeface="Calibri" panose="020F0502020204030204" pitchFamily="34" charset="0"/>
               </a:rPr>
               <a:t>3</a:t>
@@ -7294,7 +7166,7 @@
         </p:nvSpPr>
         <p:spPr>
           <a:xfrm>
-            <a:off x="1854778" y="3995364"/>
+            <a:off x="1574041" y="2506420"/>
             <a:ext cx="1080654" cy="923330"/>
           </a:xfrm>
           <a:prstGeom prst="rect">
@@ -7314,7 +7186,7 @@
               </a:rPr>
               <a:t>a</a:t>
             </a:r>
-            <a:endParaRPr lang="fr-FR" sz="5400" dirty="0" smtClean="0">
+            <a:endParaRPr lang="fr-FR" sz="5400" dirty="0">
               <a:latin typeface="Calibri" panose="020F0502020204030204" pitchFamily="34" charset="0"/>
             </a:endParaRPr>
           </a:p>
@@ -7328,7 +7200,7 @@
         </p:nvSpPr>
         <p:spPr bwMode="auto">
           <a:xfrm>
-            <a:off x="2348346" y="3800441"/>
+            <a:off x="2067609" y="2311497"/>
             <a:ext cx="3595254" cy="776814"/>
           </a:xfrm>
           <a:custGeom>
@@ -7419,7 +7291,7 @@
         </p:nvSpPr>
         <p:spPr bwMode="auto">
           <a:xfrm>
-            <a:off x="2321169" y="4655586"/>
+            <a:off x="2040432" y="3166642"/>
             <a:ext cx="2872154" cy="1370054"/>
           </a:xfrm>
           <a:custGeom>
@@ -7492,7 +7364,7 @@
         </p:nvSpPr>
         <p:spPr>
           <a:xfrm>
-            <a:off x="4021326" y="3338776"/>
+            <a:off x="3740589" y="1849832"/>
             <a:ext cx="585532" cy="923330"/>
           </a:xfrm>
           <a:prstGeom prst="rect">
@@ -7507,7 +7379,7 @@
           <a:lstStyle/>
           <a:p>
             <a:r>
-              <a:rPr lang="fr-FR" sz="5400" dirty="0" smtClean="0">
+              <a:rPr lang="fr-FR" sz="5400" dirty="0">
                 <a:solidFill>
                   <a:srgbClr val="FF0000"/>
                 </a:solidFill>
@@ -7532,7 +7404,7 @@
         </p:nvSpPr>
         <p:spPr>
           <a:xfrm>
-            <a:off x="5924237" y="5340613"/>
+            <a:off x="5643500" y="3851669"/>
             <a:ext cx="2168770" cy="923330"/>
           </a:xfrm>
           <a:prstGeom prst="rect">
@@ -7573,7 +7445,7 @@
         </p:nvSpPr>
         <p:spPr>
           <a:xfrm>
-            <a:off x="1854778" y="4930353"/>
+            <a:off x="1574041" y="3441409"/>
             <a:ext cx="1080654" cy="923330"/>
           </a:xfrm>
           <a:prstGeom prst="rect">
@@ -7593,7 +7465,7 @@
               </a:rPr>
               <a:t>b</a:t>
             </a:r>
-            <a:endParaRPr lang="fr-FR" sz="5400" dirty="0" smtClean="0">
+            <a:endParaRPr lang="fr-FR" sz="5400" dirty="0">
               <a:latin typeface="Calibri" panose="020F0502020204030204" pitchFamily="34" charset="0"/>
             </a:endParaRPr>
           </a:p>
@@ -7607,7 +7479,7 @@
         </p:nvSpPr>
         <p:spPr bwMode="auto">
           <a:xfrm>
-            <a:off x="2576945" y="4613564"/>
+            <a:off x="2296208" y="3124620"/>
             <a:ext cx="3283528" cy="820516"/>
           </a:xfrm>
           <a:custGeom>
@@ -7680,7 +7552,7 @@
         </p:nvGrpSpPr>
         <p:grpSpPr>
           <a:xfrm>
-            <a:off x="6056612" y="3934439"/>
+            <a:off x="5775875" y="2445496"/>
             <a:ext cx="761112" cy="920891"/>
             <a:chOff x="6154615" y="3595255"/>
             <a:chExt cx="761112" cy="928440"/>
@@ -7749,7 +7621,7 @@
             <a:lstStyle/>
             <a:p>
               <a:r>
-                <a:rPr lang="fr-FR" dirty="0" smtClean="0">
+                <a:rPr lang="fr-FR" dirty="0">
                   <a:solidFill>
                     <a:srgbClr val="FF0000"/>
                   </a:solidFill>
@@ -7789,7 +7661,7 @@
             <a:lstStyle/>
             <a:p>
               <a:r>
-                <a:rPr lang="fr-FR" dirty="0" err="1" smtClean="0">
+                <a:rPr lang="fr-FR" dirty="0" err="1">
                   <a:solidFill>
                     <a:srgbClr val="00B050"/>
                   </a:solidFill>
@@ -7844,10 +7716,10 @@
         </p:nvGrpSpPr>
         <p:grpSpPr>
           <a:xfrm>
-            <a:off x="5279158" y="5340613"/>
-            <a:ext cx="761112" cy="919274"/>
+            <a:off x="4998421" y="3851671"/>
+            <a:ext cx="761112" cy="923832"/>
             <a:chOff x="6154615" y="3595255"/>
-            <a:chExt cx="761112" cy="928440"/>
+            <a:chExt cx="761112" cy="933043"/>
           </a:xfrm>
         </p:grpSpPr>
         <p:sp>
@@ -7899,7 +7771,7 @@
           <p:spPr>
             <a:xfrm>
               <a:off x="6307059" y="3595255"/>
-              <a:ext cx="282553" cy="461665"/>
+              <a:ext cx="282553" cy="466268"/>
             </a:xfrm>
             <a:prstGeom prst="rect">
               <a:avLst/>
@@ -7913,7 +7785,7 @@
             <a:lstStyle/>
             <a:p>
               <a:r>
-                <a:rPr lang="fr-FR" dirty="0" smtClean="0">
+                <a:rPr lang="fr-FR" dirty="0">
                   <a:solidFill>
                     <a:srgbClr val="FF0000"/>
                   </a:solidFill>
@@ -7939,7 +7811,7 @@
           <p:spPr>
             <a:xfrm>
               <a:off x="6225019" y="4062030"/>
-              <a:ext cx="690708" cy="461665"/>
+              <a:ext cx="690708" cy="466268"/>
             </a:xfrm>
             <a:prstGeom prst="rect">
               <a:avLst/>
@@ -7953,7 +7825,7 @@
             <a:lstStyle/>
             <a:p>
               <a:r>
-                <a:rPr lang="fr-FR" dirty="0" err="1" smtClean="0">
+                <a:rPr lang="fr-FR" dirty="0" err="1">
                   <a:solidFill>
                     <a:srgbClr val="00B050"/>
                   </a:solidFill>
@@ -8008,7 +7880,7 @@
         </p:nvGrpSpPr>
         <p:grpSpPr>
           <a:xfrm>
-            <a:off x="6209056" y="3901999"/>
+            <a:off x="5928320" y="2413056"/>
             <a:ext cx="282553" cy="461665"/>
             <a:chOff x="9870874" y="3315854"/>
             <a:chExt cx="282553" cy="461665"/>
@@ -8077,7 +7949,7 @@
             <a:lstStyle/>
             <a:p>
               <a:r>
-                <a:rPr lang="fr-FR" dirty="0" smtClean="0">
+                <a:rPr lang="fr-FR" dirty="0">
                   <a:solidFill>
                     <a:srgbClr val="FF0000"/>
                   </a:solidFill>
@@ -8103,7 +7975,7 @@
         </p:nvGrpSpPr>
         <p:grpSpPr>
           <a:xfrm>
-            <a:off x="6209056" y="3907067"/>
+            <a:off x="5928320" y="2418124"/>
             <a:ext cx="282553" cy="461665"/>
             <a:chOff x="9870874" y="3315854"/>
             <a:chExt cx="282553" cy="461665"/>
@@ -8172,7 +8044,7 @@
             <a:lstStyle/>
             <a:p>
               <a:r>
-                <a:rPr lang="fr-FR" dirty="0" smtClean="0">
+                <a:rPr lang="fr-FR" dirty="0">
                   <a:solidFill>
                     <a:srgbClr val="FF0000"/>
                   </a:solidFill>
@@ -8198,7 +8070,7 @@
         </p:nvGrpSpPr>
         <p:grpSpPr>
           <a:xfrm>
-            <a:off x="5431602" y="5325610"/>
+            <a:off x="5150866" y="3836667"/>
             <a:ext cx="282553" cy="461665"/>
             <a:chOff x="9870874" y="3315854"/>
             <a:chExt cx="282553" cy="461665"/>
@@ -8267,7 +8139,7 @@
             <a:lstStyle/>
             <a:p>
               <a:r>
-                <a:rPr lang="fr-FR" dirty="0" smtClean="0">
+                <a:rPr lang="fr-FR" dirty="0">
                   <a:solidFill>
                     <a:srgbClr val="FF0000"/>
                   </a:solidFill>
@@ -9482,8 +9354,8 @@
         </p:nvSpPr>
         <p:spPr bwMode="auto">
           <a:xfrm>
-            <a:off x="4622800" y="2779893"/>
-            <a:ext cx="3548185" cy="3948335"/>
+            <a:off x="4088887" y="1066517"/>
+            <a:ext cx="3416548" cy="4732704"/>
           </a:xfrm>
           <a:prstGeom prst="rect">
             <a:avLst/>
@@ -9509,32 +9381,12 @@
           </a:bodyPr>
           <a:lstStyle/>
           <a:p>
-            <a:pPr marL="0" marR="0" indent="0" algn="ctr" defTabSz="914400" rtl="0" eaLnBrk="1" fontAlgn="base" latinLnBrk="0" hangingPunct="1">
-              <a:lnSpc>
-                <a:spcPct val="100000"/>
-              </a:lnSpc>
+            <a:pPr algn="ctr">
               <a:spcBef>
                 <a:spcPct val="50000"/>
               </a:spcBef>
-              <a:spcAft>
-                <a:spcPct val="0"/>
-              </a:spcAft>
-              <a:buClrTx/>
-              <a:buSzTx/>
-              <a:buFontTx/>
-              <a:buNone/>
-              <a:tabLst/>
             </a:pPr>
-            <a:endParaRPr kumimoji="0" lang="fr-FR" sz="2400" b="0" i="0" u="none" strike="noStrike" cap="none" normalizeH="0" baseline="0" smtClean="0">
-              <a:ln>
-                <a:noFill/>
-              </a:ln>
-              <a:solidFill>
-                <a:schemeClr val="tx1"/>
-              </a:solidFill>
-              <a:effectLst/>
-              <a:latin typeface="Comic Sans MS" pitchFamily="66" charset="0"/>
-            </a:endParaRPr>
+            <a:endParaRPr lang="fr-FR"/>
           </a:p>
         </p:txBody>
       </p:sp>
@@ -9546,7 +9398,7 @@
         </p:nvSpPr>
         <p:spPr>
           <a:xfrm>
-            <a:off x="5193323" y="1835674"/>
+            <a:off x="4736122" y="143187"/>
             <a:ext cx="3454400" cy="923330"/>
           </a:xfrm>
           <a:prstGeom prst="rect">
@@ -9561,7 +9413,7 @@
           <a:lstStyle/>
           <a:p>
             <a:r>
-              <a:rPr lang="fr-FR" sz="5400" dirty="0" smtClean="0">
+              <a:rPr lang="fr-FR" sz="5400" dirty="0">
                 <a:latin typeface="Calibri" panose="020F0502020204030204" pitchFamily="34" charset="0"/>
               </a:rPr>
               <a:t>objets</a:t>
@@ -9580,8 +9432,8 @@
         </p:nvSpPr>
         <p:spPr bwMode="auto">
           <a:xfrm>
-            <a:off x="457200" y="2779894"/>
-            <a:ext cx="3548185" cy="3948335"/>
+            <a:off x="407288" y="1066517"/>
+            <a:ext cx="3290696" cy="4732704"/>
           </a:xfrm>
           <a:prstGeom prst="rect">
             <a:avLst/>
@@ -9607,32 +9459,12 @@
           </a:bodyPr>
           <a:lstStyle/>
           <a:p>
-            <a:pPr marL="0" marR="0" indent="0" algn="ctr" defTabSz="914400" rtl="0" eaLnBrk="1" fontAlgn="base" latinLnBrk="0" hangingPunct="1">
-              <a:lnSpc>
-                <a:spcPct val="100000"/>
-              </a:lnSpc>
+            <a:pPr algn="ctr">
               <a:spcBef>
                 <a:spcPct val="50000"/>
               </a:spcBef>
-              <a:spcAft>
-                <a:spcPct val="0"/>
-              </a:spcAft>
-              <a:buClrTx/>
-              <a:buSzTx/>
-              <a:buFontTx/>
-              <a:buNone/>
-              <a:tabLst/>
             </a:pPr>
-            <a:endParaRPr kumimoji="0" lang="fr-FR" sz="2400" b="0" i="0" u="none" strike="noStrike" cap="none" normalizeH="0" baseline="0" smtClean="0">
-              <a:ln>
-                <a:noFill/>
-              </a:ln>
-              <a:solidFill>
-                <a:schemeClr val="tx1"/>
-              </a:solidFill>
-              <a:effectLst/>
-              <a:latin typeface="Comic Sans MS" pitchFamily="66" charset="0"/>
-            </a:endParaRPr>
+            <a:endParaRPr lang="fr-FR"/>
           </a:p>
         </p:txBody>
       </p:sp>
@@ -9644,7 +9476,7 @@
         </p:nvSpPr>
         <p:spPr>
           <a:xfrm>
-            <a:off x="864489" y="1864452"/>
+            <a:off x="675585" y="194527"/>
             <a:ext cx="3454400" cy="923330"/>
           </a:xfrm>
           <a:prstGeom prst="rect">
@@ -9659,7 +9491,7 @@
           <a:lstStyle/>
           <a:p>
             <a:r>
-              <a:rPr lang="fr-FR" sz="5400" dirty="0" smtClean="0">
+              <a:rPr lang="fr-FR" sz="5400" dirty="0">
                 <a:latin typeface="Calibri" panose="020F0502020204030204" pitchFamily="34" charset="0"/>
               </a:rPr>
               <a:t>variables</a:t>
@@ -9678,7 +9510,7 @@
         </p:nvSpPr>
         <p:spPr>
           <a:xfrm>
-            <a:off x="457200" y="26139"/>
+            <a:off x="7529946" y="604852"/>
             <a:ext cx="6669809" cy="1754326"/>
           </a:xfrm>
           <a:prstGeom prst="rect">
@@ -9693,23 +9525,12 @@
           <a:lstStyle/>
           <a:p>
             <a:r>
-              <a:rPr lang="fr-FR" sz="3600" dirty="0" smtClean="0">
+              <a:rPr lang="fr-FR" sz="3600" dirty="0">
                 <a:latin typeface="Courier New" panose="02070309020205020404" pitchFamily="49" charset="0"/>
                 <a:cs typeface="Courier New" panose="02070309020205020404" pitchFamily="49" charset="0"/>
               </a:rPr>
-              <a:t>&gt;&gt;&gt; a = </a:t>
+              <a:t>&gt;&gt;&gt; a = [1, 2]</a:t>
             </a:r>
-            <a:r>
-              <a:rPr lang="fr-FR" sz="3600" dirty="0" smtClean="0">
-                <a:latin typeface="Courier New" panose="02070309020205020404" pitchFamily="49" charset="0"/>
-                <a:cs typeface="Courier New" panose="02070309020205020404" pitchFamily="49" charset="0"/>
-              </a:rPr>
-              <a:t>[1, 2]</a:t>
-            </a:r>
-            <a:endParaRPr lang="fr-FR" sz="3600" dirty="0" smtClean="0">
-              <a:latin typeface="Courier New" panose="02070309020205020404" pitchFamily="49" charset="0"/>
-              <a:cs typeface="Courier New" panose="02070309020205020404" pitchFamily="49" charset="0"/>
-            </a:endParaRPr>
           </a:p>
           <a:p>
             <a:r>
@@ -9720,7 +9541,7 @@
               <a:t>&gt;&gt;&gt; </a:t>
             </a:r>
             <a:r>
-              <a:rPr lang="fr-FR" sz="3600" dirty="0" smtClean="0">
+              <a:rPr lang="fr-FR" sz="3600" dirty="0">
                 <a:latin typeface="Courier New" panose="02070309020205020404" pitchFamily="49" charset="0"/>
                 <a:cs typeface="Courier New" panose="02070309020205020404" pitchFamily="49" charset="0"/>
               </a:rPr>
@@ -9734,7 +9555,7 @@
               <a:t>= </a:t>
             </a:r>
             <a:r>
-              <a:rPr lang="fr-FR" sz="3600" dirty="0" smtClean="0">
+              <a:rPr lang="fr-FR" sz="3600" dirty="0">
                 <a:latin typeface="Courier New" panose="02070309020205020404" pitchFamily="49" charset="0"/>
                 <a:cs typeface="Courier New" panose="02070309020205020404" pitchFamily="49" charset="0"/>
               </a:rPr>
@@ -9743,7 +9564,7 @@
           </a:p>
           <a:p>
             <a:r>
-              <a:rPr lang="fr-FR" sz="3600" dirty="0" smtClean="0">
+              <a:rPr lang="fr-FR" sz="3600" dirty="0">
                 <a:latin typeface="Courier New" panose="02070309020205020404" pitchFamily="49" charset="0"/>
                 <a:cs typeface="Courier New" panose="02070309020205020404" pitchFamily="49" charset="0"/>
               </a:rPr>
@@ -9756,10 +9577,6 @@
               </a:rPr>
               <a:t>= 'spam'</a:t>
             </a:r>
-            <a:endParaRPr lang="fr-FR" sz="3600" dirty="0">
-              <a:latin typeface="Courier New" panose="02070309020205020404" pitchFamily="49" charset="0"/>
-              <a:cs typeface="Courier New" panose="02070309020205020404" pitchFamily="49" charset="0"/>
-            </a:endParaRPr>
           </a:p>
         </p:txBody>
       </p:sp>
@@ -9771,7 +9588,7 @@
         </p:nvSpPr>
         <p:spPr>
           <a:xfrm>
-            <a:off x="6005945" y="4188848"/>
+            <a:off x="5548745" y="2496361"/>
             <a:ext cx="1828801" cy="923330"/>
           </a:xfrm>
           <a:prstGeom prst="rect">
@@ -9792,7 +9609,7 @@
           <a:p>
             <a:pPr algn="ctr"/>
             <a:r>
-              <a:rPr lang="fr-FR" sz="5400" dirty="0" smtClean="0">
+              <a:rPr lang="fr-FR" sz="5400" dirty="0">
                 <a:latin typeface="Calibri" panose="020F0502020204030204" pitchFamily="34" charset="0"/>
               </a:rPr>
               <a:t>[ , ]</a:t>
@@ -9811,7 +9628,7 @@
         </p:nvSpPr>
         <p:spPr>
           <a:xfrm>
-            <a:off x="1854778" y="3995364"/>
+            <a:off x="1397577" y="2302877"/>
             <a:ext cx="1080654" cy="923330"/>
           </a:xfrm>
           <a:prstGeom prst="rect">
@@ -9831,7 +9648,7 @@
               </a:rPr>
               <a:t>a</a:t>
             </a:r>
-            <a:endParaRPr lang="fr-FR" sz="5400" dirty="0" smtClean="0">
+            <a:endParaRPr lang="fr-FR" sz="5400" dirty="0">
               <a:latin typeface="Calibri" panose="020F0502020204030204" pitchFamily="34" charset="0"/>
             </a:endParaRPr>
           </a:p>
@@ -9845,7 +9662,7 @@
         </p:nvSpPr>
         <p:spPr bwMode="auto">
           <a:xfrm>
-            <a:off x="2348346" y="3800537"/>
+            <a:off x="1891145" y="2108050"/>
             <a:ext cx="3618700" cy="841210"/>
           </a:xfrm>
           <a:custGeom>
@@ -9942,7 +9759,7 @@
         </p:nvSpPr>
         <p:spPr>
           <a:xfrm>
-            <a:off x="5892356" y="3900223"/>
+            <a:off x="5435155" y="2207736"/>
             <a:ext cx="585532" cy="923330"/>
           </a:xfrm>
           <a:prstGeom prst="rect">
@@ -9957,7 +9774,7 @@
           <a:lstStyle/>
           <a:p>
             <a:r>
-              <a:rPr lang="fr-FR" sz="5400" dirty="0" smtClean="0">
+              <a:rPr lang="fr-FR" sz="5400" dirty="0">
                 <a:solidFill>
                   <a:srgbClr val="FF0000"/>
                 </a:solidFill>
@@ -9982,7 +9799,7 @@
         </p:nvSpPr>
         <p:spPr>
           <a:xfrm>
-            <a:off x="5402963" y="5673808"/>
+            <a:off x="4945762" y="3981321"/>
             <a:ext cx="2168770" cy="923330"/>
           </a:xfrm>
           <a:prstGeom prst="rect">
@@ -10023,7 +9840,7 @@
         </p:nvSpPr>
         <p:spPr>
           <a:xfrm>
-            <a:off x="1854778" y="4930353"/>
+            <a:off x="1397577" y="3237866"/>
             <a:ext cx="1080654" cy="923330"/>
           </a:xfrm>
           <a:prstGeom prst="rect">
@@ -10043,7 +9860,7 @@
               </a:rPr>
               <a:t>b</a:t>
             </a:r>
-            <a:endParaRPr lang="fr-FR" sz="5400" dirty="0" smtClean="0">
+            <a:endParaRPr lang="fr-FR" sz="5400" dirty="0">
               <a:latin typeface="Calibri" panose="020F0502020204030204" pitchFamily="34" charset="0"/>
             </a:endParaRPr>
           </a:p>
@@ -10057,7 +9874,7 @@
         </p:nvSpPr>
         <p:spPr bwMode="auto">
           <a:xfrm>
-            <a:off x="2576945" y="4683903"/>
+            <a:off x="2119744" y="2991417"/>
             <a:ext cx="3365590" cy="747951"/>
           </a:xfrm>
           <a:custGeom>
@@ -10136,7 +9953,7 @@
         </p:nvSpPr>
         <p:spPr>
           <a:xfrm>
-            <a:off x="5465839" y="2894700"/>
+            <a:off x="5008638" y="1202213"/>
             <a:ext cx="781672" cy="923330"/>
           </a:xfrm>
           <a:prstGeom prst="rect">
@@ -10162,9 +9979,6 @@
               </a:rPr>
               <a:t>1</a:t>
             </a:r>
-            <a:endParaRPr lang="fr-FR" sz="5400" dirty="0">
-              <a:latin typeface="Calibri" panose="020F0502020204030204" pitchFamily="34" charset="0"/>
-            </a:endParaRPr>
           </a:p>
         </p:txBody>
       </p:sp>
@@ -10176,7 +9990,7 @@
         </p:nvSpPr>
         <p:spPr>
           <a:xfrm>
-            <a:off x="6920345" y="2901994"/>
+            <a:off x="6463144" y="1209507"/>
             <a:ext cx="781672" cy="923330"/>
           </a:xfrm>
           <a:prstGeom prst="rect">
@@ -10197,7 +10011,7 @@
           <a:p>
             <a:pPr algn="ctr"/>
             <a:r>
-              <a:rPr lang="fr-FR" sz="5400" dirty="0" smtClean="0">
+              <a:rPr lang="fr-FR" sz="5400" dirty="0">
                 <a:latin typeface="Calibri" panose="020F0502020204030204" pitchFamily="34" charset="0"/>
               </a:rPr>
               <a:t>2</a:t>
@@ -10216,7 +10030,7 @@
         </p:nvSpPr>
         <p:spPr bwMode="auto">
           <a:xfrm>
-            <a:off x="5932055" y="3844636"/>
+            <a:off x="5474854" y="2152150"/>
             <a:ext cx="842818" cy="872837"/>
           </a:xfrm>
           <a:custGeom>
@@ -10289,7 +10103,7 @@
         </p:nvSpPr>
         <p:spPr bwMode="auto">
           <a:xfrm>
-            <a:off x="7043248" y="3865418"/>
+            <a:off x="6586047" y="2172931"/>
             <a:ext cx="292734" cy="893618"/>
           </a:xfrm>
           <a:custGeom>
@@ -10362,7 +10176,7 @@
         </p:nvSpPr>
         <p:spPr bwMode="auto">
           <a:xfrm>
-            <a:off x="6255327" y="4966855"/>
+            <a:off x="5798126" y="3274369"/>
             <a:ext cx="498764" cy="706581"/>
           </a:xfrm>
           <a:custGeom>
@@ -11576,8 +11390,8 @@
         </p:nvSpPr>
         <p:spPr bwMode="auto">
           <a:xfrm>
-            <a:off x="4622800" y="2779893"/>
-            <a:ext cx="3548185" cy="3948335"/>
+            <a:off x="4165601" y="1213078"/>
+            <a:ext cx="3300934" cy="4586143"/>
           </a:xfrm>
           <a:prstGeom prst="rect">
             <a:avLst/>
@@ -11603,32 +11417,12 @@
           </a:bodyPr>
           <a:lstStyle/>
           <a:p>
-            <a:pPr marL="0" marR="0" indent="0" algn="ctr" defTabSz="914400" rtl="0" eaLnBrk="1" fontAlgn="base" latinLnBrk="0" hangingPunct="1">
-              <a:lnSpc>
-                <a:spcPct val="100000"/>
-              </a:lnSpc>
+            <a:pPr algn="ctr">
               <a:spcBef>
                 <a:spcPct val="50000"/>
               </a:spcBef>
-              <a:spcAft>
-                <a:spcPct val="0"/>
-              </a:spcAft>
-              <a:buClrTx/>
-              <a:buSzTx/>
-              <a:buFontTx/>
-              <a:buNone/>
-              <a:tabLst/>
             </a:pPr>
-            <a:endParaRPr kumimoji="0" lang="fr-FR" sz="2400" b="0" i="0" u="none" strike="noStrike" cap="none" normalizeH="0" baseline="0" smtClean="0">
-              <a:ln>
-                <a:noFill/>
-              </a:ln>
-              <a:solidFill>
-                <a:schemeClr val="tx1"/>
-              </a:solidFill>
-              <a:effectLst/>
-              <a:latin typeface="Comic Sans MS" pitchFamily="66" charset="0"/>
-            </a:endParaRPr>
+            <a:endParaRPr lang="fr-FR"/>
           </a:p>
         </p:txBody>
       </p:sp>
@@ -11640,7 +11434,7 @@
         </p:nvSpPr>
         <p:spPr>
           <a:xfrm>
-            <a:off x="5193323" y="1835674"/>
+            <a:off x="4736122" y="289748"/>
             <a:ext cx="3454400" cy="923330"/>
           </a:xfrm>
           <a:prstGeom prst="rect">
@@ -11655,7 +11449,7 @@
           <a:lstStyle/>
           <a:p>
             <a:r>
-              <a:rPr lang="fr-FR" sz="5400" dirty="0" smtClean="0">
+              <a:rPr lang="fr-FR" sz="5400" dirty="0">
                 <a:latin typeface="Calibri" panose="020F0502020204030204" pitchFamily="34" charset="0"/>
               </a:rPr>
               <a:t>objets</a:t>
@@ -11674,8 +11468,8 @@
         </p:nvSpPr>
         <p:spPr bwMode="auto">
           <a:xfrm>
-            <a:off x="457200" y="2779894"/>
-            <a:ext cx="3548185" cy="3948335"/>
+            <a:off x="237520" y="1213079"/>
+            <a:ext cx="3211338" cy="4586142"/>
           </a:xfrm>
           <a:prstGeom prst="rect">
             <a:avLst/>
@@ -11701,32 +11495,12 @@
           </a:bodyPr>
           <a:lstStyle/>
           <a:p>
-            <a:pPr marL="0" marR="0" indent="0" algn="ctr" defTabSz="914400" rtl="0" eaLnBrk="1" fontAlgn="base" latinLnBrk="0" hangingPunct="1">
-              <a:lnSpc>
-                <a:spcPct val="100000"/>
-              </a:lnSpc>
+            <a:pPr algn="ctr">
               <a:spcBef>
                 <a:spcPct val="50000"/>
               </a:spcBef>
-              <a:spcAft>
-                <a:spcPct val="0"/>
-              </a:spcAft>
-              <a:buClrTx/>
-              <a:buSzTx/>
-              <a:buFontTx/>
-              <a:buNone/>
-              <a:tabLst/>
             </a:pPr>
-            <a:endParaRPr kumimoji="0" lang="fr-FR" sz="2400" b="0" i="0" u="none" strike="noStrike" cap="none" normalizeH="0" baseline="0" smtClean="0">
-              <a:ln>
-                <a:noFill/>
-              </a:ln>
-              <a:solidFill>
-                <a:schemeClr val="tx1"/>
-              </a:solidFill>
-              <a:effectLst/>
-              <a:latin typeface="Comic Sans MS" pitchFamily="66" charset="0"/>
-            </a:endParaRPr>
+            <a:endParaRPr lang="fr-FR"/>
           </a:p>
         </p:txBody>
       </p:sp>
@@ -11738,7 +11512,7 @@
         </p:nvSpPr>
         <p:spPr>
           <a:xfrm>
-            <a:off x="864489" y="1864452"/>
+            <a:off x="407288" y="318526"/>
             <a:ext cx="3454400" cy="923330"/>
           </a:xfrm>
           <a:prstGeom prst="rect">
@@ -11753,7 +11527,7 @@
           <a:lstStyle/>
           <a:p>
             <a:r>
-              <a:rPr lang="fr-FR" sz="5400" dirty="0" smtClean="0">
+              <a:rPr lang="fr-FR" sz="5400" dirty="0">
                 <a:latin typeface="Calibri" panose="020F0502020204030204" pitchFamily="34" charset="0"/>
               </a:rPr>
               <a:t>variables</a:t>
@@ -11772,7 +11546,7 @@
         </p:nvSpPr>
         <p:spPr>
           <a:xfrm>
-            <a:off x="457200" y="26139"/>
+            <a:off x="7466535" y="318526"/>
             <a:ext cx="8544296" cy="1754326"/>
           </a:xfrm>
           <a:prstGeom prst="rect">
@@ -11787,23 +11561,12 @@
           <a:lstStyle/>
           <a:p>
             <a:r>
-              <a:rPr lang="fr-FR" sz="3600" dirty="0" smtClean="0">
+              <a:rPr lang="fr-FR" sz="3600" dirty="0">
                 <a:latin typeface="Courier New" panose="02070309020205020404" pitchFamily="49" charset="0"/>
                 <a:cs typeface="Courier New" panose="02070309020205020404" pitchFamily="49" charset="0"/>
               </a:rPr>
-              <a:t>&gt;&gt;&gt; a = </a:t>
+              <a:t>&gt;&gt;&gt; a = [1, 2]</a:t>
             </a:r>
-            <a:r>
-              <a:rPr lang="fr-FR" sz="3600" dirty="0" smtClean="0">
-                <a:latin typeface="Courier New" panose="02070309020205020404" pitchFamily="49" charset="0"/>
-                <a:cs typeface="Courier New" panose="02070309020205020404" pitchFamily="49" charset="0"/>
-              </a:rPr>
-              <a:t>[1, 2]</a:t>
-            </a:r>
-            <a:endParaRPr lang="fr-FR" sz="3600" dirty="0" smtClean="0">
-              <a:latin typeface="Courier New" panose="02070309020205020404" pitchFamily="49" charset="0"/>
-              <a:cs typeface="Courier New" panose="02070309020205020404" pitchFamily="49" charset="0"/>
-            </a:endParaRPr>
           </a:p>
           <a:p>
             <a:r>
@@ -11814,7 +11577,7 @@
               <a:t>&gt;&gt;&gt; </a:t>
             </a:r>
             <a:r>
-              <a:rPr lang="fr-FR" sz="3600" dirty="0" smtClean="0">
+              <a:rPr lang="fr-FR" sz="3600" dirty="0">
                 <a:latin typeface="Courier New" panose="02070309020205020404" pitchFamily="49" charset="0"/>
                 <a:cs typeface="Courier New" panose="02070309020205020404" pitchFamily="49" charset="0"/>
               </a:rPr>
@@ -11828,7 +11591,7 @@
               <a:t>= </a:t>
             </a:r>
             <a:r>
-              <a:rPr lang="fr-FR" sz="3600" dirty="0" smtClean="0">
+              <a:rPr lang="fr-FR" sz="3600" dirty="0">
                 <a:latin typeface="Courier New" panose="02070309020205020404" pitchFamily="49" charset="0"/>
                 <a:cs typeface="Courier New" panose="02070309020205020404" pitchFamily="49" charset="0"/>
               </a:rPr>
@@ -11841,39 +11604,18 @@
               </a:rPr>
               <a:t>[:] </a:t>
             </a:r>
+            <a:endParaRPr lang="fr-FR" sz="3600" dirty="0" smtClean="0">
+              <a:latin typeface="Courier New" panose="02070309020205020404" pitchFamily="49" charset="0"/>
+              <a:cs typeface="Courier New" panose="02070309020205020404" pitchFamily="49" charset="0"/>
+            </a:endParaRPr>
+          </a:p>
+          <a:p>
             <a:r>
               <a:rPr lang="fr-FR" sz="3600" dirty="0" smtClean="0">
                 <a:latin typeface="Courier New" panose="02070309020205020404" pitchFamily="49" charset="0"/>
                 <a:cs typeface="Courier New" panose="02070309020205020404" pitchFamily="49" charset="0"/>
               </a:rPr>
-              <a:t>#copie </a:t>
-            </a:r>
-            <a:r>
-              <a:rPr lang="fr-FR" sz="3600" dirty="0" err="1">
-                <a:latin typeface="Courier New" panose="02070309020205020404" pitchFamily="49" charset="0"/>
-                <a:cs typeface="Courier New" panose="02070309020205020404" pitchFamily="49" charset="0"/>
-              </a:rPr>
-              <a:t>shallow</a:t>
-            </a:r>
-            <a:endParaRPr lang="fr-FR" sz="3600" dirty="0" smtClean="0">
-              <a:latin typeface="Courier New" panose="02070309020205020404" pitchFamily="49" charset="0"/>
-              <a:cs typeface="Courier New" panose="02070309020205020404" pitchFamily="49" charset="0"/>
-            </a:endParaRPr>
-          </a:p>
-          <a:p>
-            <a:r>
-              <a:rPr lang="fr-FR" sz="3600" dirty="0" smtClean="0">
-                <a:latin typeface="Courier New" panose="02070309020205020404" pitchFamily="49" charset="0"/>
-                <a:cs typeface="Courier New" panose="02070309020205020404" pitchFamily="49" charset="0"/>
-              </a:rPr>
-              <a:t>&gt;&gt;&gt; a[0] </a:t>
-            </a:r>
-            <a:r>
-              <a:rPr lang="fr-FR" sz="3600" dirty="0">
-                <a:latin typeface="Courier New" panose="02070309020205020404" pitchFamily="49" charset="0"/>
-                <a:cs typeface="Courier New" panose="02070309020205020404" pitchFamily="49" charset="0"/>
-              </a:rPr>
-              <a:t>= 'spam'</a:t>
+              <a:t>&gt;&gt;&gt; a[0] = 'spam'</a:t>
             </a:r>
             <a:endParaRPr lang="fr-FR" sz="3600" dirty="0">
               <a:latin typeface="Courier New" panose="02070309020205020404" pitchFamily="49" charset="0"/>
@@ -11890,7 +11632,7 @@
         </p:nvSpPr>
         <p:spPr>
           <a:xfrm>
-            <a:off x="4853177" y="4259667"/>
+            <a:off x="4395976" y="2713742"/>
             <a:ext cx="1089358" cy="584775"/>
           </a:xfrm>
           <a:prstGeom prst="rect">
@@ -11911,7 +11653,7 @@
           <a:p>
             <a:pPr algn="ctr"/>
             <a:r>
-              <a:rPr lang="fr-FR" sz="3200" dirty="0" smtClean="0">
+              <a:rPr lang="fr-FR" sz="3200" dirty="0">
                 <a:latin typeface="Calibri" panose="020F0502020204030204" pitchFamily="34" charset="0"/>
               </a:rPr>
               <a:t>[ , ]</a:t>
@@ -11930,7 +11672,7 @@
         </p:nvSpPr>
         <p:spPr>
           <a:xfrm>
-            <a:off x="1854778" y="3995364"/>
+            <a:off x="1397577" y="2449438"/>
             <a:ext cx="1080654" cy="923330"/>
           </a:xfrm>
           <a:prstGeom prst="rect">
@@ -11950,7 +11692,7 @@
               </a:rPr>
               <a:t>a</a:t>
             </a:r>
-            <a:endParaRPr lang="fr-FR" sz="5400" dirty="0" smtClean="0">
+            <a:endParaRPr lang="fr-FR" sz="5400" dirty="0">
               <a:latin typeface="Calibri" panose="020F0502020204030204" pitchFamily="34" charset="0"/>
             </a:endParaRPr>
           </a:p>
@@ -11964,7 +11706,7 @@
         </p:nvSpPr>
         <p:spPr bwMode="auto">
           <a:xfrm>
-            <a:off x="2348345" y="3935887"/>
+            <a:off x="1891145" y="2389961"/>
             <a:ext cx="2467233" cy="641368"/>
           </a:xfrm>
           <a:custGeom>
@@ -12079,7 +11821,7 @@
         </p:nvSpPr>
         <p:spPr>
           <a:xfrm>
-            <a:off x="4794822" y="3545747"/>
+            <a:off x="4337621" y="1999821"/>
             <a:ext cx="585532" cy="923330"/>
           </a:xfrm>
           <a:prstGeom prst="rect">
@@ -12094,7 +11836,7 @@
           <a:lstStyle/>
           <a:p>
             <a:r>
-              <a:rPr lang="fr-FR" sz="5400" dirty="0" smtClean="0">
+              <a:rPr lang="fr-FR" sz="5400" dirty="0">
                 <a:solidFill>
                   <a:srgbClr val="FF0000"/>
                 </a:solidFill>
@@ -12119,7 +11861,7 @@
         </p:nvSpPr>
         <p:spPr>
           <a:xfrm>
-            <a:off x="4849001" y="5687159"/>
+            <a:off x="4391800" y="4141234"/>
             <a:ext cx="1517382" cy="584775"/>
           </a:xfrm>
           <a:prstGeom prst="rect">
@@ -12160,7 +11902,7 @@
         </p:nvSpPr>
         <p:spPr>
           <a:xfrm>
-            <a:off x="1854778" y="4930353"/>
+            <a:off x="1397577" y="3384427"/>
             <a:ext cx="1080654" cy="923330"/>
           </a:xfrm>
           <a:prstGeom prst="rect">
@@ -12180,7 +11922,7 @@
               </a:rPr>
               <a:t>b</a:t>
             </a:r>
-            <a:endParaRPr lang="fr-FR" sz="5400" dirty="0" smtClean="0">
+            <a:endParaRPr lang="fr-FR" sz="5400" dirty="0">
               <a:latin typeface="Calibri" panose="020F0502020204030204" pitchFamily="34" charset="0"/>
             </a:endParaRPr>
           </a:p>
@@ -12194,7 +11936,7 @@
         </p:nvSpPr>
         <p:spPr bwMode="auto">
           <a:xfrm>
-            <a:off x="2576945" y="4904036"/>
+            <a:off x="2119745" y="3358111"/>
             <a:ext cx="4550923" cy="525317"/>
           </a:xfrm>
           <a:custGeom>
@@ -12297,7 +12039,7 @@
         </p:nvSpPr>
         <p:spPr>
           <a:xfrm>
-            <a:off x="4857944" y="3036040"/>
+            <a:off x="4400743" y="1490115"/>
             <a:ext cx="781672" cy="584775"/>
           </a:xfrm>
           <a:prstGeom prst="rect">
@@ -12323,9 +12065,6 @@
               </a:rPr>
               <a:t>1</a:t>
             </a:r>
-            <a:endParaRPr lang="fr-FR" sz="3200" dirty="0">
-              <a:latin typeface="Calibri" panose="020F0502020204030204" pitchFamily="34" charset="0"/>
-            </a:endParaRPr>
           </a:p>
         </p:txBody>
       </p:sp>
@@ -12337,7 +12076,7 @@
         </p:nvSpPr>
         <p:spPr>
           <a:xfrm>
-            <a:off x="5892356" y="3038504"/>
+            <a:off x="5435155" y="1492579"/>
             <a:ext cx="781672" cy="584775"/>
           </a:xfrm>
           <a:prstGeom prst="rect">
@@ -12358,7 +12097,7 @@
           <a:p>
             <a:pPr algn="ctr"/>
             <a:r>
-              <a:rPr lang="fr-FR" sz="3200" dirty="0" smtClean="0">
+              <a:rPr lang="fr-FR" sz="3200" dirty="0">
                 <a:latin typeface="Calibri" panose="020F0502020204030204" pitchFamily="34" charset="0"/>
               </a:rPr>
               <a:t>2</a:t>
@@ -12377,7 +12116,7 @@
         </p:nvSpPr>
         <p:spPr bwMode="auto">
           <a:xfrm>
-            <a:off x="5014273" y="3592451"/>
+            <a:off x="4557072" y="2046525"/>
             <a:ext cx="304720" cy="838970"/>
           </a:xfrm>
           <a:custGeom>
@@ -12462,7 +12201,7 @@
         </p:nvSpPr>
         <p:spPr bwMode="auto">
           <a:xfrm>
-            <a:off x="5486200" y="3577653"/>
+            <a:off x="5028999" y="2031728"/>
             <a:ext cx="815902" cy="876685"/>
           </a:xfrm>
           <a:custGeom>
@@ -12547,7 +12286,7 @@
         </p:nvSpPr>
         <p:spPr bwMode="auto">
           <a:xfrm>
-            <a:off x="5155766" y="4747299"/>
+            <a:off x="4698566" y="3201373"/>
             <a:ext cx="318477" cy="875914"/>
           </a:xfrm>
           <a:custGeom>
@@ -12632,7 +12371,7 @@
         </p:nvSpPr>
         <p:spPr>
           <a:xfrm>
-            <a:off x="6674028" y="4276151"/>
+            <a:off x="6216827" y="2730226"/>
             <a:ext cx="1089358" cy="584775"/>
           </a:xfrm>
           <a:prstGeom prst="rect">
@@ -12653,7 +12392,7 @@
           <a:p>
             <a:pPr algn="ctr"/>
             <a:r>
-              <a:rPr lang="fr-FR" sz="3200" dirty="0" smtClean="0">
+              <a:rPr lang="fr-FR" sz="3200" dirty="0">
                 <a:latin typeface="Calibri" panose="020F0502020204030204" pitchFamily="34" charset="0"/>
               </a:rPr>
               <a:t>[ , ]</a:t>
@@ -12672,7 +12411,7 @@
         </p:nvSpPr>
         <p:spPr bwMode="auto">
           <a:xfrm>
-            <a:off x="5387520" y="3621974"/>
+            <a:off x="4930320" y="2076049"/>
             <a:ext cx="1737675" cy="855023"/>
           </a:xfrm>
           <a:custGeom>
@@ -12769,7 +12508,7 @@
         </p:nvSpPr>
         <p:spPr bwMode="auto">
           <a:xfrm>
-            <a:off x="6365174" y="3621974"/>
+            <a:off x="5907974" y="2076048"/>
             <a:ext cx="902525" cy="843148"/>
           </a:xfrm>
           <a:custGeom>
@@ -14149,8 +13888,8 @@
         </p:nvSpPr>
         <p:spPr bwMode="auto">
           <a:xfrm>
-            <a:off x="4622800" y="2779893"/>
-            <a:ext cx="3548185" cy="3948335"/>
+            <a:off x="3095773" y="1167089"/>
+            <a:ext cx="3612403" cy="5305900"/>
           </a:xfrm>
           <a:prstGeom prst="rect">
             <a:avLst/>
@@ -14176,32 +13915,12 @@
           </a:bodyPr>
           <a:lstStyle/>
           <a:p>
-            <a:pPr marL="0" marR="0" indent="0" algn="ctr" defTabSz="914400" rtl="0" eaLnBrk="1" fontAlgn="base" latinLnBrk="0" hangingPunct="1">
-              <a:lnSpc>
-                <a:spcPct val="100000"/>
-              </a:lnSpc>
+            <a:pPr algn="ctr">
               <a:spcBef>
                 <a:spcPct val="50000"/>
               </a:spcBef>
-              <a:spcAft>
-                <a:spcPct val="0"/>
-              </a:spcAft>
-              <a:buClrTx/>
-              <a:buSzTx/>
-              <a:buFontTx/>
-              <a:buNone/>
-              <a:tabLst/>
             </a:pPr>
-            <a:endParaRPr kumimoji="0" lang="fr-FR" sz="2400" b="0" i="0" u="none" strike="noStrike" cap="none" normalizeH="0" baseline="0" smtClean="0">
-              <a:ln>
-                <a:noFill/>
-              </a:ln>
-              <a:solidFill>
-                <a:schemeClr val="tx1"/>
-              </a:solidFill>
-              <a:effectLst/>
-              <a:latin typeface="Comic Sans MS" pitchFamily="66" charset="0"/>
-            </a:endParaRPr>
+            <a:endParaRPr lang="fr-FR"/>
           </a:p>
         </p:txBody>
       </p:sp>
@@ -14213,7 +13932,7 @@
         </p:nvSpPr>
         <p:spPr>
           <a:xfrm>
-            <a:off x="5193323" y="1835674"/>
+            <a:off x="3607871" y="218742"/>
             <a:ext cx="3454400" cy="923330"/>
           </a:xfrm>
           <a:prstGeom prst="rect">
@@ -14228,7 +13947,7 @@
           <a:lstStyle/>
           <a:p>
             <a:r>
-              <a:rPr lang="fr-FR" sz="5400" dirty="0" smtClean="0">
+              <a:rPr lang="fr-FR" sz="5400" dirty="0">
                 <a:latin typeface="Calibri" panose="020F0502020204030204" pitchFamily="34" charset="0"/>
               </a:rPr>
               <a:t>objets</a:t>
@@ -14247,8 +13966,8 @@
         </p:nvSpPr>
         <p:spPr bwMode="auto">
           <a:xfrm>
-            <a:off x="457200" y="2779894"/>
-            <a:ext cx="3548185" cy="3948335"/>
+            <a:off x="296152" y="1208679"/>
+            <a:ext cx="2544224" cy="5264310"/>
           </a:xfrm>
           <a:prstGeom prst="rect">
             <a:avLst/>
@@ -14274,32 +13993,12 @@
           </a:bodyPr>
           <a:lstStyle/>
           <a:p>
-            <a:pPr marL="0" marR="0" indent="0" algn="ctr" defTabSz="914400" rtl="0" eaLnBrk="1" fontAlgn="base" latinLnBrk="0" hangingPunct="1">
-              <a:lnSpc>
-                <a:spcPct val="100000"/>
-              </a:lnSpc>
+            <a:pPr algn="ctr">
               <a:spcBef>
                 <a:spcPct val="50000"/>
               </a:spcBef>
-              <a:spcAft>
-                <a:spcPct val="0"/>
-              </a:spcAft>
-              <a:buClrTx/>
-              <a:buSzTx/>
-              <a:buFontTx/>
-              <a:buNone/>
-              <a:tabLst/>
             </a:pPr>
-            <a:endParaRPr kumimoji="0" lang="fr-FR" sz="2400" b="0" i="0" u="none" strike="noStrike" cap="none" normalizeH="0" baseline="0" smtClean="0">
-              <a:ln>
-                <a:noFill/>
-              </a:ln>
-              <a:solidFill>
-                <a:schemeClr val="tx1"/>
-              </a:solidFill>
-              <a:effectLst/>
-              <a:latin typeface="Comic Sans MS" pitchFamily="66" charset="0"/>
-            </a:endParaRPr>
+            <a:endParaRPr lang="fr-FR"/>
           </a:p>
         </p:txBody>
       </p:sp>
@@ -14311,7 +14010,7 @@
         </p:nvSpPr>
         <p:spPr>
           <a:xfrm>
-            <a:off x="864489" y="1864452"/>
+            <a:off x="72429" y="218742"/>
             <a:ext cx="3454400" cy="923330"/>
           </a:xfrm>
           <a:prstGeom prst="rect">
@@ -14326,7 +14025,7 @@
           <a:lstStyle/>
           <a:p>
             <a:r>
-              <a:rPr lang="fr-FR" sz="5400" dirty="0" smtClean="0">
+              <a:rPr lang="fr-FR" sz="5400" dirty="0">
                 <a:latin typeface="Calibri" panose="020F0502020204030204" pitchFamily="34" charset="0"/>
               </a:rPr>
               <a:t>variables</a:t>
@@ -14345,7 +14044,7 @@
         </p:nvSpPr>
         <p:spPr>
           <a:xfrm>
-            <a:off x="457200" y="26139"/>
+            <a:off x="6696476" y="289926"/>
             <a:ext cx="8686800" cy="1754326"/>
           </a:xfrm>
           <a:prstGeom prst="rect">
@@ -14360,23 +14059,12 @@
           <a:lstStyle/>
           <a:p>
             <a:r>
-              <a:rPr lang="fr-FR" sz="3600" dirty="0" smtClean="0">
+              <a:rPr lang="fr-FR" sz="3600" dirty="0">
                 <a:latin typeface="Courier New" panose="02070309020205020404" pitchFamily="49" charset="0"/>
                 <a:cs typeface="Courier New" panose="02070309020205020404" pitchFamily="49" charset="0"/>
               </a:rPr>
-              <a:t>&gt;&gt;&gt; a = </a:t>
+              <a:t>&gt;&gt;&gt; a = [1, [2]]</a:t>
             </a:r>
-            <a:r>
-              <a:rPr lang="fr-FR" sz="3600" dirty="0" smtClean="0">
-                <a:latin typeface="Courier New" panose="02070309020205020404" pitchFamily="49" charset="0"/>
-                <a:cs typeface="Courier New" panose="02070309020205020404" pitchFamily="49" charset="0"/>
-              </a:rPr>
-              <a:t>[1, 2]</a:t>
-            </a:r>
-            <a:endParaRPr lang="fr-FR" sz="3600" dirty="0" smtClean="0">
-              <a:latin typeface="Courier New" panose="02070309020205020404" pitchFamily="49" charset="0"/>
-              <a:cs typeface="Courier New" panose="02070309020205020404" pitchFamily="49" charset="0"/>
-            </a:endParaRPr>
           </a:p>
           <a:p>
             <a:r>
@@ -14387,7 +14075,7 @@
               <a:t>&gt;&gt;&gt; </a:t>
             </a:r>
             <a:r>
-              <a:rPr lang="fr-FR" sz="3600" dirty="0" smtClean="0">
+              <a:rPr lang="fr-FR" sz="3600" dirty="0">
                 <a:latin typeface="Courier New" panose="02070309020205020404" pitchFamily="49" charset="0"/>
                 <a:cs typeface="Courier New" panose="02070309020205020404" pitchFamily="49" charset="0"/>
               </a:rPr>
@@ -14398,34 +14086,23 @@
                 <a:latin typeface="Courier New" panose="02070309020205020404" pitchFamily="49" charset="0"/>
                 <a:cs typeface="Courier New" panose="02070309020205020404" pitchFamily="49" charset="0"/>
               </a:rPr>
-              <a:t>= </a:t>
+              <a:t>= a</a:t>
             </a:r>
             <a:r>
               <a:rPr lang="fr-FR" sz="3600" dirty="0">
                 <a:latin typeface="Courier New" panose="02070309020205020404" pitchFamily="49" charset="0"/>
                 <a:cs typeface="Courier New" panose="02070309020205020404" pitchFamily="49" charset="0"/>
               </a:rPr>
-              <a:t>a[:] #copie </a:t>
+              <a:t>[:] </a:t>
             </a:r>
+          </a:p>
+          <a:p>
             <a:r>
-              <a:rPr lang="fr-FR" sz="3600" dirty="0" err="1">
+              <a:rPr lang="fr-FR" sz="3600" dirty="0">
                 <a:latin typeface="Courier New" panose="02070309020205020404" pitchFamily="49" charset="0"/>
                 <a:cs typeface="Courier New" panose="02070309020205020404" pitchFamily="49" charset="0"/>
               </a:rPr>
-              <a:t>shallow</a:t>
-            </a:r>
-            <a:endParaRPr lang="fr-FR" sz="3600" dirty="0" smtClean="0">
-              <a:latin typeface="Courier New" panose="02070309020205020404" pitchFamily="49" charset="0"/>
-              <a:cs typeface="Courier New" panose="02070309020205020404" pitchFamily="49" charset="0"/>
-            </a:endParaRPr>
-          </a:p>
-          <a:p>
-            <a:r>
-              <a:rPr lang="fr-FR" sz="3600" dirty="0" smtClean="0">
-                <a:latin typeface="Courier New" panose="02070309020205020404" pitchFamily="49" charset="0"/>
-                <a:cs typeface="Courier New" panose="02070309020205020404" pitchFamily="49" charset="0"/>
-              </a:rPr>
-              <a:t>&gt;&gt;&gt; a[0] </a:t>
+              <a:t>&gt;&gt;&gt; a[1][0] </a:t>
             </a:r>
             <a:r>
               <a:rPr lang="fr-FR" sz="3600" dirty="0">
@@ -14434,10 +14111,6 @@
               </a:rPr>
               <a:t>= 'spam'</a:t>
             </a:r>
-            <a:endParaRPr lang="fr-FR" sz="3600" dirty="0">
-              <a:latin typeface="Courier New" panose="02070309020205020404" pitchFamily="49" charset="0"/>
-              <a:cs typeface="Courier New" panose="02070309020205020404" pitchFamily="49" charset="0"/>
-            </a:endParaRPr>
           </a:p>
         </p:txBody>
       </p:sp>
@@ -14449,7 +14122,7 @@
         </p:nvSpPr>
         <p:spPr>
           <a:xfrm>
-            <a:off x="4853177" y="4259667"/>
+            <a:off x="3382737" y="3410299"/>
             <a:ext cx="1089358" cy="584775"/>
           </a:xfrm>
           <a:prstGeom prst="rect">
@@ -14470,7 +14143,7 @@
           <a:p>
             <a:pPr algn="ctr"/>
             <a:r>
-              <a:rPr lang="fr-FR" sz="3200" dirty="0" smtClean="0">
+              <a:rPr lang="fr-FR" sz="3200" dirty="0">
                 <a:latin typeface="Calibri" panose="020F0502020204030204" pitchFamily="34" charset="0"/>
               </a:rPr>
               <a:t>[ , ]</a:t>
@@ -14489,7 +14162,7 @@
         </p:nvSpPr>
         <p:spPr>
           <a:xfrm>
-            <a:off x="1854778" y="3995364"/>
+            <a:off x="1301756" y="2517288"/>
             <a:ext cx="1080654" cy="923330"/>
           </a:xfrm>
           <a:prstGeom prst="rect">
@@ -14509,7 +14182,7 @@
               </a:rPr>
               <a:t>a</a:t>
             </a:r>
-            <a:endParaRPr lang="fr-FR" sz="5400" dirty="0" smtClean="0">
+            <a:endParaRPr lang="fr-FR" sz="5400" dirty="0">
               <a:latin typeface="Calibri" panose="020F0502020204030204" pitchFamily="34" charset="0"/>
             </a:endParaRPr>
           </a:p>
@@ -14523,8 +14196,8 @@
         </p:nvSpPr>
         <p:spPr bwMode="auto">
           <a:xfrm>
-            <a:off x="2348345" y="3935887"/>
-            <a:ext cx="2467233" cy="641368"/>
+            <a:off x="1799629" y="3064038"/>
+            <a:ext cx="1625021" cy="580062"/>
           </a:xfrm>
           <a:custGeom>
             <a:avLst/>
@@ -14577,6 +14250,90 @@
               <a:gd name="connsiteY1" fmla="*/ 360 h 909663"/>
               <a:gd name="connsiteX2" fmla="*/ 2310357 w 2310357"/>
               <a:gd name="connsiteY2" fmla="*/ 857031 h 909663"/>
+              <a:gd name="connsiteX0" fmla="*/ 0 w 2873685"/>
+              <a:gd name="connsiteY0" fmla="*/ 841406 h 857032"/>
+              <a:gd name="connsiteX1" fmla="*/ 1665364 w 2873685"/>
+              <a:gd name="connsiteY1" fmla="*/ 361 h 857032"/>
+              <a:gd name="connsiteX2" fmla="*/ 2873685 w 2873685"/>
+              <a:gd name="connsiteY2" fmla="*/ 857032 h 857032"/>
+              <a:gd name="connsiteX0" fmla="*/ 0 w 2873685"/>
+              <a:gd name="connsiteY0" fmla="*/ 909613 h 925239"/>
+              <a:gd name="connsiteX1" fmla="*/ 718972 w 2873685"/>
+              <a:gd name="connsiteY1" fmla="*/ 309 h 925239"/>
+              <a:gd name="connsiteX2" fmla="*/ 2873685 w 2873685"/>
+              <a:gd name="connsiteY2" fmla="*/ 925239 h 925239"/>
+              <a:gd name="connsiteX0" fmla="*/ 0 w 1454098"/>
+              <a:gd name="connsiteY0" fmla="*/ 1125407 h 1125407"/>
+              <a:gd name="connsiteX1" fmla="*/ 718972 w 1454098"/>
+              <a:gd name="connsiteY1" fmla="*/ 216103 h 1125407"/>
+              <a:gd name="connsiteX2" fmla="*/ 1454098 w 1454098"/>
+              <a:gd name="connsiteY2" fmla="*/ 219544 h 1125407"/>
+              <a:gd name="connsiteX0" fmla="*/ 0 w 1454098"/>
+              <a:gd name="connsiteY0" fmla="*/ 916183 h 916183"/>
+              <a:gd name="connsiteX1" fmla="*/ 718972 w 1454098"/>
+              <a:gd name="connsiteY1" fmla="*/ 6879 h 916183"/>
+              <a:gd name="connsiteX2" fmla="*/ 1454098 w 1454098"/>
+              <a:gd name="connsiteY2" fmla="*/ 10320 h 916183"/>
+              <a:gd name="connsiteX0" fmla="*/ 0 w 1454098"/>
+              <a:gd name="connsiteY0" fmla="*/ 916183 h 916183"/>
+              <a:gd name="connsiteX1" fmla="*/ 718972 w 1454098"/>
+              <a:gd name="connsiteY1" fmla="*/ 6879 h 916183"/>
+              <a:gd name="connsiteX2" fmla="*/ 1454098 w 1454098"/>
+              <a:gd name="connsiteY2" fmla="*/ 10320 h 916183"/>
+              <a:gd name="connsiteX0" fmla="*/ 0 w 1409031"/>
+              <a:gd name="connsiteY0" fmla="*/ 916183 h 916183"/>
+              <a:gd name="connsiteX1" fmla="*/ 718972 w 1409031"/>
+              <a:gd name="connsiteY1" fmla="*/ 6879 h 916183"/>
+              <a:gd name="connsiteX2" fmla="*/ 1409031 w 1409031"/>
+              <a:gd name="connsiteY2" fmla="*/ 10320 h 916183"/>
+              <a:gd name="connsiteX0" fmla="*/ 0 w 1454097"/>
+              <a:gd name="connsiteY0" fmla="*/ 1008639 h 1008639"/>
+              <a:gd name="connsiteX1" fmla="*/ 718972 w 1454097"/>
+              <a:gd name="connsiteY1" fmla="*/ 99335 h 1008639"/>
+              <a:gd name="connsiteX2" fmla="*/ 1454097 w 1454097"/>
+              <a:gd name="connsiteY2" fmla="*/ 389 h 1008639"/>
+              <a:gd name="connsiteX0" fmla="*/ 0 w 1454097"/>
+              <a:gd name="connsiteY0" fmla="*/ 911969 h 911969"/>
+              <a:gd name="connsiteX1" fmla="*/ 718972 w 1454097"/>
+              <a:gd name="connsiteY1" fmla="*/ 2665 h 911969"/>
+              <a:gd name="connsiteX2" fmla="*/ 1454097 w 1454097"/>
+              <a:gd name="connsiteY2" fmla="*/ 40234 h 911969"/>
+              <a:gd name="connsiteX0" fmla="*/ 0 w 1521696"/>
+              <a:gd name="connsiteY0" fmla="*/ 909388 h 1709982"/>
+              <a:gd name="connsiteX1" fmla="*/ 718972 w 1521696"/>
+              <a:gd name="connsiteY1" fmla="*/ 84 h 1709982"/>
+              <a:gd name="connsiteX2" fmla="*/ 1521696 w 1521696"/>
+              <a:gd name="connsiteY2" fmla="*/ 1709982 h 1709982"/>
+              <a:gd name="connsiteX0" fmla="*/ 0 w 1521696"/>
+              <a:gd name="connsiteY0" fmla="*/ 191640 h 992234"/>
+              <a:gd name="connsiteX1" fmla="*/ 786571 w 1521696"/>
+              <a:gd name="connsiteY1" fmla="*/ 203823 h 992234"/>
+              <a:gd name="connsiteX2" fmla="*/ 1521696 w 1521696"/>
+              <a:gd name="connsiteY2" fmla="*/ 992234 h 992234"/>
+              <a:gd name="connsiteX0" fmla="*/ 0 w 1521696"/>
+              <a:gd name="connsiteY0" fmla="*/ 233085 h 1033679"/>
+              <a:gd name="connsiteX1" fmla="*/ 786571 w 1521696"/>
+              <a:gd name="connsiteY1" fmla="*/ 245268 h 1033679"/>
+              <a:gd name="connsiteX2" fmla="*/ 1521696 w 1521696"/>
+              <a:gd name="connsiteY2" fmla="*/ 1033679 h 1033679"/>
+              <a:gd name="connsiteX0" fmla="*/ 0 w 1521696"/>
+              <a:gd name="connsiteY0" fmla="*/ 0 h 800594"/>
+              <a:gd name="connsiteX1" fmla="*/ 786571 w 1521696"/>
+              <a:gd name="connsiteY1" fmla="*/ 12183 h 800594"/>
+              <a:gd name="connsiteX2" fmla="*/ 1521696 w 1521696"/>
+              <a:gd name="connsiteY2" fmla="*/ 800594 h 800594"/>
+              <a:gd name="connsiteX0" fmla="*/ 0 w 1521696"/>
+              <a:gd name="connsiteY0" fmla="*/ 678 h 801272"/>
+              <a:gd name="connsiteX1" fmla="*/ 786571 w 1521696"/>
+              <a:gd name="connsiteY1" fmla="*/ 12861 h 801272"/>
+              <a:gd name="connsiteX2" fmla="*/ 1521696 w 1521696"/>
+              <a:gd name="connsiteY2" fmla="*/ 801272 h 801272"/>
+              <a:gd name="connsiteX0" fmla="*/ 0 w 1521696"/>
+              <a:gd name="connsiteY0" fmla="*/ 22117 h 822711"/>
+              <a:gd name="connsiteX1" fmla="*/ 313375 w 1521696"/>
+              <a:gd name="connsiteY1" fmla="*/ 171 h 822711"/>
+              <a:gd name="connsiteX2" fmla="*/ 1521696 w 1521696"/>
+              <a:gd name="connsiteY2" fmla="*/ 822711 h 822711"/>
             </a:gdLst>
             <a:ahLst/>
             <a:cxnLst>
@@ -14592,19 +14349,19 @@
             </a:cxnLst>
             <a:rect l="l" t="t" r="r" b="b"/>
             <a:pathLst>
-              <a:path w="2310357" h="909663">
+              <a:path w="1521696" h="822711">
                 <a:moveTo>
-                  <a:pt x="0" y="909663"/>
+                  <a:pt x="0" y="22117"/>
                 </a:moveTo>
                 <a:cubicBezTo>
-                  <a:pt x="405245" y="355481"/>
-                  <a:pt x="463085" y="14214"/>
-                  <a:pt x="1102036" y="360"/>
+                  <a:pt x="720710" y="14003"/>
+                  <a:pt x="-303043" y="48154"/>
+                  <a:pt x="313375" y="171"/>
                 </a:cubicBezTo>
                 <a:cubicBezTo>
-                  <a:pt x="1740987" y="-13494"/>
-                  <a:pt x="1593384" y="372122"/>
-                  <a:pt x="2310357" y="857031"/>
+                  <a:pt x="952326" y="-13683"/>
+                  <a:pt x="894855" y="815610"/>
+                  <a:pt x="1521696" y="822711"/>
                 </a:cubicBezTo>
               </a:path>
             </a:pathLst>
@@ -14626,7 +14383,7 @@
           <a:lstStyle/>
           <a:p>
             <a:pPr algn="ctr"/>
-            <a:endParaRPr lang="fr-FR"/>
+            <a:endParaRPr lang="fr-FR" dirty="0"/>
           </a:p>
         </p:txBody>
       </p:sp>
@@ -14638,7 +14395,7 @@
         </p:nvSpPr>
         <p:spPr>
           <a:xfrm>
-            <a:off x="4794822" y="3545747"/>
+            <a:off x="5140612" y="1557751"/>
             <a:ext cx="585532" cy="923330"/>
           </a:xfrm>
           <a:prstGeom prst="rect">
@@ -14653,7 +14410,7 @@
           <a:lstStyle/>
           <a:p>
             <a:r>
-              <a:rPr lang="fr-FR" sz="5400" dirty="0" smtClean="0">
+              <a:rPr lang="fr-FR" sz="5400" dirty="0">
                 <a:solidFill>
                   <a:srgbClr val="FF0000"/>
                 </a:solidFill>
@@ -14678,7 +14435,7 @@
         </p:nvSpPr>
         <p:spPr>
           <a:xfrm>
-            <a:off x="4849001" y="5687159"/>
+            <a:off x="5038568" y="4826320"/>
             <a:ext cx="1517382" cy="584775"/>
           </a:xfrm>
           <a:prstGeom prst="rect">
@@ -14719,7 +14476,7 @@
         </p:nvSpPr>
         <p:spPr>
           <a:xfrm>
-            <a:off x="1854778" y="4930353"/>
+            <a:off x="1301756" y="3529538"/>
             <a:ext cx="1080654" cy="923330"/>
           </a:xfrm>
           <a:prstGeom prst="rect">
@@ -14739,7 +14496,7 @@
               </a:rPr>
               <a:t>b</a:t>
             </a:r>
-            <a:endParaRPr lang="fr-FR" sz="5400" dirty="0" smtClean="0">
+            <a:endParaRPr lang="fr-FR" sz="5400" dirty="0">
               <a:latin typeface="Calibri" panose="020F0502020204030204" pitchFamily="34" charset="0"/>
             </a:endParaRPr>
           </a:p>
@@ -14753,8 +14510,8 @@
         </p:nvSpPr>
         <p:spPr bwMode="auto">
           <a:xfrm>
-            <a:off x="2576945" y="4904036"/>
-            <a:ext cx="4550923" cy="525317"/>
+            <a:off x="1835724" y="3998624"/>
+            <a:ext cx="3636524" cy="442897"/>
           </a:xfrm>
           <a:custGeom>
             <a:avLst/>
@@ -14795,6 +14552,54 @@
               <a:gd name="connsiteY1" fmla="*/ 433043 h 525317"/>
               <a:gd name="connsiteX2" fmla="*/ 4550923 w 4550923"/>
               <a:gd name="connsiteY2" fmla="*/ 0 h 525317"/>
+              <a:gd name="connsiteX0" fmla="*/ 0 w 5345008"/>
+              <a:gd name="connsiteY0" fmla="*/ 544082 h 547387"/>
+              <a:gd name="connsiteX1" fmla="*/ 3264042 w 5345008"/>
+              <a:gd name="connsiteY1" fmla="*/ 433043 h 547387"/>
+              <a:gd name="connsiteX2" fmla="*/ 5345008 w 5345008"/>
+              <a:gd name="connsiteY2" fmla="*/ 0 h 547387"/>
+              <a:gd name="connsiteX0" fmla="*/ 0 w 5345008"/>
+              <a:gd name="connsiteY0" fmla="*/ 544082 h 576461"/>
+              <a:gd name="connsiteX1" fmla="*/ 905852 w 5345008"/>
+              <a:gd name="connsiteY1" fmla="*/ 529296 h 576461"/>
+              <a:gd name="connsiteX2" fmla="*/ 5345008 w 5345008"/>
+              <a:gd name="connsiteY2" fmla="*/ 0 h 576461"/>
+              <a:gd name="connsiteX0" fmla="*/ 0 w 1518966"/>
+              <a:gd name="connsiteY0" fmla="*/ 255324 h 287703"/>
+              <a:gd name="connsiteX1" fmla="*/ 905852 w 1518966"/>
+              <a:gd name="connsiteY1" fmla="*/ 240538 h 287703"/>
+              <a:gd name="connsiteX2" fmla="*/ 1518966 w 1518966"/>
+              <a:gd name="connsiteY2" fmla="*/ 0 h 287703"/>
+              <a:gd name="connsiteX0" fmla="*/ 0 w 3636524"/>
+              <a:gd name="connsiteY0" fmla="*/ 26796 h 161191"/>
+              <a:gd name="connsiteX1" fmla="*/ 905852 w 3636524"/>
+              <a:gd name="connsiteY1" fmla="*/ 12010 h 161191"/>
+              <a:gd name="connsiteX2" fmla="*/ 3636524 w 3636524"/>
+              <a:gd name="connsiteY2" fmla="*/ 60230 h 161191"/>
+              <a:gd name="connsiteX0" fmla="*/ 0 w 3636524"/>
+              <a:gd name="connsiteY0" fmla="*/ 0 h 452261"/>
+              <a:gd name="connsiteX1" fmla="*/ 1194610 w 3636524"/>
+              <a:gd name="connsiteY1" fmla="*/ 442414 h 452261"/>
+              <a:gd name="connsiteX2" fmla="*/ 3636524 w 3636524"/>
+              <a:gd name="connsiteY2" fmla="*/ 33434 h 452261"/>
+              <a:gd name="connsiteX0" fmla="*/ 0 w 3636524"/>
+              <a:gd name="connsiteY0" fmla="*/ 0 h 452261"/>
+              <a:gd name="connsiteX1" fmla="*/ 1194610 w 3636524"/>
+              <a:gd name="connsiteY1" fmla="*/ 442414 h 452261"/>
+              <a:gd name="connsiteX2" fmla="*/ 3636524 w 3636524"/>
+              <a:gd name="connsiteY2" fmla="*/ 33434 h 452261"/>
+              <a:gd name="connsiteX0" fmla="*/ 0 w 3636524"/>
+              <a:gd name="connsiteY0" fmla="*/ 0 h 442897"/>
+              <a:gd name="connsiteX1" fmla="*/ 1194610 w 3636524"/>
+              <a:gd name="connsiteY1" fmla="*/ 442414 h 442897"/>
+              <a:gd name="connsiteX2" fmla="*/ 3636524 w 3636524"/>
+              <a:gd name="connsiteY2" fmla="*/ 33434 h 442897"/>
+              <a:gd name="connsiteX0" fmla="*/ 0 w 3636524"/>
+              <a:gd name="connsiteY0" fmla="*/ 0 h 442897"/>
+              <a:gd name="connsiteX1" fmla="*/ 1194610 w 3636524"/>
+              <a:gd name="connsiteY1" fmla="*/ 442414 h 442897"/>
+              <a:gd name="connsiteX2" fmla="*/ 3636524 w 3636524"/>
+              <a:gd name="connsiteY2" fmla="*/ 33434 h 442897"/>
             </a:gdLst>
             <a:ahLst/>
             <a:cxnLst>
@@ -14810,19 +14615,19 @@
             </a:cxnLst>
             <a:rect l="l" t="t" r="r" b="b"/>
             <a:pathLst>
-              <a:path w="4550923" h="525317">
+              <a:path w="3636524" h="442897">
                 <a:moveTo>
-                  <a:pt x="0" y="520019"/>
+                  <a:pt x="0" y="0"/>
                 </a:moveTo>
                 <a:cubicBezTo>
-                  <a:pt x="588818" y="535605"/>
-                  <a:pt x="1711470" y="519713"/>
-                  <a:pt x="2469957" y="433043"/>
+                  <a:pt x="588818" y="328407"/>
+                  <a:pt x="436123" y="336579"/>
+                  <a:pt x="1194610" y="442414"/>
                 </a:cubicBezTo>
                 <a:cubicBezTo>
-                  <a:pt x="3228444" y="346373"/>
-                  <a:pt x="4045232" y="285749"/>
-                  <a:pt x="4550923" y="0"/>
+                  <a:pt x="1904970" y="451997"/>
+                  <a:pt x="3130833" y="319183"/>
+                  <a:pt x="3636524" y="33434"/>
                 </a:cubicBezTo>
               </a:path>
             </a:pathLst>
@@ -14856,7 +14661,7 @@
         </p:nvSpPr>
         <p:spPr>
           <a:xfrm>
-            <a:off x="4857944" y="3036040"/>
+            <a:off x="3387504" y="2186672"/>
             <a:ext cx="781672" cy="584775"/>
           </a:xfrm>
           <a:prstGeom prst="rect">
@@ -14882,9 +14687,6 @@
               </a:rPr>
               <a:t>1</a:t>
             </a:r>
-            <a:endParaRPr lang="fr-FR" sz="3200" dirty="0">
-              <a:latin typeface="Calibri" panose="020F0502020204030204" pitchFamily="34" charset="0"/>
-            </a:endParaRPr>
           </a:p>
         </p:txBody>
       </p:sp>
@@ -14896,7 +14698,7 @@
         </p:nvSpPr>
         <p:spPr>
           <a:xfrm>
-            <a:off x="5892356" y="3038504"/>
+            <a:off x="5617326" y="2186672"/>
             <a:ext cx="781672" cy="584775"/>
           </a:xfrm>
           <a:prstGeom prst="rect">
@@ -14917,7 +14719,7 @@
           <a:p>
             <a:pPr algn="ctr"/>
             <a:r>
-              <a:rPr lang="fr-FR" sz="3200" dirty="0" smtClean="0">
+              <a:rPr lang="fr-FR" sz="3200" dirty="0">
                 <a:latin typeface="Calibri" panose="020F0502020204030204" pitchFamily="34" charset="0"/>
               </a:rPr>
               <a:t>2</a:t>
@@ -14936,2586 +14738,7 @@
         </p:nvSpPr>
         <p:spPr bwMode="auto">
           <a:xfrm>
-            <a:off x="5014273" y="3592451"/>
-            <a:ext cx="304720" cy="838970"/>
-          </a:xfrm>
-          <a:custGeom>
-            <a:avLst/>
-            <a:gdLst>
-              <a:gd name="connsiteX0" fmla="*/ 842818 w 842818"/>
-              <a:gd name="connsiteY0" fmla="*/ 872837 h 872837"/>
-              <a:gd name="connsiteX1" fmla="*/ 115454 w 842818"/>
-              <a:gd name="connsiteY1" fmla="*/ 394855 h 872837"/>
-              <a:gd name="connsiteX2" fmla="*/ 11545 w 842818"/>
-              <a:gd name="connsiteY2" fmla="*/ 0 h 872837"/>
-              <a:gd name="connsiteX0" fmla="*/ 727603 w 727603"/>
-              <a:gd name="connsiteY0" fmla="*/ 838970 h 838970"/>
-              <a:gd name="connsiteX1" fmla="*/ 239 w 727603"/>
-              <a:gd name="connsiteY1" fmla="*/ 360988 h 838970"/>
-              <a:gd name="connsiteX2" fmla="*/ 641397 w 727603"/>
-              <a:gd name="connsiteY2" fmla="*/ 0 h 838970"/>
-              <a:gd name="connsiteX0" fmla="*/ 304720 w 304720"/>
-              <a:gd name="connsiteY0" fmla="*/ 838970 h 838970"/>
-              <a:gd name="connsiteX1" fmla="*/ 690 w 304720"/>
-              <a:gd name="connsiteY1" fmla="*/ 428721 h 838970"/>
-              <a:gd name="connsiteX2" fmla="*/ 218514 w 304720"/>
-              <a:gd name="connsiteY2" fmla="*/ 0 h 838970"/>
-            </a:gdLst>
-            <a:ahLst/>
-            <a:cxnLst>
-              <a:cxn ang="0">
-                <a:pos x="connsiteX0" y="connsiteY0"/>
-              </a:cxn>
-              <a:cxn ang="0">
-                <a:pos x="connsiteX1" y="connsiteY1"/>
-              </a:cxn>
-              <a:cxn ang="0">
-                <a:pos x="connsiteX2" y="connsiteY2"/>
-              </a:cxn>
-            </a:cxnLst>
-            <a:rect l="l" t="t" r="r" b="b"/>
-            <a:pathLst>
-              <a:path w="304720" h="838970">
-                <a:moveTo>
-                  <a:pt x="304720" y="838970"/>
-                </a:moveTo>
-                <a:cubicBezTo>
-                  <a:pt x="10310" y="672715"/>
-                  <a:pt x="15058" y="568549"/>
-                  <a:pt x="690" y="428721"/>
-                </a:cubicBezTo>
-                <a:cubicBezTo>
-                  <a:pt x="-13678" y="288893"/>
-                  <a:pt x="201195" y="124691"/>
-                  <a:pt x="218514" y="0"/>
-                </a:cubicBezTo>
-              </a:path>
-            </a:pathLst>
-          </a:custGeom>
-          <a:noFill/>
-          <a:ln w="38100" cap="flat" cmpd="sng" algn="ctr">
-            <a:solidFill>
-              <a:schemeClr val="tx1"/>
-            </a:solidFill>
-            <a:prstDash val="solid"/>
-            <a:round/>
-            <a:headEnd type="none" w="med" len="med"/>
-            <a:tailEnd type="triangle" w="lg" len="lg"/>
-          </a:ln>
-          <a:effectLst/>
-        </p:spPr>
-        <p:txBody>
-          <a:bodyPr rtlCol="0" anchor="ctr"/>
-          <a:lstStyle/>
-          <a:p>
-            <a:pPr algn="ctr"/>
-            <a:endParaRPr lang="fr-FR"/>
-          </a:p>
-        </p:txBody>
-      </p:sp>
-      <p:sp>
-        <p:nvSpPr>
-          <p:cNvPr id="20" name="Forme libre 19"/>
-          <p:cNvSpPr/>
-          <p:nvPr/>
-        </p:nvSpPr>
-        <p:spPr bwMode="auto">
-          <a:xfrm>
-            <a:off x="5486200" y="3648905"/>
-            <a:ext cx="780276" cy="805433"/>
-          </a:xfrm>
-          <a:custGeom>
-            <a:avLst/>
-            <a:gdLst>
-              <a:gd name="connsiteX0" fmla="*/ 1788 w 292734"/>
-              <a:gd name="connsiteY0" fmla="*/ 893618 h 893618"/>
-              <a:gd name="connsiteX1" fmla="*/ 43352 w 292734"/>
-              <a:gd name="connsiteY1" fmla="*/ 394855 h 893618"/>
-              <a:gd name="connsiteX2" fmla="*/ 292734 w 292734"/>
-              <a:gd name="connsiteY2" fmla="*/ 0 h 893618"/>
-              <a:gd name="connsiteX0" fmla="*/ 32978 w 848857"/>
-              <a:gd name="connsiteY0" fmla="*/ 876685 h 876685"/>
-              <a:gd name="connsiteX1" fmla="*/ 74542 w 848857"/>
-              <a:gd name="connsiteY1" fmla="*/ 377922 h 876685"/>
-              <a:gd name="connsiteX2" fmla="*/ 848857 w 848857"/>
-              <a:gd name="connsiteY2" fmla="*/ 0 h 876685"/>
-              <a:gd name="connsiteX0" fmla="*/ 23 w 815902"/>
-              <a:gd name="connsiteY0" fmla="*/ 876685 h 876685"/>
-              <a:gd name="connsiteX1" fmla="*/ 532654 w 815902"/>
-              <a:gd name="connsiteY1" fmla="*/ 310188 h 876685"/>
-              <a:gd name="connsiteX2" fmla="*/ 815902 w 815902"/>
-              <a:gd name="connsiteY2" fmla="*/ 0 h 876685"/>
-              <a:gd name="connsiteX0" fmla="*/ 23 w 780276"/>
-              <a:gd name="connsiteY0" fmla="*/ 805433 h 805433"/>
-              <a:gd name="connsiteX1" fmla="*/ 532654 w 780276"/>
-              <a:gd name="connsiteY1" fmla="*/ 238936 h 805433"/>
-              <a:gd name="connsiteX2" fmla="*/ 780276 w 780276"/>
-              <a:gd name="connsiteY2" fmla="*/ 0 h 805433"/>
-            </a:gdLst>
-            <a:ahLst/>
-            <a:cxnLst>
-              <a:cxn ang="0">
-                <a:pos x="connsiteX0" y="connsiteY0"/>
-              </a:cxn>
-              <a:cxn ang="0">
-                <a:pos x="connsiteX1" y="connsiteY1"/>
-              </a:cxn>
-              <a:cxn ang="0">
-                <a:pos x="connsiteX2" y="connsiteY2"/>
-              </a:cxn>
-            </a:cxnLst>
-            <a:rect l="l" t="t" r="r" b="b"/>
-            <a:pathLst>
-              <a:path w="780276" h="805433">
-                <a:moveTo>
-                  <a:pt x="23" y="805433"/>
-                </a:moveTo>
-                <a:cubicBezTo>
-                  <a:pt x="-3441" y="630519"/>
-                  <a:pt x="402612" y="373175"/>
-                  <a:pt x="532654" y="238936"/>
-                </a:cubicBezTo>
-                <a:cubicBezTo>
-                  <a:pt x="662696" y="104697"/>
-                  <a:pt x="679830" y="122959"/>
-                  <a:pt x="780276" y="0"/>
-                </a:cubicBezTo>
-              </a:path>
-            </a:pathLst>
-          </a:custGeom>
-          <a:noFill/>
-          <a:ln w="38100" cap="flat" cmpd="sng" algn="ctr">
-            <a:solidFill>
-              <a:schemeClr val="tx1"/>
-            </a:solidFill>
-            <a:prstDash val="solid"/>
-            <a:round/>
-            <a:headEnd type="none" w="med" len="med"/>
-            <a:tailEnd type="triangle" w="lg" len="lg"/>
-          </a:ln>
-          <a:effectLst/>
-        </p:spPr>
-        <p:txBody>
-          <a:bodyPr rtlCol="0" anchor="ctr"/>
-          <a:lstStyle/>
-          <a:p>
-            <a:pPr algn="ctr"/>
-            <a:endParaRPr lang="fr-FR"/>
-          </a:p>
-        </p:txBody>
-      </p:sp>
-      <p:sp>
-        <p:nvSpPr>
-          <p:cNvPr id="21" name="Forme libre 20"/>
-          <p:cNvSpPr/>
-          <p:nvPr/>
-        </p:nvSpPr>
-        <p:spPr bwMode="auto">
-          <a:xfrm>
-            <a:off x="5155766" y="4747299"/>
-            <a:ext cx="318477" cy="875914"/>
-          </a:xfrm>
-          <a:custGeom>
-            <a:avLst/>
-            <a:gdLst>
-              <a:gd name="connsiteX0" fmla="*/ 498764 w 498764"/>
-              <a:gd name="connsiteY0" fmla="*/ 0 h 706581"/>
-              <a:gd name="connsiteX1" fmla="*/ 83128 w 498764"/>
-              <a:gd name="connsiteY1" fmla="*/ 290945 h 706581"/>
-              <a:gd name="connsiteX2" fmla="*/ 0 w 498764"/>
-              <a:gd name="connsiteY2" fmla="*/ 706581 h 706581"/>
-              <a:gd name="connsiteX0" fmla="*/ 418231 w 613734"/>
-              <a:gd name="connsiteY0" fmla="*/ 0 h 875914"/>
-              <a:gd name="connsiteX1" fmla="*/ 2595 w 613734"/>
-              <a:gd name="connsiteY1" fmla="*/ 290945 h 875914"/>
-              <a:gd name="connsiteX2" fmla="*/ 613734 w 613734"/>
-              <a:gd name="connsiteY2" fmla="*/ 875914 h 875914"/>
-              <a:gd name="connsiteX0" fmla="*/ 122974 w 318477"/>
-              <a:gd name="connsiteY0" fmla="*/ 0 h 875914"/>
-              <a:gd name="connsiteX1" fmla="*/ 29071 w 318477"/>
-              <a:gd name="connsiteY1" fmla="*/ 426412 h 875914"/>
-              <a:gd name="connsiteX2" fmla="*/ 318477 w 318477"/>
-              <a:gd name="connsiteY2" fmla="*/ 875914 h 875914"/>
-            </a:gdLst>
-            <a:ahLst/>
-            <a:cxnLst>
-              <a:cxn ang="0">
-                <a:pos x="connsiteX0" y="connsiteY0"/>
-              </a:cxn>
-              <a:cxn ang="0">
-                <a:pos x="connsiteX1" y="connsiteY1"/>
-              </a:cxn>
-              <a:cxn ang="0">
-                <a:pos x="connsiteX2" y="connsiteY2"/>
-              </a:cxn>
-            </a:cxnLst>
-            <a:rect l="l" t="t" r="r" b="b"/>
-            <a:pathLst>
-              <a:path w="318477" h="875914">
-                <a:moveTo>
-                  <a:pt x="122974" y="0"/>
-                </a:moveTo>
-                <a:cubicBezTo>
-                  <a:pt x="-43281" y="86591"/>
-                  <a:pt x="-3513" y="280426"/>
-                  <a:pt x="29071" y="426412"/>
-                </a:cubicBezTo>
-                <a:cubicBezTo>
-                  <a:pt x="61655" y="572398"/>
-                  <a:pt x="318477" y="726977"/>
-                  <a:pt x="318477" y="875914"/>
-                </a:cubicBezTo>
-              </a:path>
-            </a:pathLst>
-          </a:custGeom>
-          <a:noFill/>
-          <a:ln w="38100" cap="flat" cmpd="sng" algn="ctr">
-            <a:solidFill>
-              <a:schemeClr val="tx1"/>
-            </a:solidFill>
-            <a:prstDash val="solid"/>
-            <a:round/>
-            <a:headEnd type="none" w="med" len="med"/>
-            <a:tailEnd type="triangle" w="lg" len="lg"/>
-          </a:ln>
-          <a:effectLst/>
-        </p:spPr>
-        <p:txBody>
-          <a:bodyPr rtlCol="0" anchor="ctr"/>
-          <a:lstStyle/>
-          <a:p>
-            <a:pPr algn="ctr"/>
-            <a:endParaRPr lang="fr-FR"/>
-          </a:p>
-        </p:txBody>
-      </p:sp>
-      <p:sp>
-        <p:nvSpPr>
-          <p:cNvPr id="19" name="ZoneTexte 18"/>
-          <p:cNvSpPr txBox="1"/>
-          <p:nvPr/>
-        </p:nvSpPr>
-        <p:spPr>
-          <a:xfrm>
-            <a:off x="6674028" y="4276151"/>
-            <a:ext cx="1089358" cy="584775"/>
-          </a:xfrm>
-          <a:prstGeom prst="rect">
-            <a:avLst/>
-          </a:prstGeom>
-          <a:noFill/>
-          <a:ln w="38100">
-            <a:solidFill>
-              <a:schemeClr val="tx1"/>
-            </a:solidFill>
-          </a:ln>
-        </p:spPr>
-        <p:txBody>
-          <a:bodyPr wrap="square" rtlCol="0">
-            <a:spAutoFit/>
-          </a:bodyPr>
-          <a:lstStyle/>
-          <a:p>
-            <a:pPr algn="ctr"/>
-            <a:r>
-              <a:rPr lang="fr-FR" sz="3200" dirty="0" smtClean="0">
-                <a:latin typeface="Calibri" panose="020F0502020204030204" pitchFamily="34" charset="0"/>
-              </a:rPr>
-              <a:t>[ , ]</a:t>
-            </a:r>
-            <a:endParaRPr lang="fr-FR" sz="3200" dirty="0">
-              <a:latin typeface="Calibri" panose="020F0502020204030204" pitchFamily="34" charset="0"/>
-            </a:endParaRPr>
-          </a:p>
-        </p:txBody>
-      </p:sp>
-      <p:sp>
-        <p:nvSpPr>
-          <p:cNvPr id="3" name="Forme libre 2"/>
-          <p:cNvSpPr/>
-          <p:nvPr/>
-        </p:nvSpPr>
-        <p:spPr bwMode="auto">
-          <a:xfrm>
-            <a:off x="5387520" y="3621974"/>
-            <a:ext cx="1737675" cy="855023"/>
-          </a:xfrm>
-          <a:custGeom>
-            <a:avLst/>
-            <a:gdLst>
-              <a:gd name="connsiteX0" fmla="*/ 1878520 w 1878520"/>
-              <a:gd name="connsiteY0" fmla="*/ 855023 h 855023"/>
-              <a:gd name="connsiteX1" fmla="*/ 168473 w 1878520"/>
-              <a:gd name="connsiteY1" fmla="*/ 475013 h 855023"/>
-              <a:gd name="connsiteX2" fmla="*/ 156598 w 1878520"/>
-              <a:gd name="connsiteY2" fmla="*/ 0 h 855023"/>
-              <a:gd name="connsiteX0" fmla="*/ 1737473 w 1737473"/>
-              <a:gd name="connsiteY0" fmla="*/ 855023 h 855023"/>
-              <a:gd name="connsiteX1" fmla="*/ 977452 w 1737473"/>
-              <a:gd name="connsiteY1" fmla="*/ 368135 h 855023"/>
-              <a:gd name="connsiteX2" fmla="*/ 15551 w 1737473"/>
-              <a:gd name="connsiteY2" fmla="*/ 0 h 855023"/>
-              <a:gd name="connsiteX0" fmla="*/ 1737473 w 1737473"/>
-              <a:gd name="connsiteY0" fmla="*/ 855023 h 855023"/>
-              <a:gd name="connsiteX1" fmla="*/ 977452 w 1737473"/>
-              <a:gd name="connsiteY1" fmla="*/ 368135 h 855023"/>
-              <a:gd name="connsiteX2" fmla="*/ 15551 w 1737473"/>
-              <a:gd name="connsiteY2" fmla="*/ 0 h 855023"/>
-              <a:gd name="connsiteX0" fmla="*/ 1737473 w 1737473"/>
-              <a:gd name="connsiteY0" fmla="*/ 855023 h 855023"/>
-              <a:gd name="connsiteX1" fmla="*/ 977452 w 1737473"/>
-              <a:gd name="connsiteY1" fmla="*/ 368135 h 855023"/>
-              <a:gd name="connsiteX2" fmla="*/ 15551 w 1737473"/>
-              <a:gd name="connsiteY2" fmla="*/ 0 h 855023"/>
-              <a:gd name="connsiteX0" fmla="*/ 1737675 w 1737675"/>
-              <a:gd name="connsiteY0" fmla="*/ 855023 h 855023"/>
-              <a:gd name="connsiteX1" fmla="*/ 965779 w 1737675"/>
-              <a:gd name="connsiteY1" fmla="*/ 403761 h 855023"/>
-              <a:gd name="connsiteX2" fmla="*/ 15753 w 1737675"/>
-              <a:gd name="connsiteY2" fmla="*/ 0 h 855023"/>
-            </a:gdLst>
-            <a:ahLst/>
-            <a:cxnLst>
-              <a:cxn ang="0">
-                <a:pos x="connsiteX0" y="connsiteY0"/>
-              </a:cxn>
-              <a:cxn ang="0">
-                <a:pos x="connsiteX1" y="connsiteY1"/>
-              </a:cxn>
-              <a:cxn ang="0">
-                <a:pos x="connsiteX2" y="connsiteY2"/>
-              </a:cxn>
-            </a:cxnLst>
-            <a:rect l="l" t="t" r="r" b="b"/>
-            <a:pathLst>
-              <a:path w="1737675" h="855023">
-                <a:moveTo>
-                  <a:pt x="1737675" y="855023"/>
-                </a:moveTo>
-                <a:cubicBezTo>
-                  <a:pt x="1192399" y="510639"/>
-                  <a:pt x="1252766" y="546265"/>
-                  <a:pt x="965779" y="403761"/>
-                </a:cubicBezTo>
-                <a:cubicBezTo>
-                  <a:pt x="678792" y="261257"/>
-                  <a:pt x="-121803" y="166254"/>
-                  <a:pt x="15753" y="0"/>
-                </a:cubicBezTo>
-              </a:path>
-            </a:pathLst>
-          </a:custGeom>
-          <a:noFill/>
-          <a:ln w="38100" cap="flat" cmpd="sng" algn="ctr">
-            <a:solidFill>
-              <a:schemeClr val="tx1"/>
-            </a:solidFill>
-            <a:prstDash val="solid"/>
-            <a:round/>
-            <a:headEnd type="none" w="med" len="med"/>
-            <a:tailEnd type="triangle" w="lg" len="lg"/>
-          </a:ln>
-          <a:effectLst/>
-        </p:spPr>
-        <p:txBody>
-          <a:bodyPr rtlCol="0" anchor="ctr"/>
-          <a:lstStyle/>
-          <a:p>
-            <a:pPr algn="ctr"/>
-            <a:endParaRPr lang="fr-FR"/>
-          </a:p>
-        </p:txBody>
-      </p:sp>
-      <p:sp>
-        <p:nvSpPr>
-          <p:cNvPr id="22" name="Forme libre 21"/>
-          <p:cNvSpPr/>
-          <p:nvPr/>
-        </p:nvSpPr>
-        <p:spPr bwMode="auto">
-          <a:xfrm>
-            <a:off x="6365174" y="3621974"/>
-            <a:ext cx="902525" cy="843148"/>
-          </a:xfrm>
-          <a:custGeom>
-            <a:avLst/>
-            <a:gdLst>
-              <a:gd name="connsiteX0" fmla="*/ 902525 w 902525"/>
-              <a:gd name="connsiteY0" fmla="*/ 843148 h 843148"/>
-              <a:gd name="connsiteX1" fmla="*/ 178130 w 902525"/>
-              <a:gd name="connsiteY1" fmla="*/ 391886 h 843148"/>
-              <a:gd name="connsiteX2" fmla="*/ 0 w 902525"/>
-              <a:gd name="connsiteY2" fmla="*/ 0 h 843148"/>
-              <a:gd name="connsiteX0" fmla="*/ 902525 w 902525"/>
-              <a:gd name="connsiteY0" fmla="*/ 843148 h 843148"/>
-              <a:gd name="connsiteX1" fmla="*/ 558141 w 902525"/>
-              <a:gd name="connsiteY1" fmla="*/ 403761 h 843148"/>
-              <a:gd name="connsiteX2" fmla="*/ 0 w 902525"/>
-              <a:gd name="connsiteY2" fmla="*/ 0 h 843148"/>
-              <a:gd name="connsiteX0" fmla="*/ 902525 w 902525"/>
-              <a:gd name="connsiteY0" fmla="*/ 843148 h 843148"/>
-              <a:gd name="connsiteX1" fmla="*/ 558141 w 902525"/>
-              <a:gd name="connsiteY1" fmla="*/ 403761 h 843148"/>
-              <a:gd name="connsiteX2" fmla="*/ 0 w 902525"/>
-              <a:gd name="connsiteY2" fmla="*/ 0 h 843148"/>
-            </a:gdLst>
-            <a:ahLst/>
-            <a:cxnLst>
-              <a:cxn ang="0">
-                <a:pos x="connsiteX0" y="connsiteY0"/>
-              </a:cxn>
-              <a:cxn ang="0">
-                <a:pos x="connsiteX1" y="connsiteY1"/>
-              </a:cxn>
-              <a:cxn ang="0">
-                <a:pos x="connsiteX2" y="connsiteY2"/>
-              </a:cxn>
-            </a:cxnLst>
-            <a:rect l="l" t="t" r="r" b="b"/>
-            <a:pathLst>
-              <a:path w="902525" h="843148">
-                <a:moveTo>
-                  <a:pt x="902525" y="843148"/>
-                </a:moveTo>
-                <a:cubicBezTo>
-                  <a:pt x="746167" y="580901"/>
-                  <a:pt x="708562" y="544286"/>
-                  <a:pt x="558141" y="403761"/>
-                </a:cubicBezTo>
-                <a:cubicBezTo>
-                  <a:pt x="407720" y="263236"/>
-                  <a:pt x="13854" y="125680"/>
-                  <a:pt x="0" y="0"/>
-                </a:cubicBezTo>
-              </a:path>
-            </a:pathLst>
-          </a:custGeom>
-          <a:noFill/>
-          <a:ln w="38100" cap="flat" cmpd="sng" algn="ctr">
-            <a:solidFill>
-              <a:schemeClr val="tx1"/>
-            </a:solidFill>
-            <a:prstDash val="solid"/>
-            <a:round/>
-            <a:headEnd type="none" w="med" len="med"/>
-            <a:tailEnd type="triangle" w="lg" len="lg"/>
-          </a:ln>
-          <a:effectLst/>
-        </p:spPr>
-        <p:txBody>
-          <a:bodyPr rtlCol="0" anchor="ctr"/>
-          <a:lstStyle/>
-          <a:p>
-            <a:pPr algn="ctr"/>
-            <a:endParaRPr lang="fr-FR"/>
-          </a:p>
-        </p:txBody>
-      </p:sp>
-    </p:spTree>
-    <p:extLst>
-      <p:ext uri="{BB962C8B-B14F-4D97-AF65-F5344CB8AC3E}">
-        <p14:creationId xmlns:p14="http://schemas.microsoft.com/office/powerpoint/2010/main" val="4083085747"/>
-      </p:ext>
-    </p:extLst>
-  </p:cSld>
-  <p:clrMapOvr>
-    <a:masterClrMapping/>
-  </p:clrMapOvr>
-  <p:timing>
-    <p:tnLst>
-      <p:par>
-        <p:cTn id="1" dur="indefinite" restart="never" nodeType="tmRoot">
-          <p:childTnLst>
-            <p:seq concurrent="1" nextAc="seek">
-              <p:cTn id="2" dur="indefinite" nodeType="mainSeq">
-                <p:childTnLst>
-                  <p:par>
-                    <p:cTn id="3" fill="hold">
-                      <p:stCondLst>
-                        <p:cond delay="indefinite"/>
-                        <p:cond evt="onBegin" delay="0">
-                          <p:tn val="2"/>
-                        </p:cond>
-                      </p:stCondLst>
-                      <p:childTnLst>
-                        <p:par>
-                          <p:cTn id="4" fill="hold">
-                            <p:stCondLst>
-                              <p:cond delay="0"/>
-                            </p:stCondLst>
-                            <p:childTnLst>
-                              <p:par>
-                                <p:cTn id="5" presetID="10" presetClass="entr" presetSubtype="0" fill="hold" grpId="0" nodeType="withEffect">
-                                  <p:stCondLst>
-                                    <p:cond delay="0"/>
-                                  </p:stCondLst>
-                                  <p:childTnLst>
-                                    <p:set>
-                                      <p:cBhvr>
-                                        <p:cTn id="6" dur="1" fill="hold">
-                                          <p:stCondLst>
-                                            <p:cond delay="0"/>
-                                          </p:stCondLst>
-                                        </p:cTn>
-                                        <p:tgtEl>
-                                          <p:spTgt spid="2"/>
-                                        </p:tgtEl>
-                                        <p:attrNameLst>
-                                          <p:attrName>style.visibility</p:attrName>
-                                        </p:attrNameLst>
-                                      </p:cBhvr>
-                                      <p:to>
-                                        <p:strVal val="visible"/>
-                                      </p:to>
-                                    </p:set>
-                                    <p:animEffect transition="in" filter="fade">
-                                      <p:cBhvr>
-                                        <p:cTn id="7" dur="500"/>
-                                        <p:tgtEl>
-                                          <p:spTgt spid="2"/>
-                                        </p:tgtEl>
-                                      </p:cBhvr>
-                                    </p:animEffect>
-                                  </p:childTnLst>
-                                </p:cTn>
-                              </p:par>
-                            </p:childTnLst>
-                          </p:cTn>
-                        </p:par>
-                      </p:childTnLst>
-                    </p:cTn>
-                  </p:par>
-                  <p:par>
-                    <p:cTn id="8" fill="hold">
-                      <p:stCondLst>
-                        <p:cond delay="indefinite"/>
-                      </p:stCondLst>
-                      <p:childTnLst>
-                        <p:par>
-                          <p:cTn id="9" fill="hold">
-                            <p:stCondLst>
-                              <p:cond delay="0"/>
-                            </p:stCondLst>
-                            <p:childTnLst>
-                              <p:par>
-                                <p:cTn id="10" presetID="10" presetClass="entr" presetSubtype="0" fill="hold" grpId="0" nodeType="clickEffect">
-                                  <p:stCondLst>
-                                    <p:cond delay="0"/>
-                                  </p:stCondLst>
-                                  <p:childTnLst>
-                                    <p:set>
-                                      <p:cBhvr>
-                                        <p:cTn id="11" dur="1" fill="hold">
-                                          <p:stCondLst>
-                                            <p:cond delay="0"/>
-                                          </p:stCondLst>
-                                        </p:cTn>
-                                        <p:tgtEl>
-                                          <p:spTgt spid="6"/>
-                                        </p:tgtEl>
-                                        <p:attrNameLst>
-                                          <p:attrName>style.visibility</p:attrName>
-                                        </p:attrNameLst>
-                                      </p:cBhvr>
-                                      <p:to>
-                                        <p:strVal val="visible"/>
-                                      </p:to>
-                                    </p:set>
-                                    <p:animEffect transition="in" filter="fade">
-                                      <p:cBhvr>
-                                        <p:cTn id="12" dur="500"/>
-                                        <p:tgtEl>
-                                          <p:spTgt spid="6"/>
-                                        </p:tgtEl>
-                                      </p:cBhvr>
-                                    </p:animEffect>
-                                  </p:childTnLst>
-                                </p:cTn>
-                              </p:par>
-                              <p:par>
-                                <p:cTn id="13" presetID="10" presetClass="entr" presetSubtype="0" fill="hold" grpId="0" nodeType="withEffect">
-                                  <p:stCondLst>
-                                    <p:cond delay="0"/>
-                                  </p:stCondLst>
-                                  <p:childTnLst>
-                                    <p:set>
-                                      <p:cBhvr>
-                                        <p:cTn id="14" dur="1" fill="hold">
-                                          <p:stCondLst>
-                                            <p:cond delay="0"/>
-                                          </p:stCondLst>
-                                        </p:cTn>
-                                        <p:tgtEl>
-                                          <p:spTgt spid="4"/>
-                                        </p:tgtEl>
-                                        <p:attrNameLst>
-                                          <p:attrName>style.visibility</p:attrName>
-                                        </p:attrNameLst>
-                                      </p:cBhvr>
-                                      <p:to>
-                                        <p:strVal val="visible"/>
-                                      </p:to>
-                                    </p:set>
-                                    <p:animEffect transition="in" filter="fade">
-                                      <p:cBhvr>
-                                        <p:cTn id="15" dur="500"/>
-                                        <p:tgtEl>
-                                          <p:spTgt spid="4"/>
-                                        </p:tgtEl>
-                                      </p:cBhvr>
-                                    </p:animEffect>
-                                  </p:childTnLst>
-                                </p:cTn>
-                              </p:par>
-                              <p:par>
-                                <p:cTn id="16" presetID="10" presetClass="entr" presetSubtype="0" fill="hold" grpId="0" nodeType="withEffect">
-                                  <p:stCondLst>
-                                    <p:cond delay="0"/>
-                                  </p:stCondLst>
-                                  <p:childTnLst>
-                                    <p:set>
-                                      <p:cBhvr>
-                                        <p:cTn id="17" dur="1" fill="hold">
-                                          <p:stCondLst>
-                                            <p:cond delay="0"/>
-                                          </p:stCondLst>
-                                        </p:cTn>
-                                        <p:tgtEl>
-                                          <p:spTgt spid="7"/>
-                                        </p:tgtEl>
-                                        <p:attrNameLst>
-                                          <p:attrName>style.visibility</p:attrName>
-                                        </p:attrNameLst>
-                                      </p:cBhvr>
-                                      <p:to>
-                                        <p:strVal val="visible"/>
-                                      </p:to>
-                                    </p:set>
-                                    <p:animEffect transition="in" filter="fade">
-                                      <p:cBhvr>
-                                        <p:cTn id="18" dur="500"/>
-                                        <p:tgtEl>
-                                          <p:spTgt spid="7"/>
-                                        </p:tgtEl>
-                                      </p:cBhvr>
-                                    </p:animEffect>
-                                  </p:childTnLst>
-                                </p:cTn>
-                              </p:par>
-                              <p:par>
-                                <p:cTn id="19" presetID="10" presetClass="entr" presetSubtype="0" fill="hold" grpId="0" nodeType="withEffect">
-                                  <p:stCondLst>
-                                    <p:cond delay="0"/>
-                                  </p:stCondLst>
-                                  <p:childTnLst>
-                                    <p:set>
-                                      <p:cBhvr>
-                                        <p:cTn id="20" dur="1" fill="hold">
-                                          <p:stCondLst>
-                                            <p:cond delay="0"/>
-                                          </p:stCondLst>
-                                        </p:cTn>
-                                        <p:tgtEl>
-                                          <p:spTgt spid="5"/>
-                                        </p:tgtEl>
-                                        <p:attrNameLst>
-                                          <p:attrName>style.visibility</p:attrName>
-                                        </p:attrNameLst>
-                                      </p:cBhvr>
-                                      <p:to>
-                                        <p:strVal val="visible"/>
-                                      </p:to>
-                                    </p:set>
-                                    <p:animEffect transition="in" filter="fade">
-                                      <p:cBhvr>
-                                        <p:cTn id="21" dur="500"/>
-                                        <p:tgtEl>
-                                          <p:spTgt spid="5"/>
-                                        </p:tgtEl>
-                                      </p:cBhvr>
-                                    </p:animEffect>
-                                  </p:childTnLst>
-                                </p:cTn>
-                              </p:par>
-                            </p:childTnLst>
-                          </p:cTn>
-                        </p:par>
-                      </p:childTnLst>
-                    </p:cTn>
-                  </p:par>
-                  <p:par>
-                    <p:cTn id="22" fill="hold">
-                      <p:stCondLst>
-                        <p:cond delay="indefinite"/>
-                      </p:stCondLst>
-                      <p:childTnLst>
-                        <p:par>
-                          <p:cTn id="23" fill="hold">
-                            <p:stCondLst>
-                              <p:cond delay="0"/>
-                            </p:stCondLst>
-                            <p:childTnLst>
-                              <p:par>
-                                <p:cTn id="24" presetID="10" presetClass="entr" presetSubtype="0" fill="hold" grpId="0" nodeType="clickEffect">
-                                  <p:stCondLst>
-                                    <p:cond delay="0"/>
-                                  </p:stCondLst>
-                                  <p:childTnLst>
-                                    <p:set>
-                                      <p:cBhvr>
-                                        <p:cTn id="25" dur="1" fill="hold">
-                                          <p:stCondLst>
-                                            <p:cond delay="0"/>
-                                          </p:stCondLst>
-                                        </p:cTn>
-                                        <p:tgtEl>
-                                          <p:spTgt spid="8"/>
-                                        </p:tgtEl>
-                                        <p:attrNameLst>
-                                          <p:attrName>style.visibility</p:attrName>
-                                        </p:attrNameLst>
-                                      </p:cBhvr>
-                                      <p:to>
-                                        <p:strVal val="visible"/>
-                                      </p:to>
-                                    </p:set>
-                                    <p:animEffect transition="in" filter="fade">
-                                      <p:cBhvr>
-                                        <p:cTn id="26" dur="500"/>
-                                        <p:tgtEl>
-                                          <p:spTgt spid="8"/>
-                                        </p:tgtEl>
-                                      </p:cBhvr>
-                                    </p:animEffect>
-                                  </p:childTnLst>
-                                </p:cTn>
-                              </p:par>
-                            </p:childTnLst>
-                          </p:cTn>
-                        </p:par>
-                      </p:childTnLst>
-                    </p:cTn>
-                  </p:par>
-                  <p:par>
-                    <p:cTn id="27" fill="hold">
-                      <p:stCondLst>
-                        <p:cond delay="indefinite"/>
-                      </p:stCondLst>
-                      <p:childTnLst>
-                        <p:par>
-                          <p:cTn id="28" fill="hold">
-                            <p:stCondLst>
-                              <p:cond delay="0"/>
-                            </p:stCondLst>
-                            <p:childTnLst>
-                              <p:par>
-                                <p:cTn id="29" presetID="10" presetClass="entr" presetSubtype="0" fill="hold" grpId="0" nodeType="clickEffect">
-                                  <p:stCondLst>
-                                    <p:cond delay="0"/>
-                                  </p:stCondLst>
-                                  <p:childTnLst>
-                                    <p:set>
-                                      <p:cBhvr>
-                                        <p:cTn id="30" dur="1" fill="hold">
-                                          <p:stCondLst>
-                                            <p:cond delay="0"/>
-                                          </p:stCondLst>
-                                        </p:cTn>
-                                        <p:tgtEl>
-                                          <p:spTgt spid="17"/>
-                                        </p:tgtEl>
-                                        <p:attrNameLst>
-                                          <p:attrName>style.visibility</p:attrName>
-                                        </p:attrNameLst>
-                                      </p:cBhvr>
-                                      <p:to>
-                                        <p:strVal val="visible"/>
-                                      </p:to>
-                                    </p:set>
-                                    <p:animEffect transition="in" filter="fade">
-                                      <p:cBhvr>
-                                        <p:cTn id="31" dur="500"/>
-                                        <p:tgtEl>
-                                          <p:spTgt spid="17"/>
-                                        </p:tgtEl>
-                                      </p:cBhvr>
-                                    </p:animEffect>
-                                  </p:childTnLst>
-                                </p:cTn>
-                              </p:par>
-                            </p:childTnLst>
-                          </p:cTn>
-                        </p:par>
-                      </p:childTnLst>
-                    </p:cTn>
-                  </p:par>
-                  <p:par>
-                    <p:cTn id="32" fill="hold">
-                      <p:stCondLst>
-                        <p:cond delay="indefinite"/>
-                      </p:stCondLst>
-                      <p:childTnLst>
-                        <p:par>
-                          <p:cTn id="33" fill="hold">
-                            <p:stCondLst>
-                              <p:cond delay="0"/>
-                            </p:stCondLst>
-                            <p:childTnLst>
-                              <p:par>
-                                <p:cTn id="34" presetID="10" presetClass="entr" presetSubtype="0" fill="hold" grpId="0" nodeType="clickEffect">
-                                  <p:stCondLst>
-                                    <p:cond delay="0"/>
-                                  </p:stCondLst>
-                                  <p:childTnLst>
-                                    <p:set>
-                                      <p:cBhvr>
-                                        <p:cTn id="35" dur="1" fill="hold">
-                                          <p:stCondLst>
-                                            <p:cond delay="0"/>
-                                          </p:stCondLst>
-                                        </p:cTn>
-                                        <p:tgtEl>
-                                          <p:spTgt spid="10"/>
-                                        </p:tgtEl>
-                                        <p:attrNameLst>
-                                          <p:attrName>style.visibility</p:attrName>
-                                        </p:attrNameLst>
-                                      </p:cBhvr>
-                                      <p:to>
-                                        <p:strVal val="visible"/>
-                                      </p:to>
-                                    </p:set>
-                                    <p:animEffect transition="in" filter="fade">
-                                      <p:cBhvr>
-                                        <p:cTn id="36" dur="500"/>
-                                        <p:tgtEl>
-                                          <p:spTgt spid="10"/>
-                                        </p:tgtEl>
-                                      </p:cBhvr>
-                                    </p:animEffect>
-                                  </p:childTnLst>
-                                </p:cTn>
-                              </p:par>
-                            </p:childTnLst>
-                          </p:cTn>
-                        </p:par>
-                      </p:childTnLst>
-                    </p:cTn>
-                  </p:par>
-                  <p:par>
-                    <p:cTn id="37" fill="hold">
-                      <p:stCondLst>
-                        <p:cond delay="indefinite"/>
-                      </p:stCondLst>
-                      <p:childTnLst>
-                        <p:par>
-                          <p:cTn id="38" fill="hold">
-                            <p:stCondLst>
-                              <p:cond delay="0"/>
-                            </p:stCondLst>
-                            <p:childTnLst>
-                              <p:par>
-                                <p:cTn id="39" presetID="10" presetClass="entr" presetSubtype="0" fill="hold" grpId="0" nodeType="clickEffect">
-                                  <p:stCondLst>
-                                    <p:cond delay="0"/>
-                                  </p:stCondLst>
-                                  <p:childTnLst>
-                                    <p:set>
-                                      <p:cBhvr>
-                                        <p:cTn id="40" dur="1" fill="hold">
-                                          <p:stCondLst>
-                                            <p:cond delay="0"/>
-                                          </p:stCondLst>
-                                        </p:cTn>
-                                        <p:tgtEl>
-                                          <p:spTgt spid="18"/>
-                                        </p:tgtEl>
-                                        <p:attrNameLst>
-                                          <p:attrName>style.visibility</p:attrName>
-                                        </p:attrNameLst>
-                                      </p:cBhvr>
-                                      <p:to>
-                                        <p:strVal val="visible"/>
-                                      </p:to>
-                                    </p:set>
-                                    <p:animEffect transition="in" filter="fade">
-                                      <p:cBhvr>
-                                        <p:cTn id="41" dur="500"/>
-                                        <p:tgtEl>
-                                          <p:spTgt spid="18"/>
-                                        </p:tgtEl>
-                                      </p:cBhvr>
-                                    </p:animEffect>
-                                  </p:childTnLst>
-                                </p:cTn>
-                              </p:par>
-                            </p:childTnLst>
-                          </p:cTn>
-                        </p:par>
-                      </p:childTnLst>
-                    </p:cTn>
-                  </p:par>
-                  <p:par>
-                    <p:cTn id="42" fill="hold">
-                      <p:stCondLst>
-                        <p:cond delay="indefinite"/>
-                      </p:stCondLst>
-                      <p:childTnLst>
-                        <p:par>
-                          <p:cTn id="43" fill="hold">
-                            <p:stCondLst>
-                              <p:cond delay="0"/>
-                            </p:stCondLst>
-                            <p:childTnLst>
-                              <p:par>
-                                <p:cTn id="44" presetID="10" presetClass="entr" presetSubtype="0" fill="hold" grpId="0" nodeType="clickEffect">
-                                  <p:stCondLst>
-                                    <p:cond delay="0"/>
-                                  </p:stCondLst>
-                                  <p:childTnLst>
-                                    <p:set>
-                                      <p:cBhvr>
-                                        <p:cTn id="45" dur="1" fill="hold">
-                                          <p:stCondLst>
-                                            <p:cond delay="0"/>
-                                          </p:stCondLst>
-                                        </p:cTn>
-                                        <p:tgtEl>
-                                          <p:spTgt spid="20"/>
-                                        </p:tgtEl>
-                                        <p:attrNameLst>
-                                          <p:attrName>style.visibility</p:attrName>
-                                        </p:attrNameLst>
-                                      </p:cBhvr>
-                                      <p:to>
-                                        <p:strVal val="visible"/>
-                                      </p:to>
-                                    </p:set>
-                                    <p:animEffect transition="in" filter="fade">
-                                      <p:cBhvr>
-                                        <p:cTn id="46" dur="500"/>
-                                        <p:tgtEl>
-                                          <p:spTgt spid="20"/>
-                                        </p:tgtEl>
-                                      </p:cBhvr>
-                                    </p:animEffect>
-                                  </p:childTnLst>
-                                </p:cTn>
-                              </p:par>
-                            </p:childTnLst>
-                          </p:cTn>
-                        </p:par>
-                      </p:childTnLst>
-                    </p:cTn>
-                  </p:par>
-                  <p:par>
-                    <p:cTn id="47" fill="hold">
-                      <p:stCondLst>
-                        <p:cond delay="indefinite"/>
-                      </p:stCondLst>
-                      <p:childTnLst>
-                        <p:par>
-                          <p:cTn id="48" fill="hold">
-                            <p:stCondLst>
-                              <p:cond delay="0"/>
-                            </p:stCondLst>
-                            <p:childTnLst>
-                              <p:par>
-                                <p:cTn id="49" presetID="10" presetClass="entr" presetSubtype="0" fill="hold" grpId="0" nodeType="clickEffect">
-                                  <p:stCondLst>
-                                    <p:cond delay="0"/>
-                                  </p:stCondLst>
-                                  <p:childTnLst>
-                                    <p:set>
-                                      <p:cBhvr>
-                                        <p:cTn id="50" dur="1" fill="hold">
-                                          <p:stCondLst>
-                                            <p:cond delay="0"/>
-                                          </p:stCondLst>
-                                        </p:cTn>
-                                        <p:tgtEl>
-                                          <p:spTgt spid="9"/>
-                                        </p:tgtEl>
-                                        <p:attrNameLst>
-                                          <p:attrName>style.visibility</p:attrName>
-                                        </p:attrNameLst>
-                                      </p:cBhvr>
-                                      <p:to>
-                                        <p:strVal val="visible"/>
-                                      </p:to>
-                                    </p:set>
-                                    <p:animEffect transition="in" filter="fade">
-                                      <p:cBhvr>
-                                        <p:cTn id="51" dur="500"/>
-                                        <p:tgtEl>
-                                          <p:spTgt spid="9"/>
-                                        </p:tgtEl>
-                                      </p:cBhvr>
-                                    </p:animEffect>
-                                  </p:childTnLst>
-                                </p:cTn>
-                              </p:par>
-                            </p:childTnLst>
-                          </p:cTn>
-                        </p:par>
-                      </p:childTnLst>
-                    </p:cTn>
-                  </p:par>
-                  <p:par>
-                    <p:cTn id="52" fill="hold">
-                      <p:stCondLst>
-                        <p:cond delay="indefinite"/>
-                      </p:stCondLst>
-                      <p:childTnLst>
-                        <p:par>
-                          <p:cTn id="53" fill="hold">
-                            <p:stCondLst>
-                              <p:cond delay="0"/>
-                            </p:stCondLst>
-                            <p:childTnLst>
-                              <p:par>
-                                <p:cTn id="54" presetID="10" presetClass="entr" presetSubtype="0" fill="hold" grpId="0" nodeType="clickEffect">
-                                  <p:stCondLst>
-                                    <p:cond delay="0"/>
-                                  </p:stCondLst>
-                                  <p:childTnLst>
-                                    <p:set>
-                                      <p:cBhvr>
-                                        <p:cTn id="55" dur="1" fill="hold">
-                                          <p:stCondLst>
-                                            <p:cond delay="0"/>
-                                          </p:stCondLst>
-                                        </p:cTn>
-                                        <p:tgtEl>
-                                          <p:spTgt spid="12"/>
-                                        </p:tgtEl>
-                                        <p:attrNameLst>
-                                          <p:attrName>style.visibility</p:attrName>
-                                        </p:attrNameLst>
-                                      </p:cBhvr>
-                                      <p:to>
-                                        <p:strVal val="visible"/>
-                                      </p:to>
-                                    </p:set>
-                                    <p:animEffect transition="in" filter="fade">
-                                      <p:cBhvr>
-                                        <p:cTn id="56" dur="500"/>
-                                        <p:tgtEl>
-                                          <p:spTgt spid="12"/>
-                                        </p:tgtEl>
-                                      </p:cBhvr>
-                                    </p:animEffect>
-                                  </p:childTnLst>
-                                </p:cTn>
-                              </p:par>
-                            </p:childTnLst>
-                          </p:cTn>
-                        </p:par>
-                      </p:childTnLst>
-                    </p:cTn>
-                  </p:par>
-                  <p:par>
-                    <p:cTn id="57" fill="hold">
-                      <p:stCondLst>
-                        <p:cond delay="indefinite"/>
-                      </p:stCondLst>
-                      <p:childTnLst>
-                        <p:par>
-                          <p:cTn id="58" fill="hold">
-                            <p:stCondLst>
-                              <p:cond delay="0"/>
-                            </p:stCondLst>
-                            <p:childTnLst>
-                              <p:par>
-                                <p:cTn id="59" presetID="10" presetClass="entr" presetSubtype="0" fill="hold" nodeType="clickEffect">
-                                  <p:stCondLst>
-                                    <p:cond delay="0"/>
-                                  </p:stCondLst>
-                                  <p:childTnLst>
-                                    <p:set>
-                                      <p:cBhvr>
-                                        <p:cTn id="60" dur="1" fill="hold">
-                                          <p:stCondLst>
-                                            <p:cond delay="0"/>
-                                          </p:stCondLst>
-                                        </p:cTn>
-                                        <p:tgtEl>
-                                          <p:spTgt spid="2">
-                                            <p:txEl>
-                                              <p:pRg st="1" end="1"/>
-                                            </p:txEl>
-                                          </p:spTgt>
-                                        </p:tgtEl>
-                                        <p:attrNameLst>
-                                          <p:attrName>style.visibility</p:attrName>
-                                        </p:attrNameLst>
-                                      </p:cBhvr>
-                                      <p:to>
-                                        <p:strVal val="visible"/>
-                                      </p:to>
-                                    </p:set>
-                                    <p:animEffect transition="in" filter="fade">
-                                      <p:cBhvr>
-                                        <p:cTn id="61" dur="500"/>
-                                        <p:tgtEl>
-                                          <p:spTgt spid="2">
-                                            <p:txEl>
-                                              <p:pRg st="1" end="1"/>
-                                            </p:txEl>
-                                          </p:spTgt>
-                                        </p:tgtEl>
-                                      </p:cBhvr>
-                                    </p:animEffect>
-                                  </p:childTnLst>
-                                </p:cTn>
-                              </p:par>
-                            </p:childTnLst>
-                          </p:cTn>
-                        </p:par>
-                      </p:childTnLst>
-                    </p:cTn>
-                  </p:par>
-                  <p:par>
-                    <p:cTn id="62" fill="hold">
-                      <p:stCondLst>
-                        <p:cond delay="indefinite"/>
-                      </p:stCondLst>
-                      <p:childTnLst>
-                        <p:par>
-                          <p:cTn id="63" fill="hold">
-                            <p:stCondLst>
-                              <p:cond delay="0"/>
-                            </p:stCondLst>
-                            <p:childTnLst>
-                              <p:par>
-                                <p:cTn id="64" presetID="10" presetClass="entr" presetSubtype="0" fill="hold" grpId="0" nodeType="clickEffect">
-                                  <p:stCondLst>
-                                    <p:cond delay="0"/>
-                                  </p:stCondLst>
-                                  <p:childTnLst>
-                                    <p:set>
-                                      <p:cBhvr>
-                                        <p:cTn id="65" dur="1" fill="hold">
-                                          <p:stCondLst>
-                                            <p:cond delay="0"/>
-                                          </p:stCondLst>
-                                        </p:cTn>
-                                        <p:tgtEl>
-                                          <p:spTgt spid="19"/>
-                                        </p:tgtEl>
-                                        <p:attrNameLst>
-                                          <p:attrName>style.visibility</p:attrName>
-                                        </p:attrNameLst>
-                                      </p:cBhvr>
-                                      <p:to>
-                                        <p:strVal val="visible"/>
-                                      </p:to>
-                                    </p:set>
-                                    <p:animEffect transition="in" filter="fade">
-                                      <p:cBhvr>
-                                        <p:cTn id="66" dur="500"/>
-                                        <p:tgtEl>
-                                          <p:spTgt spid="19"/>
-                                        </p:tgtEl>
-                                      </p:cBhvr>
-                                    </p:animEffect>
-                                  </p:childTnLst>
-                                </p:cTn>
-                              </p:par>
-                            </p:childTnLst>
-                          </p:cTn>
-                        </p:par>
-                      </p:childTnLst>
-                    </p:cTn>
-                  </p:par>
-                  <p:par>
-                    <p:cTn id="67" fill="hold">
-                      <p:stCondLst>
-                        <p:cond delay="indefinite"/>
-                      </p:stCondLst>
-                      <p:childTnLst>
-                        <p:par>
-                          <p:cTn id="68" fill="hold">
-                            <p:stCondLst>
-                              <p:cond delay="0"/>
-                            </p:stCondLst>
-                            <p:childTnLst>
-                              <p:par>
-                                <p:cTn id="69" presetID="10" presetClass="entr" presetSubtype="0" fill="hold" grpId="0" nodeType="clickEffect">
-                                  <p:stCondLst>
-                                    <p:cond delay="0"/>
-                                  </p:stCondLst>
-                                  <p:childTnLst>
-                                    <p:set>
-                                      <p:cBhvr>
-                                        <p:cTn id="70" dur="1" fill="hold">
-                                          <p:stCondLst>
-                                            <p:cond delay="0"/>
-                                          </p:stCondLst>
-                                        </p:cTn>
-                                        <p:tgtEl>
-                                          <p:spTgt spid="3"/>
-                                        </p:tgtEl>
-                                        <p:attrNameLst>
-                                          <p:attrName>style.visibility</p:attrName>
-                                        </p:attrNameLst>
-                                      </p:cBhvr>
-                                      <p:to>
-                                        <p:strVal val="visible"/>
-                                      </p:to>
-                                    </p:set>
-                                    <p:animEffect transition="in" filter="fade">
-                                      <p:cBhvr>
-                                        <p:cTn id="71" dur="500"/>
-                                        <p:tgtEl>
-                                          <p:spTgt spid="3"/>
-                                        </p:tgtEl>
-                                      </p:cBhvr>
-                                    </p:animEffect>
-                                  </p:childTnLst>
-                                </p:cTn>
-                              </p:par>
-                            </p:childTnLst>
-                          </p:cTn>
-                        </p:par>
-                      </p:childTnLst>
-                    </p:cTn>
-                  </p:par>
-                  <p:par>
-                    <p:cTn id="72" fill="hold">
-                      <p:stCondLst>
-                        <p:cond delay="indefinite"/>
-                      </p:stCondLst>
-                      <p:childTnLst>
-                        <p:par>
-                          <p:cTn id="73" fill="hold">
-                            <p:stCondLst>
-                              <p:cond delay="0"/>
-                            </p:stCondLst>
-                            <p:childTnLst>
-                              <p:par>
-                                <p:cTn id="74" presetID="1" presetClass="entr" presetSubtype="0" fill="hold" grpId="0" nodeType="clickEffect">
-                                  <p:stCondLst>
-                                    <p:cond delay="0"/>
-                                  </p:stCondLst>
-                                  <p:childTnLst>
-                                    <p:set>
-                                      <p:cBhvr>
-                                        <p:cTn id="75" dur="1" fill="hold">
-                                          <p:stCondLst>
-                                            <p:cond delay="0"/>
-                                          </p:stCondLst>
-                                        </p:cTn>
-                                        <p:tgtEl>
-                                          <p:spTgt spid="22"/>
-                                        </p:tgtEl>
-                                        <p:attrNameLst>
-                                          <p:attrName>style.visibility</p:attrName>
-                                        </p:attrNameLst>
-                                      </p:cBhvr>
-                                      <p:to>
-                                        <p:strVal val="visible"/>
-                                      </p:to>
-                                    </p:set>
-                                  </p:childTnLst>
-                                </p:cTn>
-                              </p:par>
-                            </p:childTnLst>
-                          </p:cTn>
-                        </p:par>
-                      </p:childTnLst>
-                    </p:cTn>
-                  </p:par>
-                  <p:par>
-                    <p:cTn id="76" fill="hold">
-                      <p:stCondLst>
-                        <p:cond delay="indefinite"/>
-                      </p:stCondLst>
-                      <p:childTnLst>
-                        <p:par>
-                          <p:cTn id="77" fill="hold">
-                            <p:stCondLst>
-                              <p:cond delay="0"/>
-                            </p:stCondLst>
-                            <p:childTnLst>
-                              <p:par>
-                                <p:cTn id="78" presetID="10" presetClass="entr" presetSubtype="0" fill="hold" grpId="0" nodeType="clickEffect">
-                                  <p:stCondLst>
-                                    <p:cond delay="0"/>
-                                  </p:stCondLst>
-                                  <p:childTnLst>
-                                    <p:set>
-                                      <p:cBhvr>
-                                        <p:cTn id="79" dur="1" fill="hold">
-                                          <p:stCondLst>
-                                            <p:cond delay="0"/>
-                                          </p:stCondLst>
-                                        </p:cTn>
-                                        <p:tgtEl>
-                                          <p:spTgt spid="16"/>
-                                        </p:tgtEl>
-                                        <p:attrNameLst>
-                                          <p:attrName>style.visibility</p:attrName>
-                                        </p:attrNameLst>
-                                      </p:cBhvr>
-                                      <p:to>
-                                        <p:strVal val="visible"/>
-                                      </p:to>
-                                    </p:set>
-                                    <p:animEffect transition="in" filter="fade">
-                                      <p:cBhvr>
-                                        <p:cTn id="80" dur="500"/>
-                                        <p:tgtEl>
-                                          <p:spTgt spid="16"/>
-                                        </p:tgtEl>
-                                      </p:cBhvr>
-                                    </p:animEffect>
-                                  </p:childTnLst>
-                                </p:cTn>
-                              </p:par>
-                            </p:childTnLst>
-                          </p:cTn>
-                        </p:par>
-                      </p:childTnLst>
-                    </p:cTn>
-                  </p:par>
-                  <p:par>
-                    <p:cTn id="81" fill="hold">
-                      <p:stCondLst>
-                        <p:cond delay="indefinite"/>
-                      </p:stCondLst>
-                      <p:childTnLst>
-                        <p:par>
-                          <p:cTn id="82" fill="hold">
-                            <p:stCondLst>
-                              <p:cond delay="0"/>
-                            </p:stCondLst>
-                            <p:childTnLst>
-                              <p:par>
-                                <p:cTn id="83" presetID="10" presetClass="entr" presetSubtype="0" fill="hold" grpId="0" nodeType="clickEffect">
-                                  <p:stCondLst>
-                                    <p:cond delay="0"/>
-                                  </p:stCondLst>
-                                  <p:childTnLst>
-                                    <p:set>
-                                      <p:cBhvr>
-                                        <p:cTn id="84" dur="1" fill="hold">
-                                          <p:stCondLst>
-                                            <p:cond delay="0"/>
-                                          </p:stCondLst>
-                                        </p:cTn>
-                                        <p:tgtEl>
-                                          <p:spTgt spid="11"/>
-                                        </p:tgtEl>
-                                        <p:attrNameLst>
-                                          <p:attrName>style.visibility</p:attrName>
-                                        </p:attrNameLst>
-                                      </p:cBhvr>
-                                      <p:to>
-                                        <p:strVal val="visible"/>
-                                      </p:to>
-                                    </p:set>
-                                    <p:animEffect transition="in" filter="fade">
-                                      <p:cBhvr>
-                                        <p:cTn id="85" dur="500"/>
-                                        <p:tgtEl>
-                                          <p:spTgt spid="11"/>
-                                        </p:tgtEl>
-                                      </p:cBhvr>
-                                    </p:animEffect>
-                                  </p:childTnLst>
-                                </p:cTn>
-                              </p:par>
-                            </p:childTnLst>
-                          </p:cTn>
-                        </p:par>
-                      </p:childTnLst>
-                    </p:cTn>
-                  </p:par>
-                  <p:par>
-                    <p:cTn id="86" fill="hold">
-                      <p:stCondLst>
-                        <p:cond delay="indefinite"/>
-                      </p:stCondLst>
-                      <p:childTnLst>
-                        <p:par>
-                          <p:cTn id="87" fill="hold">
-                            <p:stCondLst>
-                              <p:cond delay="0"/>
-                            </p:stCondLst>
-                            <p:childTnLst>
-                              <p:par>
-                                <p:cTn id="88" presetID="10" presetClass="entr" presetSubtype="0" fill="hold" nodeType="clickEffect">
-                                  <p:stCondLst>
-                                    <p:cond delay="0"/>
-                                  </p:stCondLst>
-                                  <p:childTnLst>
-                                    <p:set>
-                                      <p:cBhvr>
-                                        <p:cTn id="89" dur="1" fill="hold">
-                                          <p:stCondLst>
-                                            <p:cond delay="0"/>
-                                          </p:stCondLst>
-                                        </p:cTn>
-                                        <p:tgtEl>
-                                          <p:spTgt spid="2">
-                                            <p:txEl>
-                                              <p:pRg st="2" end="2"/>
-                                            </p:txEl>
-                                          </p:spTgt>
-                                        </p:tgtEl>
-                                        <p:attrNameLst>
-                                          <p:attrName>style.visibility</p:attrName>
-                                        </p:attrNameLst>
-                                      </p:cBhvr>
-                                      <p:to>
-                                        <p:strVal val="visible"/>
-                                      </p:to>
-                                    </p:set>
-                                    <p:animEffect transition="in" filter="fade">
-                                      <p:cBhvr>
-                                        <p:cTn id="90" dur="500"/>
-                                        <p:tgtEl>
-                                          <p:spTgt spid="2">
-                                            <p:txEl>
-                                              <p:pRg st="2" end="2"/>
-                                            </p:txEl>
-                                          </p:spTgt>
-                                        </p:tgtEl>
-                                      </p:cBhvr>
-                                    </p:animEffect>
-                                  </p:childTnLst>
-                                </p:cTn>
-                              </p:par>
-                            </p:childTnLst>
-                          </p:cTn>
-                        </p:par>
-                      </p:childTnLst>
-                    </p:cTn>
-                  </p:par>
-                  <p:par>
-                    <p:cTn id="91" fill="hold">
-                      <p:stCondLst>
-                        <p:cond delay="indefinite"/>
-                      </p:stCondLst>
-                      <p:childTnLst>
-                        <p:par>
-                          <p:cTn id="92" fill="hold">
-                            <p:stCondLst>
-                              <p:cond delay="0"/>
-                            </p:stCondLst>
-                            <p:childTnLst>
-                              <p:par>
-                                <p:cTn id="93" presetID="10" presetClass="entr" presetSubtype="0" fill="hold" grpId="0" nodeType="clickEffect">
-                                  <p:stCondLst>
-                                    <p:cond delay="0"/>
-                                  </p:stCondLst>
-                                  <p:childTnLst>
-                                    <p:set>
-                                      <p:cBhvr>
-                                        <p:cTn id="94" dur="1" fill="hold">
-                                          <p:stCondLst>
-                                            <p:cond delay="0"/>
-                                          </p:stCondLst>
-                                        </p:cTn>
-                                        <p:tgtEl>
-                                          <p:spTgt spid="15"/>
-                                        </p:tgtEl>
-                                        <p:attrNameLst>
-                                          <p:attrName>style.visibility</p:attrName>
-                                        </p:attrNameLst>
-                                      </p:cBhvr>
-                                      <p:to>
-                                        <p:strVal val="visible"/>
-                                      </p:to>
-                                    </p:set>
-                                    <p:animEffect transition="in" filter="fade">
-                                      <p:cBhvr>
-                                        <p:cTn id="95" dur="500"/>
-                                        <p:tgtEl>
-                                          <p:spTgt spid="15"/>
-                                        </p:tgtEl>
-                                      </p:cBhvr>
-                                    </p:animEffect>
-                                  </p:childTnLst>
-                                </p:cTn>
-                              </p:par>
-                            </p:childTnLst>
-                          </p:cTn>
-                        </p:par>
-                      </p:childTnLst>
-                    </p:cTn>
-                  </p:par>
-                  <p:par>
-                    <p:cTn id="96" fill="hold">
-                      <p:stCondLst>
-                        <p:cond delay="indefinite"/>
-                      </p:stCondLst>
-                      <p:childTnLst>
-                        <p:par>
-                          <p:cTn id="97" fill="hold">
-                            <p:stCondLst>
-                              <p:cond delay="0"/>
-                            </p:stCondLst>
-                            <p:childTnLst>
-                              <p:par>
-                                <p:cTn id="98" presetID="10" presetClass="entr" presetSubtype="0" fill="hold" grpId="0" nodeType="clickEffect">
-                                  <p:stCondLst>
-                                    <p:cond delay="0"/>
-                                  </p:stCondLst>
-                                  <p:childTnLst>
-                                    <p:set>
-                                      <p:cBhvr>
-                                        <p:cTn id="99" dur="1" fill="hold">
-                                          <p:stCondLst>
-                                            <p:cond delay="0"/>
-                                          </p:stCondLst>
-                                        </p:cTn>
-                                        <p:tgtEl>
-                                          <p:spTgt spid="14"/>
-                                        </p:tgtEl>
-                                        <p:attrNameLst>
-                                          <p:attrName>style.visibility</p:attrName>
-                                        </p:attrNameLst>
-                                      </p:cBhvr>
-                                      <p:to>
-                                        <p:strVal val="visible"/>
-                                      </p:to>
-                                    </p:set>
-                                    <p:animEffect transition="in" filter="fade">
-                                      <p:cBhvr>
-                                        <p:cTn id="100" dur="500"/>
-                                        <p:tgtEl>
-                                          <p:spTgt spid="14"/>
-                                        </p:tgtEl>
-                                      </p:cBhvr>
-                                    </p:animEffect>
-                                  </p:childTnLst>
-                                </p:cTn>
-                              </p:par>
-                            </p:childTnLst>
-                          </p:cTn>
-                        </p:par>
-                      </p:childTnLst>
-                    </p:cTn>
-                  </p:par>
-                  <p:par>
-                    <p:cTn id="101" fill="hold">
-                      <p:stCondLst>
-                        <p:cond delay="indefinite"/>
-                      </p:stCondLst>
-                      <p:childTnLst>
-                        <p:par>
-                          <p:cTn id="102" fill="hold">
-                            <p:stCondLst>
-                              <p:cond delay="0"/>
-                            </p:stCondLst>
-                            <p:childTnLst>
-                              <p:par>
-                                <p:cTn id="103" presetID="10" presetClass="exit" presetSubtype="0" fill="hold" grpId="1" nodeType="clickEffect">
-                                  <p:stCondLst>
-                                    <p:cond delay="0"/>
-                                  </p:stCondLst>
-                                  <p:childTnLst>
-                                    <p:animEffect transition="out" filter="fade">
-                                      <p:cBhvr>
-                                        <p:cTn id="104" dur="500"/>
-                                        <p:tgtEl>
-                                          <p:spTgt spid="10"/>
-                                        </p:tgtEl>
-                                      </p:cBhvr>
-                                    </p:animEffect>
-                                    <p:set>
-                                      <p:cBhvr>
-                                        <p:cTn id="105" dur="1" fill="hold">
-                                          <p:stCondLst>
-                                            <p:cond delay="499"/>
-                                          </p:stCondLst>
-                                        </p:cTn>
-                                        <p:tgtEl>
-                                          <p:spTgt spid="10"/>
-                                        </p:tgtEl>
-                                        <p:attrNameLst>
-                                          <p:attrName>style.visibility</p:attrName>
-                                        </p:attrNameLst>
-                                      </p:cBhvr>
-                                      <p:to>
-                                        <p:strVal val="hidden"/>
-                                      </p:to>
-                                    </p:set>
-                                  </p:childTnLst>
-                                </p:cTn>
-                              </p:par>
-                              <p:par>
-                                <p:cTn id="106" presetID="10" presetClass="exit" presetSubtype="0" fill="hold" grpId="1" nodeType="withEffect">
-                                  <p:stCondLst>
-                                    <p:cond delay="0"/>
-                                  </p:stCondLst>
-                                  <p:childTnLst>
-                                    <p:animEffect transition="out" filter="fade">
-                                      <p:cBhvr>
-                                        <p:cTn id="107" dur="500"/>
-                                        <p:tgtEl>
-                                          <p:spTgt spid="14"/>
-                                        </p:tgtEl>
-                                      </p:cBhvr>
-                                    </p:animEffect>
-                                    <p:set>
-                                      <p:cBhvr>
-                                        <p:cTn id="108" dur="1" fill="hold">
-                                          <p:stCondLst>
-                                            <p:cond delay="499"/>
-                                          </p:stCondLst>
-                                        </p:cTn>
-                                        <p:tgtEl>
-                                          <p:spTgt spid="14"/>
-                                        </p:tgtEl>
-                                        <p:attrNameLst>
-                                          <p:attrName>style.visibility</p:attrName>
-                                        </p:attrNameLst>
-                                      </p:cBhvr>
-                                      <p:to>
-                                        <p:strVal val="hidden"/>
-                                      </p:to>
-                                    </p:set>
-                                  </p:childTnLst>
-                                </p:cTn>
-                              </p:par>
-                            </p:childTnLst>
-                          </p:cTn>
-                        </p:par>
-                      </p:childTnLst>
-                    </p:cTn>
-                  </p:par>
-                  <p:par>
-                    <p:cTn id="109" fill="hold">
-                      <p:stCondLst>
-                        <p:cond delay="indefinite"/>
-                      </p:stCondLst>
-                      <p:childTnLst>
-                        <p:par>
-                          <p:cTn id="110" fill="hold">
-                            <p:stCondLst>
-                              <p:cond delay="0"/>
-                            </p:stCondLst>
-                            <p:childTnLst>
-                              <p:par>
-                                <p:cTn id="111" presetID="10" presetClass="entr" presetSubtype="0" fill="hold" grpId="0" nodeType="clickEffect">
-                                  <p:stCondLst>
-                                    <p:cond delay="0"/>
-                                  </p:stCondLst>
-                                  <p:childTnLst>
-                                    <p:set>
-                                      <p:cBhvr>
-                                        <p:cTn id="112" dur="1" fill="hold">
-                                          <p:stCondLst>
-                                            <p:cond delay="0"/>
-                                          </p:stCondLst>
-                                        </p:cTn>
-                                        <p:tgtEl>
-                                          <p:spTgt spid="21"/>
-                                        </p:tgtEl>
-                                        <p:attrNameLst>
-                                          <p:attrName>style.visibility</p:attrName>
-                                        </p:attrNameLst>
-                                      </p:cBhvr>
-                                      <p:to>
-                                        <p:strVal val="visible"/>
-                                      </p:to>
-                                    </p:set>
-                                    <p:animEffect transition="in" filter="fade">
-                                      <p:cBhvr>
-                                        <p:cTn id="113" dur="500"/>
-                                        <p:tgtEl>
-                                          <p:spTgt spid="21"/>
-                                        </p:tgtEl>
-                                      </p:cBhvr>
-                                    </p:animEffect>
-                                  </p:childTnLst>
-                                </p:cTn>
-                              </p:par>
-                            </p:childTnLst>
-                          </p:cTn>
-                        </p:par>
-                      </p:childTnLst>
-                    </p:cTn>
-                  </p:par>
-                </p:childTnLst>
-              </p:cTn>
-              <p:prevCondLst>
-                <p:cond evt="onPrev" delay="0">
-                  <p:tgtEl>
-                    <p:sldTgt/>
-                  </p:tgtEl>
-                </p:cond>
-              </p:prevCondLst>
-              <p:nextCondLst>
-                <p:cond evt="onNext" delay="0">
-                  <p:tgtEl>
-                    <p:sldTgt/>
-                  </p:tgtEl>
-                </p:cond>
-              </p:nextCondLst>
-            </p:seq>
-          </p:childTnLst>
-        </p:cTn>
-      </p:par>
-    </p:tnLst>
-    <p:bldLst>
-      <p:bldP spid="4" grpId="0" animBg="1"/>
-      <p:bldP spid="6" grpId="0"/>
-      <p:bldP spid="5" grpId="0" animBg="1"/>
-      <p:bldP spid="7" grpId="0"/>
-      <p:bldP spid="2" grpId="0"/>
-      <p:bldP spid="8" grpId="0" animBg="1"/>
-      <p:bldP spid="9" grpId="0"/>
-      <p:bldP spid="12" grpId="0" animBg="1"/>
-      <p:bldP spid="14" grpId="0"/>
-      <p:bldP spid="14" grpId="1"/>
-      <p:bldP spid="15" grpId="0" animBg="1"/>
-      <p:bldP spid="16" grpId="0"/>
-      <p:bldP spid="11" grpId="0" animBg="1"/>
-      <p:bldP spid="17" grpId="0" animBg="1"/>
-      <p:bldP spid="18" grpId="0" animBg="1"/>
-      <p:bldP spid="10" grpId="0" animBg="1"/>
-      <p:bldP spid="10" grpId="1" animBg="1"/>
-      <p:bldP spid="20" grpId="0" animBg="1"/>
-      <p:bldP spid="21" grpId="0" animBg="1"/>
-      <p:bldP spid="19" grpId="0" animBg="1"/>
-      <p:bldP spid="3" grpId="0" animBg="1"/>
-      <p:bldP spid="22" grpId="0" animBg="1"/>
-    </p:bldLst>
-  </p:timing>
-</p:sld>
-</file>
-
-<file path=ppt/slides/slide6.xml><?xml version="1.0" encoding="utf-8"?>
-<p:sld xmlns:a="http://schemas.openxmlformats.org/drawingml/2006/main" xmlns:r="http://schemas.openxmlformats.org/officeDocument/2006/relationships" xmlns:p="http://schemas.openxmlformats.org/presentationml/2006/main">
-  <p:cSld>
-    <p:spTree>
-      <p:nvGrpSpPr>
-        <p:cNvPr id="1" name=""/>
-        <p:cNvGrpSpPr/>
-        <p:nvPr/>
-      </p:nvGrpSpPr>
-      <p:grpSpPr>
-        <a:xfrm>
-          <a:off x="0" y="0"/>
-          <a:ext cx="0" cy="0"/>
-          <a:chOff x="0" y="0"/>
-          <a:chExt cx="0" cy="0"/>
-        </a:xfrm>
-      </p:grpSpPr>
-      <p:sp>
-        <p:nvSpPr>
-          <p:cNvPr id="4" name="Rectangle 3"/>
-          <p:cNvSpPr/>
-          <p:nvPr/>
-        </p:nvSpPr>
-        <p:spPr bwMode="auto">
-          <a:xfrm>
-            <a:off x="4622800" y="2779893"/>
-            <a:ext cx="3548185" cy="3948335"/>
-          </a:xfrm>
-          <a:prstGeom prst="rect">
-            <a:avLst/>
-          </a:prstGeom>
-          <a:noFill/>
-          <a:ln w="38100" cap="flat" cmpd="sng" algn="ctr">
-            <a:solidFill>
-              <a:schemeClr val="tx1"/>
-            </a:solidFill>
-            <a:prstDash val="solid"/>
-            <a:round/>
-            <a:headEnd type="none" w="med" len="med"/>
-            <a:tailEnd type="none" w="med" len="med"/>
-          </a:ln>
-          <a:effectLst/>
-        </p:spPr>
-        <p:txBody>
-          <a:bodyPr vert="horz" wrap="square" lIns="90000" tIns="46800" rIns="90000" bIns="46800" numCol="1" rtlCol="0" anchor="ctr" anchorCtr="0" compatLnSpc="1">
-            <a:prstTxWarp prst="textNoShape">
-              <a:avLst/>
-            </a:prstTxWarp>
-            <a:spAutoFit/>
-          </a:bodyPr>
-          <a:lstStyle/>
-          <a:p>
-            <a:pPr marL="0" marR="0" indent="0" algn="ctr" defTabSz="914400" rtl="0" eaLnBrk="1" fontAlgn="base" latinLnBrk="0" hangingPunct="1">
-              <a:lnSpc>
-                <a:spcPct val="100000"/>
-              </a:lnSpc>
-              <a:spcBef>
-                <a:spcPct val="50000"/>
-              </a:spcBef>
-              <a:spcAft>
-                <a:spcPct val="0"/>
-              </a:spcAft>
-              <a:buClrTx/>
-              <a:buSzTx/>
-              <a:buFontTx/>
-              <a:buNone/>
-              <a:tabLst/>
-            </a:pPr>
-            <a:endParaRPr kumimoji="0" lang="fr-FR" sz="2400" b="0" i="0" u="none" strike="noStrike" cap="none" normalizeH="0" baseline="0" smtClean="0">
-              <a:ln>
-                <a:noFill/>
-              </a:ln>
-              <a:solidFill>
-                <a:schemeClr val="tx1"/>
-              </a:solidFill>
-              <a:effectLst/>
-              <a:latin typeface="Comic Sans MS" pitchFamily="66" charset="0"/>
-            </a:endParaRPr>
-          </a:p>
-        </p:txBody>
-      </p:sp>
-      <p:sp>
-        <p:nvSpPr>
-          <p:cNvPr id="6" name="ZoneTexte 5"/>
-          <p:cNvSpPr txBox="1"/>
-          <p:nvPr/>
-        </p:nvSpPr>
-        <p:spPr>
-          <a:xfrm>
-            <a:off x="5193323" y="1835674"/>
-            <a:ext cx="3454400" cy="923330"/>
-          </a:xfrm>
-          <a:prstGeom prst="rect">
-            <a:avLst/>
-          </a:prstGeom>
-          <a:noFill/>
-        </p:spPr>
-        <p:txBody>
-          <a:bodyPr wrap="square" rtlCol="0">
-            <a:spAutoFit/>
-          </a:bodyPr>
-          <a:lstStyle/>
-          <a:p>
-            <a:r>
-              <a:rPr lang="fr-FR" sz="5400" dirty="0" smtClean="0">
-                <a:latin typeface="Calibri" panose="020F0502020204030204" pitchFamily="34" charset="0"/>
-              </a:rPr>
-              <a:t>objets</a:t>
-            </a:r>
-            <a:endParaRPr lang="fr-FR" sz="5400" dirty="0">
-              <a:latin typeface="Calibri" panose="020F0502020204030204" pitchFamily="34" charset="0"/>
-            </a:endParaRPr>
-          </a:p>
-        </p:txBody>
-      </p:sp>
-      <p:sp>
-        <p:nvSpPr>
-          <p:cNvPr id="5" name="Rectangle 4"/>
-          <p:cNvSpPr/>
-          <p:nvPr/>
-        </p:nvSpPr>
-        <p:spPr bwMode="auto">
-          <a:xfrm>
-            <a:off x="457200" y="2779894"/>
-            <a:ext cx="3548185" cy="3948335"/>
-          </a:xfrm>
-          <a:prstGeom prst="rect">
-            <a:avLst/>
-          </a:prstGeom>
-          <a:noFill/>
-          <a:ln w="38100" cap="flat" cmpd="sng" algn="ctr">
-            <a:solidFill>
-              <a:schemeClr val="tx1"/>
-            </a:solidFill>
-            <a:prstDash val="solid"/>
-            <a:round/>
-            <a:headEnd type="none" w="med" len="med"/>
-            <a:tailEnd type="none" w="med" len="med"/>
-          </a:ln>
-          <a:effectLst/>
-        </p:spPr>
-        <p:txBody>
-          <a:bodyPr vert="horz" wrap="square" lIns="90000" tIns="46800" rIns="90000" bIns="46800" numCol="1" rtlCol="0" anchor="ctr" anchorCtr="0" compatLnSpc="1">
-            <a:prstTxWarp prst="textNoShape">
-              <a:avLst/>
-            </a:prstTxWarp>
-            <a:spAutoFit/>
-          </a:bodyPr>
-          <a:lstStyle/>
-          <a:p>
-            <a:pPr marL="0" marR="0" indent="0" algn="ctr" defTabSz="914400" rtl="0" eaLnBrk="1" fontAlgn="base" latinLnBrk="0" hangingPunct="1">
-              <a:lnSpc>
-                <a:spcPct val="100000"/>
-              </a:lnSpc>
-              <a:spcBef>
-                <a:spcPct val="50000"/>
-              </a:spcBef>
-              <a:spcAft>
-                <a:spcPct val="0"/>
-              </a:spcAft>
-              <a:buClrTx/>
-              <a:buSzTx/>
-              <a:buFontTx/>
-              <a:buNone/>
-              <a:tabLst/>
-            </a:pPr>
-            <a:endParaRPr kumimoji="0" lang="fr-FR" sz="2400" b="0" i="0" u="none" strike="noStrike" cap="none" normalizeH="0" baseline="0" smtClean="0">
-              <a:ln>
-                <a:noFill/>
-              </a:ln>
-              <a:solidFill>
-                <a:schemeClr val="tx1"/>
-              </a:solidFill>
-              <a:effectLst/>
-              <a:latin typeface="Comic Sans MS" pitchFamily="66" charset="0"/>
-            </a:endParaRPr>
-          </a:p>
-        </p:txBody>
-      </p:sp>
-      <p:sp>
-        <p:nvSpPr>
-          <p:cNvPr id="7" name="ZoneTexte 6"/>
-          <p:cNvSpPr txBox="1"/>
-          <p:nvPr/>
-        </p:nvSpPr>
-        <p:spPr>
-          <a:xfrm>
-            <a:off x="864489" y="1864452"/>
-            <a:ext cx="3454400" cy="923330"/>
-          </a:xfrm>
-          <a:prstGeom prst="rect">
-            <a:avLst/>
-          </a:prstGeom>
-          <a:noFill/>
-        </p:spPr>
-        <p:txBody>
-          <a:bodyPr wrap="square" rtlCol="0">
-            <a:spAutoFit/>
-          </a:bodyPr>
-          <a:lstStyle/>
-          <a:p>
-            <a:r>
-              <a:rPr lang="fr-FR" sz="5400" dirty="0" smtClean="0">
-                <a:latin typeface="Calibri" panose="020F0502020204030204" pitchFamily="34" charset="0"/>
-              </a:rPr>
-              <a:t>variables</a:t>
-            </a:r>
-            <a:endParaRPr lang="fr-FR" sz="5400" dirty="0">
-              <a:latin typeface="Calibri" panose="020F0502020204030204" pitchFamily="34" charset="0"/>
-            </a:endParaRPr>
-          </a:p>
-        </p:txBody>
-      </p:sp>
-      <p:sp>
-        <p:nvSpPr>
-          <p:cNvPr id="2" name="ZoneTexte 1"/>
-          <p:cNvSpPr txBox="1"/>
-          <p:nvPr/>
-        </p:nvSpPr>
-        <p:spPr>
-          <a:xfrm>
-            <a:off x="457200" y="26139"/>
-            <a:ext cx="8686800" cy="1754326"/>
-          </a:xfrm>
-          <a:prstGeom prst="rect">
-            <a:avLst/>
-          </a:prstGeom>
-          <a:noFill/>
-        </p:spPr>
-        <p:txBody>
-          <a:bodyPr wrap="square" rtlCol="0">
-            <a:spAutoFit/>
-          </a:bodyPr>
-          <a:lstStyle/>
-          <a:p>
-            <a:r>
-              <a:rPr lang="fr-FR" sz="3600" dirty="0" smtClean="0">
-                <a:latin typeface="Courier New" panose="02070309020205020404" pitchFamily="49" charset="0"/>
-                <a:cs typeface="Courier New" panose="02070309020205020404" pitchFamily="49" charset="0"/>
-              </a:rPr>
-              <a:t>&gt;&gt;&gt; a = </a:t>
-            </a:r>
-            <a:r>
-              <a:rPr lang="fr-FR" sz="3600" dirty="0" smtClean="0">
-                <a:latin typeface="Courier New" panose="02070309020205020404" pitchFamily="49" charset="0"/>
-                <a:cs typeface="Courier New" panose="02070309020205020404" pitchFamily="49" charset="0"/>
-              </a:rPr>
-              <a:t>[1, [2]]</a:t>
-            </a:r>
-            <a:endParaRPr lang="fr-FR" sz="3600" dirty="0" smtClean="0">
-              <a:latin typeface="Courier New" panose="02070309020205020404" pitchFamily="49" charset="0"/>
-              <a:cs typeface="Courier New" panose="02070309020205020404" pitchFamily="49" charset="0"/>
-            </a:endParaRPr>
-          </a:p>
-          <a:p>
-            <a:r>
-              <a:rPr lang="fr-FR" sz="3600" dirty="0">
-                <a:latin typeface="Courier New" panose="02070309020205020404" pitchFamily="49" charset="0"/>
-                <a:cs typeface="Courier New" panose="02070309020205020404" pitchFamily="49" charset="0"/>
-              </a:rPr>
-              <a:t>&gt;&gt;&gt; </a:t>
-            </a:r>
-            <a:r>
-              <a:rPr lang="fr-FR" sz="3600" dirty="0" smtClean="0">
-                <a:latin typeface="Courier New" panose="02070309020205020404" pitchFamily="49" charset="0"/>
-                <a:cs typeface="Courier New" panose="02070309020205020404" pitchFamily="49" charset="0"/>
-              </a:rPr>
-              <a:t>b </a:t>
-            </a:r>
-            <a:r>
-              <a:rPr lang="fr-FR" sz="3600" dirty="0">
-                <a:latin typeface="Courier New" panose="02070309020205020404" pitchFamily="49" charset="0"/>
-                <a:cs typeface="Courier New" panose="02070309020205020404" pitchFamily="49" charset="0"/>
-              </a:rPr>
-              <a:t>= </a:t>
-            </a:r>
-            <a:r>
-              <a:rPr lang="fr-FR" sz="3600" dirty="0">
-                <a:latin typeface="Courier New" panose="02070309020205020404" pitchFamily="49" charset="0"/>
-                <a:cs typeface="Courier New" panose="02070309020205020404" pitchFamily="49" charset="0"/>
-              </a:rPr>
-              <a:t>a</a:t>
-            </a:r>
-            <a:r>
-              <a:rPr lang="fr-FR" sz="3600" dirty="0" smtClean="0">
-                <a:latin typeface="Courier New" panose="02070309020205020404" pitchFamily="49" charset="0"/>
-                <a:cs typeface="Courier New" panose="02070309020205020404" pitchFamily="49" charset="0"/>
-              </a:rPr>
-              <a:t>[:] #</a:t>
-            </a:r>
-            <a:r>
-              <a:rPr lang="fr-FR" sz="3600" dirty="0">
-                <a:latin typeface="Courier New" panose="02070309020205020404" pitchFamily="49" charset="0"/>
-                <a:cs typeface="Courier New" panose="02070309020205020404" pitchFamily="49" charset="0"/>
-              </a:rPr>
-              <a:t>copie </a:t>
-            </a:r>
-            <a:r>
-              <a:rPr lang="fr-FR" sz="3600" dirty="0" err="1">
-                <a:latin typeface="Courier New" panose="02070309020205020404" pitchFamily="49" charset="0"/>
-                <a:cs typeface="Courier New" panose="02070309020205020404" pitchFamily="49" charset="0"/>
-              </a:rPr>
-              <a:t>shallow</a:t>
-            </a:r>
-            <a:endParaRPr lang="fr-FR" sz="3600" dirty="0" smtClean="0">
-              <a:latin typeface="Courier New" panose="02070309020205020404" pitchFamily="49" charset="0"/>
-              <a:cs typeface="Courier New" panose="02070309020205020404" pitchFamily="49" charset="0"/>
-            </a:endParaRPr>
-          </a:p>
-          <a:p>
-            <a:r>
-              <a:rPr lang="fr-FR" sz="3600" dirty="0" smtClean="0">
-                <a:latin typeface="Courier New" panose="02070309020205020404" pitchFamily="49" charset="0"/>
-                <a:cs typeface="Courier New" panose="02070309020205020404" pitchFamily="49" charset="0"/>
-              </a:rPr>
-              <a:t>&gt;&gt;&gt; a[1][0] </a:t>
-            </a:r>
-            <a:r>
-              <a:rPr lang="fr-FR" sz="3600" dirty="0">
-                <a:latin typeface="Courier New" panose="02070309020205020404" pitchFamily="49" charset="0"/>
-                <a:cs typeface="Courier New" panose="02070309020205020404" pitchFamily="49" charset="0"/>
-              </a:rPr>
-              <a:t>= 'spam'</a:t>
-            </a:r>
-            <a:endParaRPr lang="fr-FR" sz="3600" dirty="0">
-              <a:latin typeface="Courier New" panose="02070309020205020404" pitchFamily="49" charset="0"/>
-              <a:cs typeface="Courier New" panose="02070309020205020404" pitchFamily="49" charset="0"/>
-            </a:endParaRPr>
-          </a:p>
-        </p:txBody>
-      </p:sp>
-      <p:sp>
-        <p:nvSpPr>
-          <p:cNvPr id="8" name="ZoneTexte 7"/>
-          <p:cNvSpPr txBox="1"/>
-          <p:nvPr/>
-        </p:nvSpPr>
-        <p:spPr>
-          <a:xfrm>
-            <a:off x="4853177" y="4259667"/>
-            <a:ext cx="1089358" cy="584775"/>
-          </a:xfrm>
-          <a:prstGeom prst="rect">
-            <a:avLst/>
-          </a:prstGeom>
-          <a:noFill/>
-          <a:ln w="38100">
-            <a:solidFill>
-              <a:schemeClr val="tx1"/>
-            </a:solidFill>
-          </a:ln>
-        </p:spPr>
-        <p:txBody>
-          <a:bodyPr wrap="square" rtlCol="0">
-            <a:spAutoFit/>
-          </a:bodyPr>
-          <a:lstStyle/>
-          <a:p>
-            <a:pPr algn="ctr"/>
-            <a:r>
-              <a:rPr lang="fr-FR" sz="3200" dirty="0" smtClean="0">
-                <a:latin typeface="Calibri" panose="020F0502020204030204" pitchFamily="34" charset="0"/>
-              </a:rPr>
-              <a:t>[ , ]</a:t>
-            </a:r>
-            <a:endParaRPr lang="fr-FR" sz="3200" dirty="0">
-              <a:latin typeface="Calibri" panose="020F0502020204030204" pitchFamily="34" charset="0"/>
-            </a:endParaRPr>
-          </a:p>
-        </p:txBody>
-      </p:sp>
-      <p:sp>
-        <p:nvSpPr>
-          <p:cNvPr id="9" name="ZoneTexte 8"/>
-          <p:cNvSpPr txBox="1"/>
-          <p:nvPr/>
-        </p:nvSpPr>
-        <p:spPr>
-          <a:xfrm>
-            <a:off x="1854778" y="3995364"/>
-            <a:ext cx="1080654" cy="923330"/>
-          </a:xfrm>
-          <a:prstGeom prst="rect">
-            <a:avLst/>
-          </a:prstGeom>
-          <a:noFill/>
-        </p:spPr>
-        <p:txBody>
-          <a:bodyPr wrap="square" rtlCol="0">
-            <a:spAutoFit/>
-          </a:bodyPr>
-          <a:lstStyle/>
-          <a:p>
-            <a:r>
-              <a:rPr lang="fr-FR" sz="5400" dirty="0">
-                <a:latin typeface="Calibri" panose="020F0502020204030204" pitchFamily="34" charset="0"/>
-              </a:rPr>
-              <a:t>a</a:t>
-            </a:r>
-            <a:endParaRPr lang="fr-FR" sz="5400" dirty="0" smtClean="0">
-              <a:latin typeface="Calibri" panose="020F0502020204030204" pitchFamily="34" charset="0"/>
-            </a:endParaRPr>
-          </a:p>
-        </p:txBody>
-      </p:sp>
-      <p:sp>
-        <p:nvSpPr>
-          <p:cNvPr id="12" name="Forme libre 11"/>
-          <p:cNvSpPr/>
-          <p:nvPr/>
-        </p:nvSpPr>
-        <p:spPr bwMode="auto">
-          <a:xfrm>
-            <a:off x="2348345" y="3935887"/>
-            <a:ext cx="2467233" cy="641368"/>
-          </a:xfrm>
-          <a:custGeom>
-            <a:avLst/>
-            <a:gdLst>
-              <a:gd name="connsiteX0" fmla="*/ 0 w 3366654"/>
-              <a:gd name="connsiteY0" fmla="*/ 1144751 h 1144751"/>
-              <a:gd name="connsiteX1" fmla="*/ 1371600 w 3366654"/>
-              <a:gd name="connsiteY1" fmla="*/ 1751 h 1144751"/>
-              <a:gd name="connsiteX2" fmla="*/ 3366654 w 3366654"/>
-              <a:gd name="connsiteY2" fmla="*/ 936933 h 1144751"/>
-              <a:gd name="connsiteX0" fmla="*/ 0 w 3366654"/>
-              <a:gd name="connsiteY0" fmla="*/ 1103340 h 1103340"/>
-              <a:gd name="connsiteX1" fmla="*/ 1799729 w 3366654"/>
-              <a:gd name="connsiteY1" fmla="*/ 1904 h 1103340"/>
-              <a:gd name="connsiteX2" fmla="*/ 3366654 w 3366654"/>
-              <a:gd name="connsiteY2" fmla="*/ 895522 h 1103340"/>
-              <a:gd name="connsiteX0" fmla="*/ 0 w 3366654"/>
-              <a:gd name="connsiteY0" fmla="*/ 1103340 h 1103340"/>
-              <a:gd name="connsiteX1" fmla="*/ 1799729 w 3366654"/>
-              <a:gd name="connsiteY1" fmla="*/ 1904 h 1103340"/>
-              <a:gd name="connsiteX2" fmla="*/ 3366654 w 3366654"/>
-              <a:gd name="connsiteY2" fmla="*/ 895522 h 1103340"/>
-              <a:gd name="connsiteX0" fmla="*/ 0 w 3366654"/>
-              <a:gd name="connsiteY0" fmla="*/ 1101768 h 1101768"/>
-              <a:gd name="connsiteX1" fmla="*/ 1799729 w 3366654"/>
-              <a:gd name="connsiteY1" fmla="*/ 332 h 1101768"/>
-              <a:gd name="connsiteX2" fmla="*/ 3366654 w 3366654"/>
-              <a:gd name="connsiteY2" fmla="*/ 893950 h 1101768"/>
-              <a:gd name="connsiteX0" fmla="*/ 0 w 3388609"/>
-              <a:gd name="connsiteY0" fmla="*/ 1101633 h 1193102"/>
-              <a:gd name="connsiteX1" fmla="*/ 1799729 w 3388609"/>
-              <a:gd name="connsiteY1" fmla="*/ 197 h 1193102"/>
-              <a:gd name="connsiteX2" fmla="*/ 3388609 w 3388609"/>
-              <a:gd name="connsiteY2" fmla="*/ 1193102 h 1193102"/>
-              <a:gd name="connsiteX0" fmla="*/ 0 w 2310357"/>
-              <a:gd name="connsiteY0" fmla="*/ 1101680 h 1101680"/>
-              <a:gd name="connsiteX1" fmla="*/ 1799729 w 2310357"/>
-              <a:gd name="connsiteY1" fmla="*/ 244 h 1101680"/>
-              <a:gd name="connsiteX2" fmla="*/ 2310357 w 2310357"/>
-              <a:gd name="connsiteY2" fmla="*/ 1049048 h 1101680"/>
-              <a:gd name="connsiteX0" fmla="*/ 0 w 2310357"/>
-              <a:gd name="connsiteY0" fmla="*/ 551639 h 551639"/>
-              <a:gd name="connsiteX1" fmla="*/ 880043 w 2310357"/>
-              <a:gd name="connsiteY1" fmla="*/ 2589 h 551639"/>
-              <a:gd name="connsiteX2" fmla="*/ 2310357 w 2310357"/>
-              <a:gd name="connsiteY2" fmla="*/ 499007 h 551639"/>
-              <a:gd name="connsiteX0" fmla="*/ 0 w 2310357"/>
-              <a:gd name="connsiteY0" fmla="*/ 909663 h 909663"/>
-              <a:gd name="connsiteX1" fmla="*/ 1102036 w 2310357"/>
-              <a:gd name="connsiteY1" fmla="*/ 360 h 909663"/>
-              <a:gd name="connsiteX2" fmla="*/ 2310357 w 2310357"/>
-              <a:gd name="connsiteY2" fmla="*/ 857031 h 909663"/>
-            </a:gdLst>
-            <a:ahLst/>
-            <a:cxnLst>
-              <a:cxn ang="0">
-                <a:pos x="connsiteX0" y="connsiteY0"/>
-              </a:cxn>
-              <a:cxn ang="0">
-                <a:pos x="connsiteX1" y="connsiteY1"/>
-              </a:cxn>
-              <a:cxn ang="0">
-                <a:pos x="connsiteX2" y="connsiteY2"/>
-              </a:cxn>
-            </a:cxnLst>
-            <a:rect l="l" t="t" r="r" b="b"/>
-            <a:pathLst>
-              <a:path w="2310357" h="909663">
-                <a:moveTo>
-                  <a:pt x="0" y="909663"/>
-                </a:moveTo>
-                <a:cubicBezTo>
-                  <a:pt x="405245" y="355481"/>
-                  <a:pt x="463085" y="14214"/>
-                  <a:pt x="1102036" y="360"/>
-                </a:cubicBezTo>
-                <a:cubicBezTo>
-                  <a:pt x="1740987" y="-13494"/>
-                  <a:pt x="1593384" y="372122"/>
-                  <a:pt x="2310357" y="857031"/>
-                </a:cubicBezTo>
-              </a:path>
-            </a:pathLst>
-          </a:custGeom>
-          <a:noFill/>
-          <a:ln w="38100" cap="flat" cmpd="sng" algn="ctr">
-            <a:solidFill>
-              <a:schemeClr val="tx1"/>
-            </a:solidFill>
-            <a:prstDash val="solid"/>
-            <a:round/>
-            <a:headEnd type="none" w="med" len="med"/>
-            <a:tailEnd type="triangle" w="lg" len="lg"/>
-          </a:ln>
-          <a:effectLst/>
-        </p:spPr>
-        <p:txBody>
-          <a:bodyPr rtlCol="0" anchor="ctr"/>
-          <a:lstStyle/>
-          <a:p>
-            <a:pPr algn="ctr"/>
-            <a:endParaRPr lang="fr-FR"/>
-          </a:p>
-        </p:txBody>
-      </p:sp>
-      <p:sp>
-        <p:nvSpPr>
-          <p:cNvPr id="14" name="ZoneTexte 13"/>
-          <p:cNvSpPr txBox="1"/>
-          <p:nvPr/>
-        </p:nvSpPr>
-        <p:spPr>
-          <a:xfrm>
-            <a:off x="6611052" y="2407120"/>
-            <a:ext cx="585532" cy="923330"/>
-          </a:xfrm>
-          <a:prstGeom prst="rect">
-            <a:avLst/>
-          </a:prstGeom>
-          <a:noFill/>
-        </p:spPr>
-        <p:txBody>
-          <a:bodyPr wrap="square" rtlCol="0">
-            <a:spAutoFit/>
-          </a:bodyPr>
-          <a:lstStyle/>
-          <a:p>
-            <a:r>
-              <a:rPr lang="fr-FR" sz="5400" dirty="0" smtClean="0">
-                <a:solidFill>
-                  <a:srgbClr val="FF0000"/>
-                </a:solidFill>
-                <a:latin typeface="Calibri" panose="020F0502020204030204" pitchFamily="34" charset="0"/>
-              </a:rPr>
-              <a:t>X</a:t>
-            </a:r>
-            <a:endParaRPr lang="fr-FR" sz="5400" dirty="0">
-              <a:solidFill>
-                <a:srgbClr val="FF0000"/>
-              </a:solidFill>
-              <a:latin typeface="Calibri" panose="020F0502020204030204" pitchFamily="34" charset="0"/>
-            </a:endParaRPr>
-          </a:p>
-        </p:txBody>
-      </p:sp>
-      <p:sp>
-        <p:nvSpPr>
-          <p:cNvPr id="15" name="ZoneTexte 14"/>
-          <p:cNvSpPr txBox="1"/>
-          <p:nvPr/>
-        </p:nvSpPr>
-        <p:spPr>
-          <a:xfrm>
-            <a:off x="6509008" y="5675688"/>
-            <a:ext cx="1517382" cy="584775"/>
-          </a:xfrm>
-          <a:prstGeom prst="rect">
-            <a:avLst/>
-          </a:prstGeom>
-          <a:noFill/>
-          <a:ln w="38100">
-            <a:solidFill>
-              <a:schemeClr val="tx1"/>
-            </a:solidFill>
-          </a:ln>
-        </p:spPr>
-        <p:txBody>
-          <a:bodyPr wrap="square" rtlCol="0">
-            <a:spAutoFit/>
-          </a:bodyPr>
-          <a:lstStyle/>
-          <a:p>
-            <a:pPr algn="ctr"/>
-            <a:r>
-              <a:rPr lang="fr-FR" sz="3200" dirty="0">
-                <a:latin typeface="Calibri" panose="020F0502020204030204" pitchFamily="34" charset="0"/>
-                <a:cs typeface="Courier New" panose="02070309020205020404" pitchFamily="49" charset="0"/>
-              </a:rPr>
-              <a:t>'spam'</a:t>
-            </a:r>
-            <a:endParaRPr lang="fr-FR" sz="3200" dirty="0">
-              <a:latin typeface="Calibri" panose="020F0502020204030204" pitchFamily="34" charset="0"/>
-            </a:endParaRPr>
-          </a:p>
-        </p:txBody>
-      </p:sp>
-      <p:sp>
-        <p:nvSpPr>
-          <p:cNvPr id="16" name="ZoneTexte 15"/>
-          <p:cNvSpPr txBox="1"/>
-          <p:nvPr/>
-        </p:nvSpPr>
-        <p:spPr>
-          <a:xfrm>
-            <a:off x="1854778" y="4930353"/>
-            <a:ext cx="1080654" cy="923330"/>
-          </a:xfrm>
-          <a:prstGeom prst="rect">
-            <a:avLst/>
-          </a:prstGeom>
-          <a:noFill/>
-        </p:spPr>
-        <p:txBody>
-          <a:bodyPr wrap="square" rtlCol="0">
-            <a:spAutoFit/>
-          </a:bodyPr>
-          <a:lstStyle/>
-          <a:p>
-            <a:r>
-              <a:rPr lang="fr-FR" sz="5400" dirty="0">
-                <a:latin typeface="Calibri" panose="020F0502020204030204" pitchFamily="34" charset="0"/>
-              </a:rPr>
-              <a:t>b</a:t>
-            </a:r>
-            <a:endParaRPr lang="fr-FR" sz="5400" dirty="0" smtClean="0">
-              <a:latin typeface="Calibri" panose="020F0502020204030204" pitchFamily="34" charset="0"/>
-            </a:endParaRPr>
-          </a:p>
-        </p:txBody>
-      </p:sp>
-      <p:sp>
-        <p:nvSpPr>
-          <p:cNvPr id="11" name="Forme libre 10"/>
-          <p:cNvSpPr/>
-          <p:nvPr/>
-        </p:nvSpPr>
-        <p:spPr bwMode="auto">
-          <a:xfrm>
-            <a:off x="2576945" y="4904036"/>
-            <a:ext cx="4550923" cy="525317"/>
-          </a:xfrm>
-          <a:custGeom>
-            <a:avLst/>
-            <a:gdLst>
-              <a:gd name="connsiteX0" fmla="*/ 0 w 3283528"/>
-              <a:gd name="connsiteY0" fmla="*/ 810491 h 820516"/>
-              <a:gd name="connsiteX1" fmla="*/ 1724891 w 3283528"/>
-              <a:gd name="connsiteY1" fmla="*/ 706581 h 820516"/>
-              <a:gd name="connsiteX2" fmla="*/ 3283528 w 3283528"/>
-              <a:gd name="connsiteY2" fmla="*/ 0 h 820516"/>
-              <a:gd name="connsiteX0" fmla="*/ 0 w 3365590"/>
-              <a:gd name="connsiteY0" fmla="*/ 740152 h 747951"/>
-              <a:gd name="connsiteX1" fmla="*/ 1724891 w 3365590"/>
-              <a:gd name="connsiteY1" fmla="*/ 636242 h 747951"/>
-              <a:gd name="connsiteX2" fmla="*/ 3365590 w 3365590"/>
-              <a:gd name="connsiteY2" fmla="*/ 0 h 747951"/>
-              <a:gd name="connsiteX0" fmla="*/ 0 w 2197190"/>
-              <a:gd name="connsiteY0" fmla="*/ 774019 h 782829"/>
-              <a:gd name="connsiteX1" fmla="*/ 1724891 w 2197190"/>
-              <a:gd name="connsiteY1" fmla="*/ 670109 h 782829"/>
-              <a:gd name="connsiteX2" fmla="*/ 2197190 w 2197190"/>
-              <a:gd name="connsiteY2" fmla="*/ 0 h 782829"/>
-              <a:gd name="connsiteX0" fmla="*/ 0 w 2197190"/>
-              <a:gd name="connsiteY0" fmla="*/ 774019 h 776050"/>
-              <a:gd name="connsiteX1" fmla="*/ 1233824 w 2197190"/>
-              <a:gd name="connsiteY1" fmla="*/ 585443 h 776050"/>
-              <a:gd name="connsiteX2" fmla="*/ 2197190 w 2197190"/>
-              <a:gd name="connsiteY2" fmla="*/ 0 h 776050"/>
-              <a:gd name="connsiteX0" fmla="*/ 0 w 4550923"/>
-              <a:gd name="connsiteY0" fmla="*/ 520019 h 521422"/>
-              <a:gd name="connsiteX1" fmla="*/ 1233824 w 4550923"/>
-              <a:gd name="connsiteY1" fmla="*/ 331443 h 521422"/>
-              <a:gd name="connsiteX2" fmla="*/ 4550923 w 4550923"/>
-              <a:gd name="connsiteY2" fmla="*/ 0 h 521422"/>
-              <a:gd name="connsiteX0" fmla="*/ 0 w 4550923"/>
-              <a:gd name="connsiteY0" fmla="*/ 520019 h 525317"/>
-              <a:gd name="connsiteX1" fmla="*/ 2469957 w 4550923"/>
-              <a:gd name="connsiteY1" fmla="*/ 433043 h 525317"/>
-              <a:gd name="connsiteX2" fmla="*/ 4550923 w 4550923"/>
-              <a:gd name="connsiteY2" fmla="*/ 0 h 525317"/>
-            </a:gdLst>
-            <a:ahLst/>
-            <a:cxnLst>
-              <a:cxn ang="0">
-                <a:pos x="connsiteX0" y="connsiteY0"/>
-              </a:cxn>
-              <a:cxn ang="0">
-                <a:pos x="connsiteX1" y="connsiteY1"/>
-              </a:cxn>
-              <a:cxn ang="0">
-                <a:pos x="connsiteX2" y="connsiteY2"/>
-              </a:cxn>
-            </a:cxnLst>
-            <a:rect l="l" t="t" r="r" b="b"/>
-            <a:pathLst>
-              <a:path w="4550923" h="525317">
-                <a:moveTo>
-                  <a:pt x="0" y="520019"/>
-                </a:moveTo>
-                <a:cubicBezTo>
-                  <a:pt x="588818" y="535605"/>
-                  <a:pt x="1711470" y="519713"/>
-                  <a:pt x="2469957" y="433043"/>
-                </a:cubicBezTo>
-                <a:cubicBezTo>
-                  <a:pt x="3228444" y="346373"/>
-                  <a:pt x="4045232" y="285749"/>
-                  <a:pt x="4550923" y="0"/>
-                </a:cubicBezTo>
-              </a:path>
-            </a:pathLst>
-          </a:custGeom>
-          <a:noFill/>
-          <a:ln w="38100" cap="flat" cmpd="sng" algn="ctr">
-            <a:solidFill>
-              <a:schemeClr val="tx1"/>
-            </a:solidFill>
-            <a:prstDash val="solid"/>
-            <a:round/>
-            <a:headEnd type="none" w="med" len="med"/>
-            <a:tailEnd type="triangle" w="lg" len="lg"/>
-          </a:ln>
-          <a:effectLst/>
-        </p:spPr>
-        <p:txBody>
-          <a:bodyPr rtlCol="0" anchor="ctr"/>
-          <a:lstStyle/>
-          <a:p>
-            <a:pPr algn="ctr"/>
-            <a:endParaRPr lang="fr-FR"/>
-          </a:p>
-        </p:txBody>
-      </p:sp>
-      <p:sp>
-        <p:nvSpPr>
-          <p:cNvPr id="17" name="ZoneTexte 16"/>
-          <p:cNvSpPr txBox="1"/>
-          <p:nvPr/>
-        </p:nvSpPr>
-        <p:spPr>
-          <a:xfrm>
-            <a:off x="4857944" y="3036040"/>
-            <a:ext cx="781672" cy="584775"/>
-          </a:xfrm>
-          <a:prstGeom prst="rect">
-            <a:avLst/>
-          </a:prstGeom>
-          <a:noFill/>
-          <a:ln w="38100">
-            <a:solidFill>
-              <a:schemeClr val="tx1"/>
-            </a:solidFill>
-          </a:ln>
-        </p:spPr>
-        <p:txBody>
-          <a:bodyPr wrap="square" rtlCol="0">
-            <a:spAutoFit/>
-          </a:bodyPr>
-          <a:lstStyle/>
-          <a:p>
-            <a:pPr algn="ctr"/>
-            <a:r>
-              <a:rPr lang="fr-FR" sz="3200" dirty="0">
-                <a:latin typeface="Calibri" panose="020F0502020204030204" pitchFamily="34" charset="0"/>
-              </a:rPr>
-              <a:t>1</a:t>
-            </a:r>
-            <a:endParaRPr lang="fr-FR" sz="3200" dirty="0">
-              <a:latin typeface="Calibri" panose="020F0502020204030204" pitchFamily="34" charset="0"/>
-            </a:endParaRPr>
-          </a:p>
-        </p:txBody>
-      </p:sp>
-      <p:sp>
-        <p:nvSpPr>
-          <p:cNvPr id="18" name="ZoneTexte 17"/>
-          <p:cNvSpPr txBox="1"/>
-          <p:nvPr/>
-        </p:nvSpPr>
-        <p:spPr>
-          <a:xfrm>
-            <a:off x="7087766" y="3036040"/>
-            <a:ext cx="781672" cy="584775"/>
-          </a:xfrm>
-          <a:prstGeom prst="rect">
-            <a:avLst/>
-          </a:prstGeom>
-          <a:noFill/>
-          <a:ln w="38100">
-            <a:solidFill>
-              <a:schemeClr val="tx1"/>
-            </a:solidFill>
-          </a:ln>
-        </p:spPr>
-        <p:txBody>
-          <a:bodyPr wrap="square" rtlCol="0">
-            <a:spAutoFit/>
-          </a:bodyPr>
-          <a:lstStyle/>
-          <a:p>
-            <a:pPr algn="ctr"/>
-            <a:r>
-              <a:rPr lang="fr-FR" sz="3200" dirty="0" smtClean="0">
-                <a:latin typeface="Calibri" panose="020F0502020204030204" pitchFamily="34" charset="0"/>
-              </a:rPr>
-              <a:t>2</a:t>
-            </a:r>
-            <a:endParaRPr lang="fr-FR" sz="3200" dirty="0">
-              <a:latin typeface="Calibri" panose="020F0502020204030204" pitchFamily="34" charset="0"/>
-            </a:endParaRPr>
-          </a:p>
-        </p:txBody>
-      </p:sp>
-      <p:sp>
-        <p:nvSpPr>
-          <p:cNvPr id="10" name="Forme libre 9"/>
-          <p:cNvSpPr/>
-          <p:nvPr/>
-        </p:nvSpPr>
-        <p:spPr bwMode="auto">
-          <a:xfrm>
-            <a:off x="5014083" y="3592451"/>
+            <a:off x="3543644" y="2743082"/>
             <a:ext cx="316785" cy="1017100"/>
           </a:xfrm>
           <a:custGeom>
@@ -17612,7 +14835,7 @@
         </p:nvSpPr>
         <p:spPr bwMode="auto">
           <a:xfrm>
-            <a:off x="5498075" y="3648905"/>
+            <a:off x="4027636" y="2799537"/>
             <a:ext cx="780277" cy="959813"/>
           </a:xfrm>
           <a:custGeom>
@@ -17709,7 +14932,7 @@
         </p:nvSpPr>
         <p:spPr bwMode="auto">
           <a:xfrm>
-            <a:off x="6395637" y="3369386"/>
+            <a:off x="4925198" y="2520018"/>
             <a:ext cx="1678473" cy="2277203"/>
           </a:xfrm>
           <a:custGeom>
@@ -17830,7 +15053,7 @@
         </p:nvSpPr>
         <p:spPr>
           <a:xfrm>
-            <a:off x="6674028" y="4276151"/>
+            <a:off x="5203588" y="3426783"/>
             <a:ext cx="1089358" cy="584775"/>
           </a:xfrm>
           <a:prstGeom prst="rect">
@@ -17851,7 +15074,7 @@
           <a:p>
             <a:pPr algn="ctr"/>
             <a:r>
-              <a:rPr lang="fr-FR" sz="3200" dirty="0" smtClean="0">
+              <a:rPr lang="fr-FR" sz="3200" dirty="0">
                 <a:latin typeface="Calibri" panose="020F0502020204030204" pitchFamily="34" charset="0"/>
               </a:rPr>
               <a:t>[ , ]</a:t>
@@ -17870,7 +15093,7 @@
         </p:nvSpPr>
         <p:spPr bwMode="auto">
           <a:xfrm>
-            <a:off x="5387486" y="3621975"/>
+            <a:off x="3917047" y="2772606"/>
             <a:ext cx="1749585" cy="985652"/>
           </a:xfrm>
           <a:custGeom>
@@ -17979,7 +15202,7 @@
         </p:nvSpPr>
         <p:spPr bwMode="auto">
           <a:xfrm>
-            <a:off x="6365175" y="3621974"/>
+            <a:off x="4894735" y="2772606"/>
             <a:ext cx="961902" cy="973777"/>
           </a:xfrm>
           <a:custGeom>
@@ -18070,7 +15293,7 @@
         </p:nvSpPr>
         <p:spPr>
           <a:xfrm>
-            <a:off x="5962971" y="3036040"/>
+            <a:off x="4492532" y="2186672"/>
             <a:ext cx="790073" cy="584775"/>
           </a:xfrm>
           <a:prstGeom prst="rect">
@@ -18091,7 +15314,7 @@
           <a:p>
             <a:pPr algn="ctr"/>
             <a:r>
-              <a:rPr lang="fr-FR" sz="3200" dirty="0" smtClean="0">
+              <a:rPr lang="fr-FR" sz="3200" dirty="0">
                 <a:latin typeface="Calibri" panose="020F0502020204030204" pitchFamily="34" charset="0"/>
               </a:rPr>
               <a:t>[ ]</a:t>
@@ -18110,7 +15333,7 @@
         </p:nvSpPr>
         <p:spPr bwMode="auto">
           <a:xfrm>
-            <a:off x="6353299" y="2806788"/>
+            <a:off x="4882859" y="1957420"/>
             <a:ext cx="1128156" cy="447051"/>
           </a:xfrm>
           <a:custGeom>
@@ -19561,7 +16784,7 @@
 </p:sld>
 </file>
 
-<file path=ppt/slides/slide7.xml><?xml version="1.0" encoding="utf-8"?>
+<file path=ppt/slides/slide6.xml><?xml version="1.0" encoding="utf-8"?>
 <p:sld xmlns:a="http://schemas.openxmlformats.org/drawingml/2006/main" xmlns:r="http://schemas.openxmlformats.org/officeDocument/2006/relationships" xmlns:p="http://schemas.openxmlformats.org/presentationml/2006/main">
   <p:cSld>
     <p:spTree>
@@ -19586,8 +16809,8 @@
         </p:nvSpPr>
         <p:spPr bwMode="auto">
           <a:xfrm>
-            <a:off x="4622800" y="2779893"/>
-            <a:ext cx="3548185" cy="3948335"/>
+            <a:off x="6122738" y="2650095"/>
+            <a:ext cx="3646774" cy="4080933"/>
           </a:xfrm>
           <a:prstGeom prst="rect">
             <a:avLst/>
@@ -19613,32 +16836,12 @@
           </a:bodyPr>
           <a:lstStyle/>
           <a:p>
-            <a:pPr marL="0" marR="0" indent="0" algn="ctr" defTabSz="914400" rtl="0" eaLnBrk="1" fontAlgn="base" latinLnBrk="0" hangingPunct="1">
-              <a:lnSpc>
-                <a:spcPct val="100000"/>
-              </a:lnSpc>
+            <a:pPr algn="ctr">
               <a:spcBef>
                 <a:spcPct val="50000"/>
               </a:spcBef>
-              <a:spcAft>
-                <a:spcPct val="0"/>
-              </a:spcAft>
-              <a:buClrTx/>
-              <a:buSzTx/>
-              <a:buFontTx/>
-              <a:buNone/>
-              <a:tabLst/>
             </a:pPr>
-            <a:endParaRPr kumimoji="0" lang="fr-FR" sz="2400" b="0" i="0" u="none" strike="noStrike" cap="none" normalizeH="0" baseline="0" smtClean="0">
-              <a:ln>
-                <a:noFill/>
-              </a:ln>
-              <a:solidFill>
-                <a:schemeClr val="tx1"/>
-              </a:solidFill>
-              <a:effectLst/>
-              <a:latin typeface="Comic Sans MS" pitchFamily="66" charset="0"/>
-            </a:endParaRPr>
+            <a:endParaRPr lang="fr-FR"/>
           </a:p>
         </p:txBody>
       </p:sp>
@@ -19650,7 +16853,7 @@
         </p:nvSpPr>
         <p:spPr>
           <a:xfrm>
-            <a:off x="5193323" y="1835674"/>
+            <a:off x="7024826" y="1822579"/>
             <a:ext cx="3454400" cy="923330"/>
           </a:xfrm>
           <a:prstGeom prst="rect">
@@ -19665,7 +16868,7 @@
           <a:lstStyle/>
           <a:p>
             <a:r>
-              <a:rPr lang="fr-FR" sz="5400" dirty="0" smtClean="0">
+              <a:rPr lang="fr-FR" sz="5400" dirty="0">
                 <a:latin typeface="Calibri" panose="020F0502020204030204" pitchFamily="34" charset="0"/>
               </a:rPr>
               <a:t>objets</a:t>
@@ -19684,8 +16887,8 @@
         </p:nvSpPr>
         <p:spPr bwMode="auto">
           <a:xfrm>
-            <a:off x="457200" y="2779894"/>
-            <a:ext cx="3548185" cy="3948335"/>
+            <a:off x="1957138" y="2650095"/>
+            <a:ext cx="3483891" cy="4080933"/>
           </a:xfrm>
           <a:prstGeom prst="rect">
             <a:avLst/>
@@ -19711,32 +16914,12 @@
           </a:bodyPr>
           <a:lstStyle/>
           <a:p>
-            <a:pPr marL="0" marR="0" indent="0" algn="ctr" defTabSz="914400" rtl="0" eaLnBrk="1" fontAlgn="base" latinLnBrk="0" hangingPunct="1">
-              <a:lnSpc>
-                <a:spcPct val="100000"/>
-              </a:lnSpc>
+            <a:pPr algn="ctr">
               <a:spcBef>
                 <a:spcPct val="50000"/>
               </a:spcBef>
-              <a:spcAft>
-                <a:spcPct val="0"/>
-              </a:spcAft>
-              <a:buClrTx/>
-              <a:buSzTx/>
-              <a:buFontTx/>
-              <a:buNone/>
-              <a:tabLst/>
             </a:pPr>
-            <a:endParaRPr kumimoji="0" lang="fr-FR" sz="2400" b="0" i="0" u="none" strike="noStrike" cap="none" normalizeH="0" baseline="0" smtClean="0">
-              <a:ln>
-                <a:noFill/>
-              </a:ln>
-              <a:solidFill>
-                <a:schemeClr val="tx1"/>
-              </a:solidFill>
-              <a:effectLst/>
-              <a:latin typeface="Comic Sans MS" pitchFamily="66" charset="0"/>
-            </a:endParaRPr>
+            <a:endParaRPr lang="fr-FR"/>
           </a:p>
         </p:txBody>
       </p:sp>
@@ -19748,7 +16931,7 @@
         </p:nvSpPr>
         <p:spPr>
           <a:xfrm>
-            <a:off x="864489" y="1864452"/>
+            <a:off x="2364426" y="1875286"/>
             <a:ext cx="3454400" cy="923330"/>
           </a:xfrm>
           <a:prstGeom prst="rect">
@@ -19763,7 +16946,7 @@
           <a:lstStyle/>
           <a:p>
             <a:r>
-              <a:rPr lang="fr-FR" sz="5400" dirty="0" smtClean="0">
+              <a:rPr lang="fr-FR" sz="5400" dirty="0">
                 <a:latin typeface="Calibri" panose="020F0502020204030204" pitchFamily="34" charset="0"/>
               </a:rPr>
               <a:t>variables</a:t>
@@ -19782,7 +16965,7 @@
         </p:nvSpPr>
         <p:spPr>
           <a:xfrm>
-            <a:off x="509006" y="-74262"/>
+            <a:off x="315802" y="-151"/>
             <a:ext cx="8686800" cy="2308324"/>
           </a:xfrm>
           <a:prstGeom prst="rect">
@@ -19797,32 +16980,21 @@
           <a:lstStyle/>
           <a:p>
             <a:r>
-              <a:rPr lang="fr-FR" sz="3600" dirty="0" smtClean="0">
+              <a:rPr lang="fr-FR" sz="3600" dirty="0">
                 <a:latin typeface="Courier New" panose="02070309020205020404" pitchFamily="49" charset="0"/>
                 <a:cs typeface="Courier New" panose="02070309020205020404" pitchFamily="49" charset="0"/>
               </a:rPr>
-              <a:t>&gt;&gt;&gt; a = </a:t>
+              <a:t>&gt;&gt;&gt; a = [1, [2]]</a:t>
             </a:r>
+          </a:p>
+          <a:p>
             <a:r>
-              <a:rPr lang="fr-FR" sz="3600" dirty="0" smtClean="0">
-                <a:latin typeface="Courier New" panose="02070309020205020404" pitchFamily="49" charset="0"/>
-                <a:cs typeface="Courier New" panose="02070309020205020404" pitchFamily="49" charset="0"/>
-              </a:rPr>
-              <a:t>[1, [2]]</a:t>
-            </a:r>
-          </a:p>
-          <a:p>
-            <a:r>
-              <a:rPr lang="fr-FR" sz="3600" dirty="0" smtClean="0">
+              <a:rPr lang="fr-FR" sz="3600" dirty="0">
                 <a:latin typeface="Courier New" panose="02070309020205020404" pitchFamily="49" charset="0"/>
                 <a:cs typeface="Courier New" panose="02070309020205020404" pitchFamily="49" charset="0"/>
               </a:rPr>
               <a:t>&gt;&gt;&gt; import copy</a:t>
             </a:r>
-            <a:endParaRPr lang="fr-FR" sz="3600" dirty="0" smtClean="0">
-              <a:latin typeface="Courier New" panose="02070309020205020404" pitchFamily="49" charset="0"/>
-              <a:cs typeface="Courier New" panose="02070309020205020404" pitchFamily="49" charset="0"/>
-            </a:endParaRPr>
           </a:p>
           <a:p>
             <a:r>
@@ -19833,21 +17005,21 @@
               <a:t>&gt;&gt;&gt; </a:t>
             </a:r>
             <a:r>
-              <a:rPr lang="fr-FR" sz="3600" dirty="0" smtClean="0">
+              <a:rPr lang="fr-FR" sz="3600" dirty="0">
                 <a:latin typeface="Courier New" panose="02070309020205020404" pitchFamily="49" charset="0"/>
                 <a:cs typeface="Courier New" panose="02070309020205020404" pitchFamily="49" charset="0"/>
               </a:rPr>
               <a:t>b = </a:t>
             </a:r>
             <a:r>
-              <a:rPr lang="fr-FR" sz="3600" dirty="0" err="1" smtClean="0">
+              <a:rPr lang="fr-FR" sz="3600" dirty="0" err="1">
                 <a:latin typeface="Courier New" panose="02070309020205020404" pitchFamily="49" charset="0"/>
                 <a:cs typeface="Courier New" panose="02070309020205020404" pitchFamily="49" charset="0"/>
               </a:rPr>
               <a:t>copy.deepcopy</a:t>
             </a:r>
             <a:r>
-              <a:rPr lang="fr-FR" sz="3600" dirty="0" smtClean="0">
+              <a:rPr lang="fr-FR" sz="3600" dirty="0">
                 <a:latin typeface="Courier New" panose="02070309020205020404" pitchFamily="49" charset="0"/>
                 <a:cs typeface="Courier New" panose="02070309020205020404" pitchFamily="49" charset="0"/>
               </a:rPr>
@@ -19856,7 +17028,7 @@
           </a:p>
           <a:p>
             <a:r>
-              <a:rPr lang="fr-FR" sz="3600" dirty="0" smtClean="0">
+              <a:rPr lang="fr-FR" sz="3600" dirty="0">
                 <a:latin typeface="Courier New" panose="02070309020205020404" pitchFamily="49" charset="0"/>
                 <a:cs typeface="Courier New" panose="02070309020205020404" pitchFamily="49" charset="0"/>
               </a:rPr>
@@ -19869,10 +17041,6 @@
               </a:rPr>
               <a:t>= 'spam'</a:t>
             </a:r>
-            <a:endParaRPr lang="fr-FR" sz="3600" dirty="0">
-              <a:latin typeface="Courier New" panose="02070309020205020404" pitchFamily="49" charset="0"/>
-              <a:cs typeface="Courier New" panose="02070309020205020404" pitchFamily="49" charset="0"/>
-            </a:endParaRPr>
           </a:p>
         </p:txBody>
       </p:sp>
@@ -19884,7 +17052,7 @@
         </p:nvSpPr>
         <p:spPr>
           <a:xfrm>
-            <a:off x="4853177" y="4259667"/>
+            <a:off x="6353114" y="4270502"/>
             <a:ext cx="1089358" cy="584775"/>
           </a:xfrm>
           <a:prstGeom prst="rect">
@@ -19905,7 +17073,7 @@
           <a:p>
             <a:pPr algn="ctr"/>
             <a:r>
-              <a:rPr lang="fr-FR" sz="3200" dirty="0" smtClean="0">
+              <a:rPr lang="fr-FR" sz="3200" dirty="0">
                 <a:latin typeface="Calibri" panose="020F0502020204030204" pitchFamily="34" charset="0"/>
               </a:rPr>
               <a:t>[ , ]</a:t>
@@ -19924,7 +17092,7 @@
         </p:nvSpPr>
         <p:spPr>
           <a:xfrm>
-            <a:off x="1854778" y="3995364"/>
+            <a:off x="3354715" y="4006198"/>
             <a:ext cx="1080654" cy="923330"/>
           </a:xfrm>
           <a:prstGeom prst="rect">
@@ -19944,7 +17112,7 @@
               </a:rPr>
               <a:t>a</a:t>
             </a:r>
-            <a:endParaRPr lang="fr-FR" sz="5400" dirty="0" smtClean="0">
+            <a:endParaRPr lang="fr-FR" sz="5400" dirty="0">
               <a:latin typeface="Calibri" panose="020F0502020204030204" pitchFamily="34" charset="0"/>
             </a:endParaRPr>
           </a:p>
@@ -19958,7 +17126,7 @@
         </p:nvSpPr>
         <p:spPr bwMode="auto">
           <a:xfrm>
-            <a:off x="2348345" y="3935887"/>
+            <a:off x="3848283" y="3946721"/>
             <a:ext cx="2467233" cy="641368"/>
           </a:xfrm>
           <a:custGeom>
@@ -20073,7 +17241,7 @@
         </p:nvSpPr>
         <p:spPr>
           <a:xfrm>
-            <a:off x="6611052" y="2407120"/>
+            <a:off x="8110989" y="2417954"/>
             <a:ext cx="585532" cy="923330"/>
           </a:xfrm>
           <a:prstGeom prst="rect">
@@ -20088,7 +17256,7 @@
           <a:lstStyle/>
           <a:p>
             <a:r>
-              <a:rPr lang="fr-FR" sz="5400" dirty="0" smtClean="0">
+              <a:rPr lang="fr-FR" sz="5400" dirty="0">
                 <a:solidFill>
                   <a:srgbClr val="FF0000"/>
                 </a:solidFill>
@@ -20113,7 +17281,7 @@
         </p:nvSpPr>
         <p:spPr>
           <a:xfrm>
-            <a:off x="6556728" y="6063231"/>
+            <a:off x="8056665" y="6074066"/>
             <a:ext cx="1517382" cy="584775"/>
           </a:xfrm>
           <a:prstGeom prst="rect">
@@ -20154,7 +17322,7 @@
         </p:nvSpPr>
         <p:spPr>
           <a:xfrm>
-            <a:off x="1854778" y="4930353"/>
+            <a:off x="3354715" y="4941187"/>
             <a:ext cx="1080654" cy="923330"/>
           </a:xfrm>
           <a:prstGeom prst="rect">
@@ -20174,7 +17342,7 @@
               </a:rPr>
               <a:t>b</a:t>
             </a:r>
-            <a:endParaRPr lang="fr-FR" sz="5400" dirty="0" smtClean="0">
+            <a:endParaRPr lang="fr-FR" sz="5400" dirty="0">
               <a:latin typeface="Calibri" panose="020F0502020204030204" pitchFamily="34" charset="0"/>
             </a:endParaRPr>
           </a:p>
@@ -20188,7 +17356,7 @@
         </p:nvSpPr>
         <p:spPr bwMode="auto">
           <a:xfrm>
-            <a:off x="2576945" y="4574852"/>
+            <a:off x="4076883" y="4585687"/>
             <a:ext cx="4099819" cy="849203"/>
           </a:xfrm>
           <a:custGeom>
@@ -20309,7 +17477,7 @@
         </p:nvSpPr>
         <p:spPr>
           <a:xfrm>
-            <a:off x="4857944" y="3036040"/>
+            <a:off x="6357881" y="3046875"/>
             <a:ext cx="781672" cy="584775"/>
           </a:xfrm>
           <a:prstGeom prst="rect">
@@ -20335,9 +17503,6 @@
               </a:rPr>
               <a:t>1</a:t>
             </a:r>
-            <a:endParaRPr lang="fr-FR" sz="3200" dirty="0">
-              <a:latin typeface="Calibri" panose="020F0502020204030204" pitchFamily="34" charset="0"/>
-            </a:endParaRPr>
           </a:p>
         </p:txBody>
       </p:sp>
@@ -20349,7 +17514,7 @@
         </p:nvSpPr>
         <p:spPr>
           <a:xfrm>
-            <a:off x="7087766" y="3036040"/>
+            <a:off x="8587703" y="3046875"/>
             <a:ext cx="781672" cy="584775"/>
           </a:xfrm>
           <a:prstGeom prst="rect">
@@ -20370,7 +17535,7 @@
           <a:p>
             <a:pPr algn="ctr"/>
             <a:r>
-              <a:rPr lang="fr-FR" sz="3200" dirty="0" smtClean="0">
+              <a:rPr lang="fr-FR" sz="3200" dirty="0">
                 <a:latin typeface="Calibri" panose="020F0502020204030204" pitchFamily="34" charset="0"/>
               </a:rPr>
               <a:t>2</a:t>
@@ -20389,7 +17554,7 @@
         </p:nvSpPr>
         <p:spPr bwMode="auto">
           <a:xfrm>
-            <a:off x="5014083" y="3592451"/>
+            <a:off x="6514021" y="3603285"/>
             <a:ext cx="316785" cy="1017100"/>
           </a:xfrm>
           <a:custGeom>
@@ -20486,7 +17651,7 @@
         </p:nvSpPr>
         <p:spPr bwMode="auto">
           <a:xfrm>
-            <a:off x="5498075" y="3648905"/>
+            <a:off x="6998013" y="3659740"/>
             <a:ext cx="780277" cy="959813"/>
           </a:xfrm>
           <a:custGeom>
@@ -20583,7 +17748,7 @@
         </p:nvSpPr>
         <p:spPr bwMode="auto">
           <a:xfrm>
-            <a:off x="6395638" y="3369386"/>
+            <a:off x="7895575" y="3380221"/>
             <a:ext cx="1712902" cy="2703923"/>
           </a:xfrm>
           <a:custGeom>
@@ -20710,7 +17875,7 @@
         </p:nvSpPr>
         <p:spPr>
           <a:xfrm>
-            <a:off x="6674028" y="4276151"/>
+            <a:off x="8173965" y="4286986"/>
             <a:ext cx="1089358" cy="584775"/>
           </a:xfrm>
           <a:prstGeom prst="rect">
@@ -20731,7 +17896,7 @@
           <a:p>
             <a:pPr algn="ctr"/>
             <a:r>
-              <a:rPr lang="fr-FR" sz="3200" dirty="0" smtClean="0">
+              <a:rPr lang="fr-FR" sz="3200" dirty="0">
                 <a:latin typeface="Calibri" panose="020F0502020204030204" pitchFamily="34" charset="0"/>
               </a:rPr>
               <a:t>[ , ]</a:t>
@@ -20750,7 +17915,7 @@
         </p:nvSpPr>
         <p:spPr>
           <a:xfrm>
-            <a:off x="5962971" y="3036040"/>
+            <a:off x="7462909" y="3046875"/>
             <a:ext cx="790073" cy="584775"/>
           </a:xfrm>
           <a:prstGeom prst="rect">
@@ -20771,7 +17936,7 @@
           <a:p>
             <a:pPr algn="ctr"/>
             <a:r>
-              <a:rPr lang="fr-FR" sz="3200" dirty="0" smtClean="0">
+              <a:rPr lang="fr-FR" sz="3200" dirty="0">
                 <a:latin typeface="Calibri" panose="020F0502020204030204" pitchFamily="34" charset="0"/>
               </a:rPr>
               <a:t>[ ]</a:t>
@@ -20790,7 +17955,7 @@
         </p:nvSpPr>
         <p:spPr bwMode="auto">
           <a:xfrm>
-            <a:off x="6353299" y="2806788"/>
+            <a:off x="7853236" y="2817623"/>
             <a:ext cx="1128156" cy="447051"/>
           </a:xfrm>
           <a:custGeom>
@@ -20863,7 +18028,7 @@
         </p:nvSpPr>
         <p:spPr>
           <a:xfrm>
-            <a:off x="4815578" y="5395160"/>
+            <a:off x="6315515" y="5405995"/>
             <a:ext cx="781672" cy="584775"/>
           </a:xfrm>
           <a:prstGeom prst="rect">
@@ -20889,9 +18054,6 @@
               </a:rPr>
               <a:t>1</a:t>
             </a:r>
-            <a:endParaRPr lang="fr-FR" sz="3200" dirty="0">
-              <a:latin typeface="Calibri" panose="020F0502020204030204" pitchFamily="34" charset="0"/>
-            </a:endParaRPr>
           </a:p>
         </p:txBody>
       </p:sp>
@@ -20903,7 +18065,7 @@
         </p:nvSpPr>
         <p:spPr>
           <a:xfrm>
-            <a:off x="7045400" y="5395160"/>
+            <a:off x="8545337" y="5405995"/>
             <a:ext cx="781672" cy="584775"/>
           </a:xfrm>
           <a:prstGeom prst="rect">
@@ -20924,7 +18086,7 @@
           <a:p>
             <a:pPr algn="ctr"/>
             <a:r>
-              <a:rPr lang="fr-FR" sz="3200" dirty="0" smtClean="0">
+              <a:rPr lang="fr-FR" sz="3200" dirty="0">
                 <a:latin typeface="Calibri" panose="020F0502020204030204" pitchFamily="34" charset="0"/>
               </a:rPr>
               <a:t>2</a:t>
@@ -20943,7 +18105,7 @@
         </p:nvSpPr>
         <p:spPr>
           <a:xfrm>
-            <a:off x="5920605" y="5395160"/>
+            <a:off x="7420543" y="5405995"/>
             <a:ext cx="790073" cy="584775"/>
           </a:xfrm>
           <a:prstGeom prst="rect">
@@ -20964,7 +18126,7 @@
           <a:p>
             <a:pPr algn="ctr"/>
             <a:r>
-              <a:rPr lang="fr-FR" sz="3200" dirty="0" smtClean="0">
+              <a:rPr lang="fr-FR" sz="3200" dirty="0">
                 <a:latin typeface="Calibri" panose="020F0502020204030204" pitchFamily="34" charset="0"/>
               </a:rPr>
               <a:t>[ ]</a:t>
@@ -20983,7 +18145,7 @@
         </p:nvSpPr>
         <p:spPr bwMode="auto">
           <a:xfrm>
-            <a:off x="5180113" y="4596384"/>
+            <a:off x="6680051" y="4607218"/>
             <a:ext cx="1927823" cy="804672"/>
           </a:xfrm>
           <a:custGeom>
@@ -21062,7 +18224,7 @@
         </p:nvSpPr>
         <p:spPr bwMode="auto">
           <a:xfrm>
-            <a:off x="6327648" y="4596384"/>
+            <a:off x="7827585" y="4607218"/>
             <a:ext cx="1011936" cy="804672"/>
           </a:xfrm>
           <a:custGeom>
@@ -21135,7 +18297,7 @@
         </p:nvSpPr>
         <p:spPr bwMode="auto">
           <a:xfrm>
-            <a:off x="6303264" y="5534766"/>
+            <a:off x="7803201" y="5545600"/>
             <a:ext cx="719328" cy="183282"/>
           </a:xfrm>
           <a:custGeom>
@@ -21214,7 +18376,7 @@
         </p:nvSpPr>
         <p:spPr bwMode="auto">
           <a:xfrm>
-            <a:off x="4286234" y="2639260"/>
+            <a:off x="5786172" y="2650095"/>
             <a:ext cx="3717291" cy="2490245"/>
           </a:xfrm>
           <a:custGeom>
@@ -21391,7 +18553,7 @@
         </p:nvSpPr>
         <p:spPr bwMode="auto">
           <a:xfrm>
-            <a:off x="4319488" y="3988524"/>
+            <a:off x="5819425" y="3999358"/>
             <a:ext cx="3916834" cy="2418444"/>
           </a:xfrm>
           <a:custGeom>
